--- a/bishe/2018284129郑兴樑.pptx
+++ b/bishe/2018284129郑兴樑.pptx
@@ -5,7 +5,7 @@
     <p:sldMasterId id="2147483648" r:id="rId1"/>
   </p:sldMasterIdLst>
   <p:notesMasterIdLst>
-    <p:notesMasterId r:id="rId19"/>
+    <p:notesMasterId r:id="rId18"/>
   </p:notesMasterIdLst>
   <p:sldIdLst>
     <p:sldId id="257" r:id="rId2"/>
@@ -13,18 +13,17 @@
     <p:sldId id="260" r:id="rId4"/>
     <p:sldId id="265" r:id="rId5"/>
     <p:sldId id="263" r:id="rId6"/>
-    <p:sldId id="269" r:id="rId7"/>
-    <p:sldId id="270" r:id="rId8"/>
-    <p:sldId id="271" r:id="rId9"/>
-    <p:sldId id="272" r:id="rId10"/>
-    <p:sldId id="273" r:id="rId11"/>
-    <p:sldId id="274" r:id="rId12"/>
-    <p:sldId id="275" r:id="rId13"/>
-    <p:sldId id="276" r:id="rId14"/>
-    <p:sldId id="278" r:id="rId15"/>
-    <p:sldId id="280" r:id="rId16"/>
-    <p:sldId id="281" r:id="rId17"/>
-    <p:sldId id="282" r:id="rId18"/>
+    <p:sldId id="270" r:id="rId7"/>
+    <p:sldId id="271" r:id="rId8"/>
+    <p:sldId id="272" r:id="rId9"/>
+    <p:sldId id="273" r:id="rId10"/>
+    <p:sldId id="274" r:id="rId11"/>
+    <p:sldId id="275" r:id="rId12"/>
+    <p:sldId id="276" r:id="rId13"/>
+    <p:sldId id="278" r:id="rId14"/>
+    <p:sldId id="280" r:id="rId15"/>
+    <p:sldId id="281" r:id="rId16"/>
+    <p:sldId id="282" r:id="rId17"/>
   </p:sldIdLst>
   <p:sldSz cx="12192000" cy="6858000"/>
   <p:notesSz cx="6858000" cy="9144000"/>
@@ -224,7 +223,7 @@
           <a:p>
             <a:fld id="{7FE1F6FF-4E7B-4E41-9AF9-269B3DD32E4B}" type="datetimeFigureOut">
               <a:rPr lang="zh-CN" altLang="en-US" smtClean="0"/>
-              <a:t>2020/5/6</a:t>
+              <a:t>2020/5/8</a:t>
             </a:fld>
             <a:endParaRPr lang="zh-CN" altLang="en-US"/>
           </a:p>
@@ -724,7 +723,7 @@
           <a:p>
             <a:fld id="{D5A8632C-8C08-4D54-81C6-FDABA0C025C6}" type="slidenum">
               <a:rPr lang="zh-CN" altLang="en-US" smtClean="0"/>
-              <a:t>7</a:t>
+              <a:t>6</a:t>
             </a:fld>
             <a:endParaRPr lang="zh-CN" altLang="en-US"/>
           </a:p>
@@ -808,7 +807,7 @@
           <a:p>
             <a:fld id="{D5A8632C-8C08-4D54-81C6-FDABA0C025C6}" type="slidenum">
               <a:rPr lang="zh-CN" altLang="en-US" smtClean="0"/>
-              <a:t>10</a:t>
+              <a:t>9</a:t>
             </a:fld>
             <a:endParaRPr lang="zh-CN" altLang="en-US"/>
           </a:p>
@@ -892,7 +891,7 @@
           <a:p>
             <a:fld id="{D5A8632C-8C08-4D54-81C6-FDABA0C025C6}" type="slidenum">
               <a:rPr lang="zh-CN" altLang="en-US" smtClean="0"/>
-              <a:t>13</a:t>
+              <a:t>12</a:t>
             </a:fld>
             <a:endParaRPr lang="zh-CN" altLang="en-US"/>
           </a:p>
@@ -976,7 +975,7 @@
           <a:p>
             <a:fld id="{D5A8632C-8C08-4D54-81C6-FDABA0C025C6}" type="slidenum">
               <a:rPr lang="zh-CN" altLang="en-US" smtClean="0"/>
-              <a:t>15</a:t>
+              <a:t>14</a:t>
             </a:fld>
             <a:endParaRPr lang="zh-CN" altLang="en-US"/>
           </a:p>
@@ -1124,7 +1123,7 @@
           <a:p>
             <a:fld id="{B36E6381-93DD-42CF-B582-F6C6523FBCF4}" type="datetimeFigureOut">
               <a:rPr lang="zh-CN" altLang="en-US" smtClean="0"/>
-              <a:t>2020/5/6</a:t>
+              <a:t>2020/5/8</a:t>
             </a:fld>
             <a:endParaRPr lang="zh-CN" altLang="en-US"/>
           </a:p>
@@ -1292,7 +1291,7 @@
           <a:p>
             <a:fld id="{B36E6381-93DD-42CF-B582-F6C6523FBCF4}" type="datetimeFigureOut">
               <a:rPr lang="zh-CN" altLang="en-US" smtClean="0"/>
-              <a:t>2020/5/6</a:t>
+              <a:t>2020/5/8</a:t>
             </a:fld>
             <a:endParaRPr lang="zh-CN" altLang="en-US"/>
           </a:p>
@@ -1470,7 +1469,7 @@
           <a:p>
             <a:fld id="{B36E6381-93DD-42CF-B582-F6C6523FBCF4}" type="datetimeFigureOut">
               <a:rPr lang="zh-CN" altLang="en-US" smtClean="0"/>
-              <a:t>2020/5/6</a:t>
+              <a:t>2020/5/8</a:t>
             </a:fld>
             <a:endParaRPr lang="zh-CN" altLang="en-US"/>
           </a:p>
@@ -1638,7 +1637,7 @@
           <a:p>
             <a:fld id="{B36E6381-93DD-42CF-B582-F6C6523FBCF4}" type="datetimeFigureOut">
               <a:rPr lang="zh-CN" altLang="en-US" smtClean="0"/>
-              <a:t>2020/5/6</a:t>
+              <a:t>2020/5/8</a:t>
             </a:fld>
             <a:endParaRPr lang="zh-CN" altLang="en-US"/>
           </a:p>
@@ -1883,7 +1882,7 @@
           <a:p>
             <a:fld id="{B36E6381-93DD-42CF-B582-F6C6523FBCF4}" type="datetimeFigureOut">
               <a:rPr lang="zh-CN" altLang="en-US" smtClean="0"/>
-              <a:t>2020/5/6</a:t>
+              <a:t>2020/5/8</a:t>
             </a:fld>
             <a:endParaRPr lang="zh-CN" altLang="en-US"/>
           </a:p>
@@ -2112,7 +2111,7 @@
           <a:p>
             <a:fld id="{B36E6381-93DD-42CF-B582-F6C6523FBCF4}" type="datetimeFigureOut">
               <a:rPr lang="zh-CN" altLang="en-US" smtClean="0"/>
-              <a:t>2020/5/6</a:t>
+              <a:t>2020/5/8</a:t>
             </a:fld>
             <a:endParaRPr lang="zh-CN" altLang="en-US"/>
           </a:p>
@@ -2476,7 +2475,7 @@
           <a:p>
             <a:fld id="{B36E6381-93DD-42CF-B582-F6C6523FBCF4}" type="datetimeFigureOut">
               <a:rPr lang="zh-CN" altLang="en-US" smtClean="0"/>
-              <a:t>2020/5/6</a:t>
+              <a:t>2020/5/8</a:t>
             </a:fld>
             <a:endParaRPr lang="zh-CN" altLang="en-US"/>
           </a:p>
@@ -2593,7 +2592,7 @@
           <a:p>
             <a:fld id="{B36E6381-93DD-42CF-B582-F6C6523FBCF4}" type="datetimeFigureOut">
               <a:rPr lang="zh-CN" altLang="en-US" smtClean="0"/>
-              <a:t>2020/5/6</a:t>
+              <a:t>2020/5/8</a:t>
             </a:fld>
             <a:endParaRPr lang="zh-CN" altLang="en-US"/>
           </a:p>
@@ -2688,7 +2687,7 @@
           <a:p>
             <a:fld id="{B36E6381-93DD-42CF-B582-F6C6523FBCF4}" type="datetimeFigureOut">
               <a:rPr lang="zh-CN" altLang="en-US" smtClean="0"/>
-              <a:t>2020/5/6</a:t>
+              <a:t>2020/5/8</a:t>
             </a:fld>
             <a:endParaRPr lang="zh-CN" altLang="en-US"/>
           </a:p>
@@ -2963,7 +2962,7 @@
           <a:p>
             <a:fld id="{B36E6381-93DD-42CF-B582-F6C6523FBCF4}" type="datetimeFigureOut">
               <a:rPr lang="zh-CN" altLang="en-US" smtClean="0"/>
-              <a:t>2020/5/6</a:t>
+              <a:t>2020/5/8</a:t>
             </a:fld>
             <a:endParaRPr lang="zh-CN" altLang="en-US"/>
           </a:p>
@@ -3215,7 +3214,7 @@
           <a:p>
             <a:fld id="{B36E6381-93DD-42CF-B582-F6C6523FBCF4}" type="datetimeFigureOut">
               <a:rPr lang="zh-CN" altLang="en-US" smtClean="0"/>
-              <a:t>2020/5/6</a:t>
+              <a:t>2020/5/8</a:t>
             </a:fld>
             <a:endParaRPr lang="zh-CN" altLang="en-US"/>
           </a:p>
@@ -3426,7 +3425,7 @@
           <a:p>
             <a:fld id="{B36E6381-93DD-42CF-B582-F6C6523FBCF4}" type="datetimeFigureOut">
               <a:rPr lang="zh-CN" altLang="en-US" smtClean="0"/>
-              <a:t>2020/5/6</a:t>
+              <a:t>2020/5/8</a:t>
             </a:fld>
             <a:endParaRPr lang="zh-CN" altLang="en-US"/>
           </a:p>
@@ -6215,1115 +6214,6 @@
           <a:chExt cx="0" cy="0"/>
         </a:xfrm>
       </p:grpSpPr>
-      <p:pic>
-        <p:nvPicPr>
-          <p:cNvPr id="26" name="图片 25">
-            <a:extLst>
-              <a:ext uri="{FF2B5EF4-FFF2-40B4-BE49-F238E27FC236}">
-                <a16:creationId xmlns:a16="http://schemas.microsoft.com/office/drawing/2014/main" id="{B55CCBF3-897F-EE4A-B532-D1E64CFC38ED}"/>
-              </a:ext>
-            </a:extLst>
-          </p:cNvPr>
-          <p:cNvPicPr>
-            <a:picLocks noChangeAspect="1"/>
-          </p:cNvPicPr>
-          <p:nvPr/>
-        </p:nvPicPr>
-        <p:blipFill>
-          <a:blip r:embed="rId3">
-            <a:extLst>
-              <a:ext uri="{28A0092B-C50C-407E-A947-70E740481C1C}">
-                <a14:useLocalDpi xmlns:a14="http://schemas.microsoft.com/office/drawing/2010/main" val="0"/>
-              </a:ext>
-            </a:extLst>
-          </a:blip>
-          <a:stretch>
-            <a:fillRect/>
-          </a:stretch>
-        </p:blipFill>
-        <p:spPr>
-          <a:xfrm>
-            <a:off x="3183409" y="922928"/>
-            <a:ext cx="1528183" cy="1473605"/>
-          </a:xfrm>
-          <a:prstGeom prst="rect">
-            <a:avLst/>
-          </a:prstGeom>
-        </p:spPr>
-      </p:pic>
-      <p:sp>
-        <p:nvSpPr>
-          <p:cNvPr id="3" name="椭圆 2"/>
-          <p:cNvSpPr/>
-          <p:nvPr/>
-        </p:nvSpPr>
-        <p:spPr>
-          <a:xfrm>
-            <a:off x="4234640" y="1300389"/>
-            <a:ext cx="3765984" cy="3765984"/>
-          </a:xfrm>
-          <a:prstGeom prst="ellipse">
-            <a:avLst/>
-          </a:prstGeom>
-          <a:solidFill>
-            <a:srgbClr val="2E75B6"/>
-          </a:solidFill>
-          <a:ln>
-            <a:noFill/>
-          </a:ln>
-        </p:spPr>
-        <p:style>
-          <a:lnRef idx="2">
-            <a:schemeClr val="accent1">
-              <a:shade val="50000"/>
-            </a:schemeClr>
-          </a:lnRef>
-          <a:fillRef idx="1">
-            <a:schemeClr val="accent1"/>
-          </a:fillRef>
-          <a:effectRef idx="0">
-            <a:schemeClr val="accent1"/>
-          </a:effectRef>
-          <a:fontRef idx="minor">
-            <a:schemeClr val="lt1"/>
-          </a:fontRef>
-        </p:style>
-        <p:txBody>
-          <a:bodyPr rtlCol="0" anchor="ctr"/>
-          <a:lstStyle/>
-          <a:p>
-            <a:pPr algn="ctr"/>
-            <a:endParaRPr lang="zh-CN" altLang="en-US"/>
-          </a:p>
-        </p:txBody>
-      </p:sp>
-      <p:sp>
-        <p:nvSpPr>
-          <p:cNvPr id="7" name="文本框 6"/>
-          <p:cNvSpPr txBox="1"/>
-          <p:nvPr/>
-        </p:nvSpPr>
-        <p:spPr>
-          <a:xfrm>
-            <a:off x="4365032" y="2735616"/>
-            <a:ext cx="3505200" cy="1754326"/>
-          </a:xfrm>
-          <a:prstGeom prst="rect">
-            <a:avLst/>
-          </a:prstGeom>
-          <a:noFill/>
-        </p:spPr>
-        <p:txBody>
-          <a:bodyPr wrap="square" rtlCol="0">
-            <a:spAutoFit/>
-          </a:bodyPr>
-          <a:lstStyle/>
-          <a:p>
-            <a:pPr algn="ctr"/>
-            <a:r>
-              <a:rPr lang="zh-CN" altLang="en-US" sz="3600" b="1" spc="300" dirty="0">
-                <a:solidFill>
-                  <a:schemeClr val="bg1"/>
-                </a:solidFill>
-                <a:latin typeface="微软雅黑" panose="020B0503020204020204" pitchFamily="34" charset="-122"/>
-                <a:ea typeface="微软雅黑" panose="020B0503020204020204" pitchFamily="34" charset="-122"/>
-              </a:rPr>
-              <a:t>第三部分</a:t>
-            </a:r>
-            <a:endParaRPr lang="en-US" altLang="zh-CN" sz="3600" b="1" spc="300" dirty="0">
-              <a:solidFill>
-                <a:schemeClr val="bg1"/>
-              </a:solidFill>
-              <a:latin typeface="微软雅黑" panose="020B0503020204020204" pitchFamily="34" charset="-122"/>
-              <a:ea typeface="微软雅黑" panose="020B0503020204020204" pitchFamily="34" charset="-122"/>
-            </a:endParaRPr>
-          </a:p>
-          <a:p>
-            <a:pPr algn="ctr"/>
-            <a:r>
-              <a:rPr lang="zh-CN" altLang="en-US" sz="3600" b="1" spc="300" dirty="0">
-                <a:solidFill>
-                  <a:schemeClr val="bg1"/>
-                </a:solidFill>
-                <a:latin typeface="微软雅黑" panose="020B0503020204020204" pitchFamily="34" charset="-122"/>
-                <a:ea typeface="微软雅黑" panose="020B0503020204020204" pitchFamily="34" charset="-122"/>
-              </a:rPr>
-              <a:t>关键技术与</a:t>
-            </a:r>
-            <a:endParaRPr lang="en-US" altLang="zh-CN" sz="3600" b="1" spc="300" dirty="0">
-              <a:solidFill>
-                <a:schemeClr val="bg1"/>
-              </a:solidFill>
-              <a:latin typeface="微软雅黑" panose="020B0503020204020204" pitchFamily="34" charset="-122"/>
-              <a:ea typeface="微软雅黑" panose="020B0503020204020204" pitchFamily="34" charset="-122"/>
-            </a:endParaRPr>
-          </a:p>
-          <a:p>
-            <a:pPr algn="ctr"/>
-            <a:r>
-              <a:rPr lang="zh-CN" altLang="en-US" sz="3600" b="1" spc="300" dirty="0">
-                <a:solidFill>
-                  <a:schemeClr val="bg1"/>
-                </a:solidFill>
-                <a:latin typeface="微软雅黑" panose="020B0503020204020204" pitchFamily="34" charset="-122"/>
-                <a:ea typeface="微软雅黑" panose="020B0503020204020204" pitchFamily="34" charset="-122"/>
-              </a:rPr>
-              <a:t>实践难点</a:t>
-            </a:r>
-          </a:p>
-        </p:txBody>
-      </p:sp>
-      <p:sp>
-        <p:nvSpPr>
-          <p:cNvPr id="10" name="椭圆 9"/>
-          <p:cNvSpPr/>
-          <p:nvPr/>
-        </p:nvSpPr>
-        <p:spPr>
-          <a:xfrm>
-            <a:off x="1242576" y="4655620"/>
-            <a:ext cx="200025" cy="252926"/>
-          </a:xfrm>
-          <a:prstGeom prst="ellipse">
-            <a:avLst/>
-          </a:prstGeom>
-          <a:solidFill>
-            <a:schemeClr val="accent1">
-              <a:lumMod val="60000"/>
-              <a:lumOff val="40000"/>
-            </a:schemeClr>
-          </a:solidFill>
-          <a:ln>
-            <a:noFill/>
-          </a:ln>
-        </p:spPr>
-        <p:style>
-          <a:lnRef idx="2">
-            <a:schemeClr val="accent1">
-              <a:shade val="50000"/>
-            </a:schemeClr>
-          </a:lnRef>
-          <a:fillRef idx="1">
-            <a:schemeClr val="accent1"/>
-          </a:fillRef>
-          <a:effectRef idx="0">
-            <a:schemeClr val="accent1"/>
-          </a:effectRef>
-          <a:fontRef idx="minor">
-            <a:schemeClr val="lt1"/>
-          </a:fontRef>
-        </p:style>
-        <p:txBody>
-          <a:bodyPr rtlCol="0" anchor="ctr"/>
-          <a:lstStyle/>
-          <a:p>
-            <a:pPr algn="ctr"/>
-            <a:endParaRPr lang="zh-CN" altLang="en-US"/>
-          </a:p>
-        </p:txBody>
-      </p:sp>
-      <p:sp>
-        <p:nvSpPr>
-          <p:cNvPr id="12" name="椭圆 11"/>
-          <p:cNvSpPr/>
-          <p:nvPr/>
-        </p:nvSpPr>
-        <p:spPr>
-          <a:xfrm>
-            <a:off x="1782642" y="3874881"/>
-            <a:ext cx="517947" cy="517947"/>
-          </a:xfrm>
-          <a:prstGeom prst="ellipse">
-            <a:avLst/>
-          </a:prstGeom>
-          <a:solidFill>
-            <a:schemeClr val="accent1">
-              <a:lumMod val="60000"/>
-              <a:lumOff val="40000"/>
-            </a:schemeClr>
-          </a:solidFill>
-          <a:ln>
-            <a:noFill/>
-          </a:ln>
-        </p:spPr>
-        <p:style>
-          <a:lnRef idx="2">
-            <a:schemeClr val="accent1">
-              <a:shade val="50000"/>
-            </a:schemeClr>
-          </a:lnRef>
-          <a:fillRef idx="1">
-            <a:schemeClr val="accent1"/>
-          </a:fillRef>
-          <a:effectRef idx="0">
-            <a:schemeClr val="accent1"/>
-          </a:effectRef>
-          <a:fontRef idx="minor">
-            <a:schemeClr val="lt1"/>
-          </a:fontRef>
-        </p:style>
-        <p:txBody>
-          <a:bodyPr rtlCol="0" anchor="ctr"/>
-          <a:lstStyle/>
-          <a:p>
-            <a:pPr algn="ctr"/>
-            <a:endParaRPr lang="zh-CN" altLang="en-US"/>
-          </a:p>
-        </p:txBody>
-      </p:sp>
-      <p:sp>
-        <p:nvSpPr>
-          <p:cNvPr id="13" name="椭圆 12"/>
-          <p:cNvSpPr/>
-          <p:nvPr/>
-        </p:nvSpPr>
-        <p:spPr>
-          <a:xfrm>
-            <a:off x="3205041" y="3609774"/>
-            <a:ext cx="644545" cy="644545"/>
-          </a:xfrm>
-          <a:prstGeom prst="ellipse">
-            <a:avLst/>
-          </a:prstGeom>
-          <a:solidFill>
-            <a:schemeClr val="accent1">
-              <a:lumMod val="60000"/>
-              <a:lumOff val="40000"/>
-            </a:schemeClr>
-          </a:solidFill>
-          <a:ln>
-            <a:noFill/>
-          </a:ln>
-        </p:spPr>
-        <p:style>
-          <a:lnRef idx="2">
-            <a:schemeClr val="accent1">
-              <a:shade val="50000"/>
-            </a:schemeClr>
-          </a:lnRef>
-          <a:fillRef idx="1">
-            <a:schemeClr val="accent1"/>
-          </a:fillRef>
-          <a:effectRef idx="0">
-            <a:schemeClr val="accent1"/>
-          </a:effectRef>
-          <a:fontRef idx="minor">
-            <a:schemeClr val="lt1"/>
-          </a:fontRef>
-        </p:style>
-        <p:txBody>
-          <a:bodyPr rtlCol="0" anchor="ctr"/>
-          <a:lstStyle/>
-          <a:p>
-            <a:pPr algn="ctr"/>
-            <a:endParaRPr lang="zh-CN" altLang="en-US"/>
-          </a:p>
-        </p:txBody>
-      </p:sp>
-      <p:sp>
-        <p:nvSpPr>
-          <p:cNvPr id="14" name="椭圆 13"/>
-          <p:cNvSpPr/>
-          <p:nvPr/>
-        </p:nvSpPr>
-        <p:spPr>
-          <a:xfrm>
-            <a:off x="681884" y="2530507"/>
-            <a:ext cx="213466" cy="213466"/>
-          </a:xfrm>
-          <a:prstGeom prst="ellipse">
-            <a:avLst/>
-          </a:prstGeom>
-          <a:solidFill>
-            <a:schemeClr val="accent1">
-              <a:lumMod val="60000"/>
-              <a:lumOff val="40000"/>
-            </a:schemeClr>
-          </a:solidFill>
-          <a:ln>
-            <a:noFill/>
-          </a:ln>
-        </p:spPr>
-        <p:style>
-          <a:lnRef idx="2">
-            <a:schemeClr val="accent1">
-              <a:shade val="50000"/>
-            </a:schemeClr>
-          </a:lnRef>
-          <a:fillRef idx="1">
-            <a:schemeClr val="accent1"/>
-          </a:fillRef>
-          <a:effectRef idx="0">
-            <a:schemeClr val="accent1"/>
-          </a:effectRef>
-          <a:fontRef idx="minor">
-            <a:schemeClr val="lt1"/>
-          </a:fontRef>
-        </p:style>
-        <p:txBody>
-          <a:bodyPr rtlCol="0" anchor="ctr"/>
-          <a:lstStyle/>
-          <a:p>
-            <a:pPr algn="ctr"/>
-            <a:endParaRPr lang="zh-CN" altLang="en-US"/>
-          </a:p>
-        </p:txBody>
-      </p:sp>
-      <p:sp>
-        <p:nvSpPr>
-          <p:cNvPr id="15" name="椭圆 14"/>
-          <p:cNvSpPr/>
-          <p:nvPr/>
-        </p:nvSpPr>
-        <p:spPr>
-          <a:xfrm>
-            <a:off x="2883116" y="2598274"/>
-            <a:ext cx="474961" cy="474961"/>
-          </a:xfrm>
-          <a:prstGeom prst="ellipse">
-            <a:avLst/>
-          </a:prstGeom>
-          <a:solidFill>
-            <a:schemeClr val="accent1">
-              <a:lumMod val="60000"/>
-              <a:lumOff val="40000"/>
-            </a:schemeClr>
-          </a:solidFill>
-          <a:ln>
-            <a:noFill/>
-          </a:ln>
-        </p:spPr>
-        <p:style>
-          <a:lnRef idx="2">
-            <a:schemeClr val="accent1">
-              <a:shade val="50000"/>
-            </a:schemeClr>
-          </a:lnRef>
-          <a:fillRef idx="1">
-            <a:schemeClr val="accent1"/>
-          </a:fillRef>
-          <a:effectRef idx="0">
-            <a:schemeClr val="accent1"/>
-          </a:effectRef>
-          <a:fontRef idx="minor">
-            <a:schemeClr val="lt1"/>
-          </a:fontRef>
-        </p:style>
-        <p:txBody>
-          <a:bodyPr rtlCol="0" anchor="ctr"/>
-          <a:lstStyle/>
-          <a:p>
-            <a:pPr algn="ctr"/>
-            <a:endParaRPr lang="zh-CN" altLang="en-US"/>
-          </a:p>
-        </p:txBody>
-      </p:sp>
-      <p:sp>
-        <p:nvSpPr>
-          <p:cNvPr id="16" name="椭圆 15"/>
-          <p:cNvSpPr/>
-          <p:nvPr/>
-        </p:nvSpPr>
-        <p:spPr>
-          <a:xfrm>
-            <a:off x="2300589" y="2020073"/>
-            <a:ext cx="356604" cy="356604"/>
-          </a:xfrm>
-          <a:prstGeom prst="ellipse">
-            <a:avLst/>
-          </a:prstGeom>
-          <a:solidFill>
-            <a:schemeClr val="accent1">
-              <a:lumMod val="60000"/>
-              <a:lumOff val="40000"/>
-            </a:schemeClr>
-          </a:solidFill>
-          <a:ln>
-            <a:noFill/>
-          </a:ln>
-        </p:spPr>
-        <p:style>
-          <a:lnRef idx="2">
-            <a:schemeClr val="accent1">
-              <a:shade val="50000"/>
-            </a:schemeClr>
-          </a:lnRef>
-          <a:fillRef idx="1">
-            <a:schemeClr val="accent1"/>
-          </a:fillRef>
-          <a:effectRef idx="0">
-            <a:schemeClr val="accent1"/>
-          </a:effectRef>
-          <a:fontRef idx="minor">
-            <a:schemeClr val="lt1"/>
-          </a:fontRef>
-        </p:style>
-        <p:txBody>
-          <a:bodyPr rtlCol="0" anchor="ctr"/>
-          <a:lstStyle/>
-          <a:p>
-            <a:pPr algn="ctr"/>
-            <a:endParaRPr lang="zh-CN" altLang="en-US"/>
-          </a:p>
-        </p:txBody>
-      </p:sp>
-      <p:sp>
-        <p:nvSpPr>
-          <p:cNvPr id="17" name="椭圆 16"/>
-          <p:cNvSpPr/>
-          <p:nvPr/>
-        </p:nvSpPr>
-        <p:spPr>
-          <a:xfrm>
-            <a:off x="8137954" y="3276438"/>
-            <a:ext cx="221243" cy="221243"/>
-          </a:xfrm>
-          <a:prstGeom prst="ellipse">
-            <a:avLst/>
-          </a:prstGeom>
-          <a:solidFill>
-            <a:schemeClr val="accent1">
-              <a:lumMod val="60000"/>
-              <a:lumOff val="40000"/>
-            </a:schemeClr>
-          </a:solidFill>
-          <a:ln>
-            <a:noFill/>
-          </a:ln>
-        </p:spPr>
-        <p:style>
-          <a:lnRef idx="2">
-            <a:schemeClr val="accent1">
-              <a:shade val="50000"/>
-            </a:schemeClr>
-          </a:lnRef>
-          <a:fillRef idx="1">
-            <a:schemeClr val="accent1"/>
-          </a:fillRef>
-          <a:effectRef idx="0">
-            <a:schemeClr val="accent1"/>
-          </a:effectRef>
-          <a:fontRef idx="minor">
-            <a:schemeClr val="lt1"/>
-          </a:fontRef>
-        </p:style>
-        <p:txBody>
-          <a:bodyPr rtlCol="0" anchor="ctr"/>
-          <a:lstStyle/>
-          <a:p>
-            <a:pPr algn="ctr"/>
-            <a:endParaRPr lang="zh-CN" altLang="en-US"/>
-          </a:p>
-        </p:txBody>
-      </p:sp>
-      <p:sp>
-        <p:nvSpPr>
-          <p:cNvPr id="18" name="椭圆 17"/>
-          <p:cNvSpPr/>
-          <p:nvPr/>
-        </p:nvSpPr>
-        <p:spPr>
-          <a:xfrm>
-            <a:off x="9802212" y="1379924"/>
-            <a:ext cx="640149" cy="640149"/>
-          </a:xfrm>
-          <a:prstGeom prst="ellipse">
-            <a:avLst/>
-          </a:prstGeom>
-          <a:solidFill>
-            <a:schemeClr val="accent1">
-              <a:lumMod val="60000"/>
-              <a:lumOff val="40000"/>
-            </a:schemeClr>
-          </a:solidFill>
-          <a:ln>
-            <a:noFill/>
-          </a:ln>
-        </p:spPr>
-        <p:style>
-          <a:lnRef idx="2">
-            <a:schemeClr val="accent1">
-              <a:shade val="50000"/>
-            </a:schemeClr>
-          </a:lnRef>
-          <a:fillRef idx="1">
-            <a:schemeClr val="accent1"/>
-          </a:fillRef>
-          <a:effectRef idx="0">
-            <a:schemeClr val="accent1"/>
-          </a:effectRef>
-          <a:fontRef idx="minor">
-            <a:schemeClr val="lt1"/>
-          </a:fontRef>
-        </p:style>
-        <p:txBody>
-          <a:bodyPr rtlCol="0" anchor="ctr"/>
-          <a:lstStyle/>
-          <a:p>
-            <a:pPr algn="ctr"/>
-            <a:endParaRPr lang="zh-CN" altLang="en-US"/>
-          </a:p>
-        </p:txBody>
-      </p:sp>
-      <p:sp>
-        <p:nvSpPr>
-          <p:cNvPr id="19" name="椭圆 18"/>
-          <p:cNvSpPr/>
-          <p:nvPr/>
-        </p:nvSpPr>
-        <p:spPr>
-          <a:xfrm>
-            <a:off x="7483463" y="5060666"/>
-            <a:ext cx="317090" cy="317090"/>
-          </a:xfrm>
-          <a:prstGeom prst="ellipse">
-            <a:avLst/>
-          </a:prstGeom>
-          <a:solidFill>
-            <a:schemeClr val="accent1">
-              <a:lumMod val="60000"/>
-              <a:lumOff val="40000"/>
-            </a:schemeClr>
-          </a:solidFill>
-          <a:ln>
-            <a:noFill/>
-          </a:ln>
-        </p:spPr>
-        <p:style>
-          <a:lnRef idx="2">
-            <a:schemeClr val="accent1">
-              <a:shade val="50000"/>
-            </a:schemeClr>
-          </a:lnRef>
-          <a:fillRef idx="1">
-            <a:schemeClr val="accent1"/>
-          </a:fillRef>
-          <a:effectRef idx="0">
-            <a:schemeClr val="accent1"/>
-          </a:effectRef>
-          <a:fontRef idx="minor">
-            <a:schemeClr val="lt1"/>
-          </a:fontRef>
-        </p:style>
-        <p:txBody>
-          <a:bodyPr rtlCol="0" anchor="ctr"/>
-          <a:lstStyle/>
-          <a:p>
-            <a:pPr algn="ctr"/>
-            <a:endParaRPr lang="zh-CN" altLang="en-US"/>
-          </a:p>
-        </p:txBody>
-      </p:sp>
-      <p:sp>
-        <p:nvSpPr>
-          <p:cNvPr id="20" name="椭圆 19"/>
-          <p:cNvSpPr/>
-          <p:nvPr/>
-        </p:nvSpPr>
-        <p:spPr>
-          <a:xfrm flipH="1" flipV="1">
-            <a:off x="7213620" y="4407605"/>
-            <a:ext cx="316732" cy="341678"/>
-          </a:xfrm>
-          <a:prstGeom prst="ellipse">
-            <a:avLst/>
-          </a:prstGeom>
-          <a:solidFill>
-            <a:schemeClr val="accent1">
-              <a:lumMod val="60000"/>
-              <a:lumOff val="40000"/>
-            </a:schemeClr>
-          </a:solidFill>
-          <a:ln>
-            <a:noFill/>
-          </a:ln>
-        </p:spPr>
-        <p:style>
-          <a:lnRef idx="2">
-            <a:schemeClr val="accent1">
-              <a:shade val="50000"/>
-            </a:schemeClr>
-          </a:lnRef>
-          <a:fillRef idx="1">
-            <a:schemeClr val="accent1"/>
-          </a:fillRef>
-          <a:effectRef idx="0">
-            <a:schemeClr val="accent1"/>
-          </a:effectRef>
-          <a:fontRef idx="minor">
-            <a:schemeClr val="lt1"/>
-          </a:fontRef>
-        </p:style>
-        <p:txBody>
-          <a:bodyPr rtlCol="0" anchor="ctr"/>
-          <a:lstStyle/>
-          <a:p>
-            <a:pPr algn="ctr"/>
-            <a:endParaRPr lang="zh-CN" altLang="en-US"/>
-          </a:p>
-        </p:txBody>
-      </p:sp>
-      <p:sp>
-        <p:nvSpPr>
-          <p:cNvPr id="21" name="椭圆 20"/>
-          <p:cNvSpPr/>
-          <p:nvPr/>
-        </p:nvSpPr>
-        <p:spPr>
-          <a:xfrm>
-            <a:off x="8958781" y="2297971"/>
-            <a:ext cx="232696" cy="232696"/>
-          </a:xfrm>
-          <a:prstGeom prst="ellipse">
-            <a:avLst/>
-          </a:prstGeom>
-          <a:solidFill>
-            <a:schemeClr val="accent1">
-              <a:lumMod val="60000"/>
-              <a:lumOff val="40000"/>
-            </a:schemeClr>
-          </a:solidFill>
-          <a:ln>
-            <a:noFill/>
-          </a:ln>
-        </p:spPr>
-        <p:style>
-          <a:lnRef idx="2">
-            <a:schemeClr val="accent1">
-              <a:shade val="50000"/>
-            </a:schemeClr>
-          </a:lnRef>
-          <a:fillRef idx="1">
-            <a:schemeClr val="accent1"/>
-          </a:fillRef>
-          <a:effectRef idx="0">
-            <a:schemeClr val="accent1"/>
-          </a:effectRef>
-          <a:fontRef idx="minor">
-            <a:schemeClr val="lt1"/>
-          </a:fontRef>
-        </p:style>
-        <p:txBody>
-          <a:bodyPr rtlCol="0" anchor="ctr"/>
-          <a:lstStyle/>
-          <a:p>
-            <a:pPr algn="ctr"/>
-            <a:endParaRPr lang="zh-CN" altLang="en-US"/>
-          </a:p>
-        </p:txBody>
-      </p:sp>
-      <p:sp>
-        <p:nvSpPr>
-          <p:cNvPr id="22" name="椭圆 21"/>
-          <p:cNvSpPr/>
-          <p:nvPr/>
-        </p:nvSpPr>
-        <p:spPr>
-          <a:xfrm>
-            <a:off x="8439363" y="3764548"/>
-            <a:ext cx="830253" cy="830253"/>
-          </a:xfrm>
-          <a:prstGeom prst="ellipse">
-            <a:avLst/>
-          </a:prstGeom>
-          <a:solidFill>
-            <a:schemeClr val="accent1">
-              <a:lumMod val="60000"/>
-              <a:lumOff val="40000"/>
-            </a:schemeClr>
-          </a:solidFill>
-          <a:ln>
-            <a:noFill/>
-          </a:ln>
-        </p:spPr>
-        <p:style>
-          <a:lnRef idx="2">
-            <a:schemeClr val="accent1">
-              <a:shade val="50000"/>
-            </a:schemeClr>
-          </a:lnRef>
-          <a:fillRef idx="1">
-            <a:schemeClr val="accent1"/>
-          </a:fillRef>
-          <a:effectRef idx="0">
-            <a:schemeClr val="accent1"/>
-          </a:effectRef>
-          <a:fontRef idx="minor">
-            <a:schemeClr val="lt1"/>
-          </a:fontRef>
-        </p:style>
-        <p:txBody>
-          <a:bodyPr rtlCol="0" anchor="ctr"/>
-          <a:lstStyle/>
-          <a:p>
-            <a:pPr algn="ctr"/>
-            <a:endParaRPr lang="zh-CN" altLang="en-US"/>
-          </a:p>
-        </p:txBody>
-      </p:sp>
-      <p:sp>
-        <p:nvSpPr>
-          <p:cNvPr id="23" name="椭圆 22"/>
-          <p:cNvSpPr/>
-          <p:nvPr/>
-        </p:nvSpPr>
-        <p:spPr>
-          <a:xfrm>
-            <a:off x="8625071" y="990980"/>
-            <a:ext cx="232696" cy="232696"/>
-          </a:xfrm>
-          <a:prstGeom prst="ellipse">
-            <a:avLst/>
-          </a:prstGeom>
-          <a:solidFill>
-            <a:schemeClr val="accent1">
-              <a:lumMod val="60000"/>
-              <a:lumOff val="40000"/>
-            </a:schemeClr>
-          </a:solidFill>
-          <a:ln>
-            <a:noFill/>
-          </a:ln>
-        </p:spPr>
-        <p:style>
-          <a:lnRef idx="2">
-            <a:schemeClr val="accent1">
-              <a:shade val="50000"/>
-            </a:schemeClr>
-          </a:lnRef>
-          <a:fillRef idx="1">
-            <a:schemeClr val="accent1"/>
-          </a:fillRef>
-          <a:effectRef idx="0">
-            <a:schemeClr val="accent1"/>
-          </a:effectRef>
-          <a:fontRef idx="minor">
-            <a:schemeClr val="lt1"/>
-          </a:fontRef>
-        </p:style>
-        <p:txBody>
-          <a:bodyPr rtlCol="0" anchor="ctr"/>
-          <a:lstStyle/>
-          <a:p>
-            <a:pPr algn="ctr"/>
-            <a:endParaRPr lang="zh-CN" altLang="en-US"/>
-          </a:p>
-        </p:txBody>
-      </p:sp>
-      <p:sp>
-        <p:nvSpPr>
-          <p:cNvPr id="24" name="椭圆 23"/>
-          <p:cNvSpPr/>
-          <p:nvPr/>
-        </p:nvSpPr>
-        <p:spPr>
-          <a:xfrm>
-            <a:off x="10336993" y="3591836"/>
-            <a:ext cx="415127" cy="415127"/>
-          </a:xfrm>
-          <a:prstGeom prst="ellipse">
-            <a:avLst/>
-          </a:prstGeom>
-          <a:solidFill>
-            <a:schemeClr val="accent1">
-              <a:lumMod val="60000"/>
-              <a:lumOff val="40000"/>
-            </a:schemeClr>
-          </a:solidFill>
-          <a:ln>
-            <a:noFill/>
-          </a:ln>
-        </p:spPr>
-        <p:style>
-          <a:lnRef idx="2">
-            <a:schemeClr val="accent1">
-              <a:shade val="50000"/>
-            </a:schemeClr>
-          </a:lnRef>
-          <a:fillRef idx="1">
-            <a:schemeClr val="accent1"/>
-          </a:fillRef>
-          <a:effectRef idx="0">
-            <a:schemeClr val="accent1"/>
-          </a:effectRef>
-          <a:fontRef idx="minor">
-            <a:schemeClr val="lt1"/>
-          </a:fontRef>
-        </p:style>
-        <p:txBody>
-          <a:bodyPr rtlCol="0" anchor="ctr"/>
-          <a:lstStyle/>
-          <a:p>
-            <a:pPr algn="ctr"/>
-            <a:endParaRPr lang="zh-CN" altLang="en-US"/>
-          </a:p>
-        </p:txBody>
-      </p:sp>
-      <p:sp>
-        <p:nvSpPr>
-          <p:cNvPr id="25" name="椭圆 24"/>
-          <p:cNvSpPr/>
-          <p:nvPr/>
-        </p:nvSpPr>
-        <p:spPr>
-          <a:xfrm flipH="1">
-            <a:off x="9252339" y="4908546"/>
-            <a:ext cx="486249" cy="486249"/>
-          </a:xfrm>
-          <a:prstGeom prst="ellipse">
-            <a:avLst/>
-          </a:prstGeom>
-          <a:solidFill>
-            <a:schemeClr val="accent1">
-              <a:lumMod val="60000"/>
-              <a:lumOff val="40000"/>
-            </a:schemeClr>
-          </a:solidFill>
-          <a:ln>
-            <a:noFill/>
-          </a:ln>
-        </p:spPr>
-        <p:style>
-          <a:lnRef idx="2">
-            <a:schemeClr val="accent1">
-              <a:shade val="50000"/>
-            </a:schemeClr>
-          </a:lnRef>
-          <a:fillRef idx="1">
-            <a:schemeClr val="accent1"/>
-          </a:fillRef>
-          <a:effectRef idx="0">
-            <a:schemeClr val="accent1"/>
-          </a:effectRef>
-          <a:fontRef idx="minor">
-            <a:schemeClr val="lt1"/>
-          </a:fontRef>
-        </p:style>
-        <p:txBody>
-          <a:bodyPr rtlCol="0" anchor="ctr"/>
-          <a:lstStyle/>
-          <a:p>
-            <a:pPr algn="ctr"/>
-            <a:endParaRPr lang="zh-CN" altLang="en-US"/>
-          </a:p>
-        </p:txBody>
-      </p:sp>
-      <p:cxnSp>
-        <p:nvCxnSpPr>
-          <p:cNvPr id="27" name="直接连接符 26"/>
-          <p:cNvCxnSpPr/>
-          <p:nvPr/>
-        </p:nvCxnSpPr>
-        <p:spPr>
-          <a:xfrm flipH="1">
-            <a:off x="6765301" y="258587"/>
-            <a:ext cx="1018818" cy="1182825"/>
-          </a:xfrm>
-          <a:prstGeom prst="line">
-            <a:avLst/>
-          </a:prstGeom>
-          <a:ln w="19050"/>
-        </p:spPr>
-        <p:style>
-          <a:lnRef idx="1">
-            <a:schemeClr val="accent1"/>
-          </a:lnRef>
-          <a:fillRef idx="0">
-            <a:schemeClr val="accent1"/>
-          </a:fillRef>
-          <a:effectRef idx="0">
-            <a:schemeClr val="accent1"/>
-          </a:effectRef>
-          <a:fontRef idx="minor">
-            <a:schemeClr val="tx1"/>
-          </a:fontRef>
-        </p:style>
-      </p:cxnSp>
-      <p:cxnSp>
-        <p:nvCxnSpPr>
-          <p:cNvPr id="28" name="直接连接符 27"/>
-          <p:cNvCxnSpPr/>
-          <p:nvPr/>
-        </p:nvCxnSpPr>
-        <p:spPr>
-          <a:xfrm flipH="1">
-            <a:off x="7692372" y="0"/>
-            <a:ext cx="1018818" cy="1182825"/>
-          </a:xfrm>
-          <a:prstGeom prst="line">
-            <a:avLst/>
-          </a:prstGeom>
-          <a:ln w="19050"/>
-        </p:spPr>
-        <p:style>
-          <a:lnRef idx="1">
-            <a:schemeClr val="accent1"/>
-          </a:lnRef>
-          <a:fillRef idx="0">
-            <a:schemeClr val="accent1"/>
-          </a:fillRef>
-          <a:effectRef idx="0">
-            <a:schemeClr val="accent1"/>
-          </a:effectRef>
-          <a:fontRef idx="minor">
-            <a:schemeClr val="tx1"/>
-          </a:fontRef>
-        </p:style>
-      </p:cxnSp>
-      <p:cxnSp>
-        <p:nvCxnSpPr>
-          <p:cNvPr id="29" name="直接连接符 28"/>
-          <p:cNvCxnSpPr/>
-          <p:nvPr/>
-        </p:nvCxnSpPr>
-        <p:spPr>
-          <a:xfrm flipH="1">
-            <a:off x="3351896" y="5229957"/>
-            <a:ext cx="1018818" cy="1182825"/>
-          </a:xfrm>
-          <a:prstGeom prst="line">
-            <a:avLst/>
-          </a:prstGeom>
-          <a:ln w="19050"/>
-        </p:spPr>
-        <p:style>
-          <a:lnRef idx="1">
-            <a:schemeClr val="accent1"/>
-          </a:lnRef>
-          <a:fillRef idx="0">
-            <a:schemeClr val="accent1"/>
-          </a:fillRef>
-          <a:effectRef idx="0">
-            <a:schemeClr val="accent1"/>
-          </a:effectRef>
-          <a:fontRef idx="minor">
-            <a:schemeClr val="tx1"/>
-          </a:fontRef>
-        </p:style>
-      </p:cxnSp>
-      <p:cxnSp>
-        <p:nvCxnSpPr>
-          <p:cNvPr id="30" name="直接连接符 29"/>
-          <p:cNvCxnSpPr/>
-          <p:nvPr/>
-        </p:nvCxnSpPr>
-        <p:spPr>
-          <a:xfrm flipH="1">
-            <a:off x="7191637" y="1455649"/>
-            <a:ext cx="1018818" cy="1182825"/>
-          </a:xfrm>
-          <a:prstGeom prst="line">
-            <a:avLst/>
-          </a:prstGeom>
-          <a:ln w="19050"/>
-        </p:spPr>
-        <p:style>
-          <a:lnRef idx="1">
-            <a:schemeClr val="accent1"/>
-          </a:lnRef>
-          <a:fillRef idx="0">
-            <a:schemeClr val="accent1"/>
-          </a:fillRef>
-          <a:effectRef idx="0">
-            <a:schemeClr val="accent1"/>
-          </a:effectRef>
-          <a:fontRef idx="minor">
-            <a:schemeClr val="tx1"/>
-          </a:fontRef>
-        </p:style>
-      </p:cxnSp>
-      <p:cxnSp>
-        <p:nvCxnSpPr>
-          <p:cNvPr id="32" name="直接连接符 31"/>
-          <p:cNvCxnSpPr/>
-          <p:nvPr/>
-        </p:nvCxnSpPr>
-        <p:spPr>
-          <a:xfrm flipH="1">
-            <a:off x="4419197" y="4892371"/>
-            <a:ext cx="1018818" cy="1182825"/>
-          </a:xfrm>
-          <a:prstGeom prst="line">
-            <a:avLst/>
-          </a:prstGeom>
-          <a:ln w="19050"/>
-        </p:spPr>
-        <p:style>
-          <a:lnRef idx="1">
-            <a:schemeClr val="accent1"/>
-          </a:lnRef>
-          <a:fillRef idx="0">
-            <a:schemeClr val="accent1"/>
-          </a:fillRef>
-          <a:effectRef idx="0">
-            <a:schemeClr val="accent1"/>
-          </a:effectRef>
-          <a:fontRef idx="minor">
-            <a:schemeClr val="tx1"/>
-          </a:fontRef>
-        </p:style>
-      </p:cxnSp>
-      <p:cxnSp>
-        <p:nvCxnSpPr>
-          <p:cNvPr id="34" name="直接连接符 33"/>
-          <p:cNvCxnSpPr/>
-          <p:nvPr/>
-        </p:nvCxnSpPr>
-        <p:spPr>
-          <a:xfrm flipH="1">
-            <a:off x="3992861" y="4061642"/>
-            <a:ext cx="1018818" cy="1182825"/>
-          </a:xfrm>
-          <a:prstGeom prst="line">
-            <a:avLst/>
-          </a:prstGeom>
-          <a:ln w="19050"/>
-        </p:spPr>
-        <p:style>
-          <a:lnRef idx="1">
-            <a:schemeClr val="accent1"/>
-          </a:lnRef>
-          <a:fillRef idx="0">
-            <a:schemeClr val="accent1"/>
-          </a:fillRef>
-          <a:effectRef idx="0">
-            <a:schemeClr val="accent1"/>
-          </a:effectRef>
-          <a:fontRef idx="minor">
-            <a:schemeClr val="tx1"/>
-          </a:fontRef>
-        </p:style>
-      </p:cxnSp>
-    </p:spTree>
-    <p:extLst>
-      <p:ext uri="{BB962C8B-B14F-4D97-AF65-F5344CB8AC3E}">
-        <p14:creationId xmlns:p14="http://schemas.microsoft.com/office/powerpoint/2010/main" val="1874640542"/>
-      </p:ext>
-    </p:extLst>
-  </p:cSld>
-  <p:clrMapOvr>
-    <a:masterClrMapping/>
-  </p:clrMapOvr>
-</p:sld>
-</file>
-
-<file path=ppt/slides/slide11.xml><?xml version="1.0" encoding="utf-8"?>
-<p:sld xmlns:a="http://schemas.openxmlformats.org/drawingml/2006/main" xmlns:r="http://schemas.openxmlformats.org/officeDocument/2006/relationships" xmlns:p="http://schemas.openxmlformats.org/presentationml/2006/main">
-  <p:cSld>
-    <p:spTree>
-      <p:nvGrpSpPr>
-        <p:cNvPr id="1" name=""/>
-        <p:cNvGrpSpPr/>
-        <p:nvPr/>
-      </p:nvGrpSpPr>
-      <p:grpSpPr>
-        <a:xfrm>
-          <a:off x="0" y="0"/>
-          <a:ext cx="0" cy="0"/>
-          <a:chOff x="0" y="0"/>
-          <a:chExt cx="0" cy="0"/>
-        </a:xfrm>
-      </p:grpSpPr>
       <p:sp>
         <p:nvSpPr>
           <p:cNvPr id="23" name="文本框 22"/>
@@ -10967,7 +9857,7 @@
 </p:sld>
 </file>
 
-<file path=ppt/slides/slide12.xml><?xml version="1.0" encoding="utf-8"?>
+<file path=ppt/slides/slide11.xml><?xml version="1.0" encoding="utf-8"?>
 <p:sld xmlns:a="http://schemas.openxmlformats.org/drawingml/2006/main" xmlns:r="http://schemas.openxmlformats.org/officeDocument/2006/relationships" xmlns:p="http://schemas.openxmlformats.org/presentationml/2006/main">
   <p:cSld>
     <p:spTree>
@@ -12924,7 +11814,7 @@
 </p:sld>
 </file>
 
-<file path=ppt/slides/slide13.xml><?xml version="1.0" encoding="utf-8"?>
+<file path=ppt/slides/slide12.xml><?xml version="1.0" encoding="utf-8"?>
 <p:sld xmlns:a="http://schemas.openxmlformats.org/drawingml/2006/main" xmlns:r="http://schemas.openxmlformats.org/officeDocument/2006/relationships" xmlns:p="http://schemas.openxmlformats.org/presentationml/2006/main">
   <p:cSld>
     <p:spTree>
@@ -14033,7 +12923,7 @@
 </p:sld>
 </file>
 
-<file path=ppt/slides/slide14.xml><?xml version="1.0" encoding="utf-8"?>
+<file path=ppt/slides/slide13.xml><?xml version="1.0" encoding="utf-8"?>
 <p:sld xmlns:a="http://schemas.openxmlformats.org/drawingml/2006/main" xmlns:r="http://schemas.openxmlformats.org/officeDocument/2006/relationships" xmlns:p="http://schemas.openxmlformats.org/presentationml/2006/main">
   <p:cSld>
     <p:spTree>
@@ -16734,7 +15624,7 @@
 </p:sld>
 </file>
 
-<file path=ppt/slides/slide15.xml><?xml version="1.0" encoding="utf-8"?>
+<file path=ppt/slides/slide14.xml><?xml version="1.0" encoding="utf-8"?>
 <p:sld xmlns:a="http://schemas.openxmlformats.org/drawingml/2006/main" xmlns:r="http://schemas.openxmlformats.org/officeDocument/2006/relationships" xmlns:p="http://schemas.openxmlformats.org/presentationml/2006/main">
   <p:cSld>
     <p:spTree>
@@ -17823,7 +16713,7 @@
 </p:sld>
 </file>
 
-<file path=ppt/slides/slide16.xml><?xml version="1.0" encoding="utf-8"?>
+<file path=ppt/slides/slide15.xml><?xml version="1.0" encoding="utf-8"?>
 <p:sld xmlns:a="http://schemas.openxmlformats.org/drawingml/2006/main" xmlns:r="http://schemas.openxmlformats.org/officeDocument/2006/relationships" xmlns:p="http://schemas.openxmlformats.org/presentationml/2006/main">
   <p:cSld>
     <p:spTree>
@@ -19352,7 +18242,7 @@
 </p:sld>
 </file>
 
-<file path=ppt/slides/slide17.xml><?xml version="1.0" encoding="utf-8"?>
+<file path=ppt/slides/slide16.xml><?xml version="1.0" encoding="utf-8"?>
 <p:sld xmlns:a="http://schemas.openxmlformats.org/drawingml/2006/main" xmlns:r="http://schemas.openxmlformats.org/officeDocument/2006/relationships" xmlns:p="http://schemas.openxmlformats.org/presentationml/2006/main">
   <p:cSld>
     <p:spTree>
@@ -26451,20 +25341,59 @@
           <a:chExt cx="0" cy="0"/>
         </a:xfrm>
       </p:grpSpPr>
+      <p:pic>
+        <p:nvPicPr>
+          <p:cNvPr id="26" name="图片 25">
+            <a:extLst>
+              <a:ext uri="{FF2B5EF4-FFF2-40B4-BE49-F238E27FC236}">
+                <a16:creationId xmlns:a16="http://schemas.microsoft.com/office/drawing/2014/main" id="{7BB45CC7-DCFD-5D4A-BEC6-8CCAD975C447}"/>
+              </a:ext>
+            </a:extLst>
+          </p:cNvPr>
+          <p:cNvPicPr>
+            <a:picLocks noChangeAspect="1"/>
+          </p:cNvPicPr>
+          <p:nvPr/>
+        </p:nvPicPr>
+        <p:blipFill>
+          <a:blip r:embed="rId3">
+            <a:extLst>
+              <a:ext uri="{28A0092B-C50C-407E-A947-70E740481C1C}">
+                <a14:useLocalDpi xmlns:a14="http://schemas.microsoft.com/office/drawing/2010/main" val="0"/>
+              </a:ext>
+            </a:extLst>
+          </a:blip>
+          <a:stretch>
+            <a:fillRect/>
+          </a:stretch>
+        </p:blipFill>
+        <p:spPr>
+          <a:xfrm>
+            <a:off x="3183409" y="922928"/>
+            <a:ext cx="1528183" cy="1473605"/>
+          </a:xfrm>
+          <a:prstGeom prst="rect">
+            <a:avLst/>
+          </a:prstGeom>
+        </p:spPr>
+      </p:pic>
       <p:sp>
         <p:nvSpPr>
-          <p:cNvPr id="42" name="椭圆 41"/>
+          <p:cNvPr id="3" name="椭圆 2"/>
           <p:cNvSpPr/>
           <p:nvPr/>
         </p:nvSpPr>
         <p:spPr>
           <a:xfrm>
-            <a:off x="5508487" y="4050078"/>
-            <a:ext cx="1132064" cy="1132064"/>
+            <a:off x="4213008" y="1546008"/>
+            <a:ext cx="3765984" cy="3765984"/>
           </a:xfrm>
           <a:prstGeom prst="ellipse">
             <a:avLst/>
           </a:prstGeom>
+          <a:solidFill>
+            <a:srgbClr val="2E75B6"/>
+          </a:solidFill>
           <a:ln>
             <a:noFill/>
           </a:ln>
@@ -26496,14 +25425,14 @@
       </p:sp>
       <p:sp>
         <p:nvSpPr>
-          <p:cNvPr id="23" name="文本框 22"/>
+          <p:cNvPr id="7" name="文本框 6"/>
           <p:cNvSpPr txBox="1"/>
           <p:nvPr/>
         </p:nvSpPr>
         <p:spPr>
           <a:xfrm>
-            <a:off x="6219653" y="588805"/>
-            <a:ext cx="5267497" cy="707886"/>
+            <a:off x="4176690" y="2962059"/>
+            <a:ext cx="3845423" cy="1200329"/>
           </a:xfrm>
           <a:prstGeom prst="rect">
             <a:avLst/>
@@ -26516,6 +25445,1013 @@
           </a:bodyPr>
           <a:lstStyle/>
           <a:p>
+            <a:pPr algn="ctr"/>
+            <a:r>
+              <a:rPr lang="zh-CN" altLang="en-US" sz="3600" b="1" spc="300" dirty="0">
+                <a:solidFill>
+                  <a:schemeClr val="bg1"/>
+                </a:solidFill>
+                <a:latin typeface="微软雅黑" panose="020B0503020204020204" pitchFamily="34" charset="-122"/>
+                <a:ea typeface="微软雅黑" panose="020B0503020204020204" pitchFamily="34" charset="-122"/>
+              </a:rPr>
+              <a:t>第二部分</a:t>
+            </a:r>
+            <a:endParaRPr lang="en-US" altLang="zh-CN" sz="3600" b="1" spc="300" dirty="0">
+              <a:solidFill>
+                <a:schemeClr val="bg1"/>
+              </a:solidFill>
+              <a:latin typeface="微软雅黑" panose="020B0503020204020204" pitchFamily="34" charset="-122"/>
+              <a:ea typeface="微软雅黑" panose="020B0503020204020204" pitchFamily="34" charset="-122"/>
+            </a:endParaRPr>
+          </a:p>
+          <a:p>
+            <a:pPr algn="ctr"/>
+            <a:r>
+              <a:rPr lang="zh-CN" altLang="en-US" sz="3600" b="1" spc="300" dirty="0">
+                <a:solidFill>
+                  <a:schemeClr val="bg1"/>
+                </a:solidFill>
+                <a:latin typeface="微软雅黑" panose="020B0503020204020204" pitchFamily="34" charset="-122"/>
+                <a:ea typeface="微软雅黑" panose="020B0503020204020204" pitchFamily="34" charset="-122"/>
+              </a:rPr>
+              <a:t>研究方案与思路</a:t>
+            </a:r>
+          </a:p>
+        </p:txBody>
+      </p:sp>
+      <p:sp>
+        <p:nvSpPr>
+          <p:cNvPr id="10" name="椭圆 9"/>
+          <p:cNvSpPr/>
+          <p:nvPr/>
+        </p:nvSpPr>
+        <p:spPr>
+          <a:xfrm>
+            <a:off x="1220944" y="4901239"/>
+            <a:ext cx="200025" cy="252926"/>
+          </a:xfrm>
+          <a:prstGeom prst="ellipse">
+            <a:avLst/>
+          </a:prstGeom>
+          <a:solidFill>
+            <a:schemeClr val="accent1">
+              <a:lumMod val="60000"/>
+              <a:lumOff val="40000"/>
+            </a:schemeClr>
+          </a:solidFill>
+          <a:ln>
+            <a:noFill/>
+          </a:ln>
+        </p:spPr>
+        <p:style>
+          <a:lnRef idx="2">
+            <a:schemeClr val="accent1">
+              <a:shade val="50000"/>
+            </a:schemeClr>
+          </a:lnRef>
+          <a:fillRef idx="1">
+            <a:schemeClr val="accent1"/>
+          </a:fillRef>
+          <a:effectRef idx="0">
+            <a:schemeClr val="accent1"/>
+          </a:effectRef>
+          <a:fontRef idx="minor">
+            <a:schemeClr val="lt1"/>
+          </a:fontRef>
+        </p:style>
+        <p:txBody>
+          <a:bodyPr rtlCol="0" anchor="ctr"/>
+          <a:lstStyle/>
+          <a:p>
+            <a:pPr algn="ctr"/>
+            <a:endParaRPr lang="zh-CN" altLang="en-US"/>
+          </a:p>
+        </p:txBody>
+      </p:sp>
+      <p:sp>
+        <p:nvSpPr>
+          <p:cNvPr id="12" name="椭圆 11"/>
+          <p:cNvSpPr/>
+          <p:nvPr/>
+        </p:nvSpPr>
+        <p:spPr>
+          <a:xfrm>
+            <a:off x="1761010" y="4120500"/>
+            <a:ext cx="517947" cy="517947"/>
+          </a:xfrm>
+          <a:prstGeom prst="ellipse">
+            <a:avLst/>
+          </a:prstGeom>
+          <a:solidFill>
+            <a:schemeClr val="accent1">
+              <a:lumMod val="60000"/>
+              <a:lumOff val="40000"/>
+            </a:schemeClr>
+          </a:solidFill>
+          <a:ln>
+            <a:noFill/>
+          </a:ln>
+        </p:spPr>
+        <p:style>
+          <a:lnRef idx="2">
+            <a:schemeClr val="accent1">
+              <a:shade val="50000"/>
+            </a:schemeClr>
+          </a:lnRef>
+          <a:fillRef idx="1">
+            <a:schemeClr val="accent1"/>
+          </a:fillRef>
+          <a:effectRef idx="0">
+            <a:schemeClr val="accent1"/>
+          </a:effectRef>
+          <a:fontRef idx="minor">
+            <a:schemeClr val="lt1"/>
+          </a:fontRef>
+        </p:style>
+        <p:txBody>
+          <a:bodyPr rtlCol="0" anchor="ctr"/>
+          <a:lstStyle/>
+          <a:p>
+            <a:pPr algn="ctr"/>
+            <a:endParaRPr lang="zh-CN" altLang="en-US"/>
+          </a:p>
+        </p:txBody>
+      </p:sp>
+      <p:sp>
+        <p:nvSpPr>
+          <p:cNvPr id="13" name="椭圆 12"/>
+          <p:cNvSpPr/>
+          <p:nvPr/>
+        </p:nvSpPr>
+        <p:spPr>
+          <a:xfrm>
+            <a:off x="3183409" y="3855393"/>
+            <a:ext cx="644545" cy="644545"/>
+          </a:xfrm>
+          <a:prstGeom prst="ellipse">
+            <a:avLst/>
+          </a:prstGeom>
+          <a:solidFill>
+            <a:schemeClr val="accent1">
+              <a:lumMod val="60000"/>
+              <a:lumOff val="40000"/>
+            </a:schemeClr>
+          </a:solidFill>
+          <a:ln>
+            <a:noFill/>
+          </a:ln>
+        </p:spPr>
+        <p:style>
+          <a:lnRef idx="2">
+            <a:schemeClr val="accent1">
+              <a:shade val="50000"/>
+            </a:schemeClr>
+          </a:lnRef>
+          <a:fillRef idx="1">
+            <a:schemeClr val="accent1"/>
+          </a:fillRef>
+          <a:effectRef idx="0">
+            <a:schemeClr val="accent1"/>
+          </a:effectRef>
+          <a:fontRef idx="minor">
+            <a:schemeClr val="lt1"/>
+          </a:fontRef>
+        </p:style>
+        <p:txBody>
+          <a:bodyPr rtlCol="0" anchor="ctr"/>
+          <a:lstStyle/>
+          <a:p>
+            <a:pPr algn="ctr"/>
+            <a:endParaRPr lang="zh-CN" altLang="en-US"/>
+          </a:p>
+        </p:txBody>
+      </p:sp>
+      <p:sp>
+        <p:nvSpPr>
+          <p:cNvPr id="14" name="椭圆 13"/>
+          <p:cNvSpPr/>
+          <p:nvPr/>
+        </p:nvSpPr>
+        <p:spPr>
+          <a:xfrm>
+            <a:off x="660252" y="2776126"/>
+            <a:ext cx="213466" cy="213466"/>
+          </a:xfrm>
+          <a:prstGeom prst="ellipse">
+            <a:avLst/>
+          </a:prstGeom>
+          <a:solidFill>
+            <a:schemeClr val="accent1">
+              <a:lumMod val="60000"/>
+              <a:lumOff val="40000"/>
+            </a:schemeClr>
+          </a:solidFill>
+          <a:ln>
+            <a:noFill/>
+          </a:ln>
+        </p:spPr>
+        <p:style>
+          <a:lnRef idx="2">
+            <a:schemeClr val="accent1">
+              <a:shade val="50000"/>
+            </a:schemeClr>
+          </a:lnRef>
+          <a:fillRef idx="1">
+            <a:schemeClr val="accent1"/>
+          </a:fillRef>
+          <a:effectRef idx="0">
+            <a:schemeClr val="accent1"/>
+          </a:effectRef>
+          <a:fontRef idx="minor">
+            <a:schemeClr val="lt1"/>
+          </a:fontRef>
+        </p:style>
+        <p:txBody>
+          <a:bodyPr rtlCol="0" anchor="ctr"/>
+          <a:lstStyle/>
+          <a:p>
+            <a:pPr algn="ctr"/>
+            <a:endParaRPr lang="zh-CN" altLang="en-US"/>
+          </a:p>
+        </p:txBody>
+      </p:sp>
+      <p:sp>
+        <p:nvSpPr>
+          <p:cNvPr id="15" name="椭圆 14"/>
+          <p:cNvSpPr/>
+          <p:nvPr/>
+        </p:nvSpPr>
+        <p:spPr>
+          <a:xfrm>
+            <a:off x="2861484" y="2843893"/>
+            <a:ext cx="474961" cy="474961"/>
+          </a:xfrm>
+          <a:prstGeom prst="ellipse">
+            <a:avLst/>
+          </a:prstGeom>
+          <a:solidFill>
+            <a:schemeClr val="accent1">
+              <a:lumMod val="60000"/>
+              <a:lumOff val="40000"/>
+            </a:schemeClr>
+          </a:solidFill>
+          <a:ln>
+            <a:noFill/>
+          </a:ln>
+        </p:spPr>
+        <p:style>
+          <a:lnRef idx="2">
+            <a:schemeClr val="accent1">
+              <a:shade val="50000"/>
+            </a:schemeClr>
+          </a:lnRef>
+          <a:fillRef idx="1">
+            <a:schemeClr val="accent1"/>
+          </a:fillRef>
+          <a:effectRef idx="0">
+            <a:schemeClr val="accent1"/>
+          </a:effectRef>
+          <a:fontRef idx="minor">
+            <a:schemeClr val="lt1"/>
+          </a:fontRef>
+        </p:style>
+        <p:txBody>
+          <a:bodyPr rtlCol="0" anchor="ctr"/>
+          <a:lstStyle/>
+          <a:p>
+            <a:pPr algn="ctr"/>
+            <a:endParaRPr lang="zh-CN" altLang="en-US"/>
+          </a:p>
+        </p:txBody>
+      </p:sp>
+      <p:sp>
+        <p:nvSpPr>
+          <p:cNvPr id="16" name="椭圆 15"/>
+          <p:cNvSpPr/>
+          <p:nvPr/>
+        </p:nvSpPr>
+        <p:spPr>
+          <a:xfrm>
+            <a:off x="2278957" y="2265692"/>
+            <a:ext cx="356604" cy="356604"/>
+          </a:xfrm>
+          <a:prstGeom prst="ellipse">
+            <a:avLst/>
+          </a:prstGeom>
+          <a:solidFill>
+            <a:schemeClr val="accent1">
+              <a:lumMod val="60000"/>
+              <a:lumOff val="40000"/>
+            </a:schemeClr>
+          </a:solidFill>
+          <a:ln>
+            <a:noFill/>
+          </a:ln>
+        </p:spPr>
+        <p:style>
+          <a:lnRef idx="2">
+            <a:schemeClr val="accent1">
+              <a:shade val="50000"/>
+            </a:schemeClr>
+          </a:lnRef>
+          <a:fillRef idx="1">
+            <a:schemeClr val="accent1"/>
+          </a:fillRef>
+          <a:effectRef idx="0">
+            <a:schemeClr val="accent1"/>
+          </a:effectRef>
+          <a:fontRef idx="minor">
+            <a:schemeClr val="lt1"/>
+          </a:fontRef>
+        </p:style>
+        <p:txBody>
+          <a:bodyPr rtlCol="0" anchor="ctr"/>
+          <a:lstStyle/>
+          <a:p>
+            <a:pPr algn="ctr"/>
+            <a:endParaRPr lang="zh-CN" altLang="en-US"/>
+          </a:p>
+        </p:txBody>
+      </p:sp>
+      <p:sp>
+        <p:nvSpPr>
+          <p:cNvPr id="17" name="椭圆 16"/>
+          <p:cNvSpPr/>
+          <p:nvPr/>
+        </p:nvSpPr>
+        <p:spPr>
+          <a:xfrm>
+            <a:off x="8116322" y="3522057"/>
+            <a:ext cx="221243" cy="221243"/>
+          </a:xfrm>
+          <a:prstGeom prst="ellipse">
+            <a:avLst/>
+          </a:prstGeom>
+          <a:solidFill>
+            <a:schemeClr val="accent1">
+              <a:lumMod val="60000"/>
+              <a:lumOff val="40000"/>
+            </a:schemeClr>
+          </a:solidFill>
+          <a:ln>
+            <a:noFill/>
+          </a:ln>
+        </p:spPr>
+        <p:style>
+          <a:lnRef idx="2">
+            <a:schemeClr val="accent1">
+              <a:shade val="50000"/>
+            </a:schemeClr>
+          </a:lnRef>
+          <a:fillRef idx="1">
+            <a:schemeClr val="accent1"/>
+          </a:fillRef>
+          <a:effectRef idx="0">
+            <a:schemeClr val="accent1"/>
+          </a:effectRef>
+          <a:fontRef idx="minor">
+            <a:schemeClr val="lt1"/>
+          </a:fontRef>
+        </p:style>
+        <p:txBody>
+          <a:bodyPr rtlCol="0" anchor="ctr"/>
+          <a:lstStyle/>
+          <a:p>
+            <a:pPr algn="ctr"/>
+            <a:endParaRPr lang="zh-CN" altLang="en-US"/>
+          </a:p>
+        </p:txBody>
+      </p:sp>
+      <p:sp>
+        <p:nvSpPr>
+          <p:cNvPr id="18" name="椭圆 17"/>
+          <p:cNvSpPr/>
+          <p:nvPr/>
+        </p:nvSpPr>
+        <p:spPr>
+          <a:xfrm>
+            <a:off x="9780580" y="1625543"/>
+            <a:ext cx="640149" cy="640149"/>
+          </a:xfrm>
+          <a:prstGeom prst="ellipse">
+            <a:avLst/>
+          </a:prstGeom>
+          <a:solidFill>
+            <a:schemeClr val="accent1">
+              <a:lumMod val="60000"/>
+              <a:lumOff val="40000"/>
+            </a:schemeClr>
+          </a:solidFill>
+          <a:ln>
+            <a:noFill/>
+          </a:ln>
+        </p:spPr>
+        <p:style>
+          <a:lnRef idx="2">
+            <a:schemeClr val="accent1">
+              <a:shade val="50000"/>
+            </a:schemeClr>
+          </a:lnRef>
+          <a:fillRef idx="1">
+            <a:schemeClr val="accent1"/>
+          </a:fillRef>
+          <a:effectRef idx="0">
+            <a:schemeClr val="accent1"/>
+          </a:effectRef>
+          <a:fontRef idx="minor">
+            <a:schemeClr val="lt1"/>
+          </a:fontRef>
+        </p:style>
+        <p:txBody>
+          <a:bodyPr rtlCol="0" anchor="ctr"/>
+          <a:lstStyle/>
+          <a:p>
+            <a:pPr algn="ctr"/>
+            <a:endParaRPr lang="zh-CN" altLang="en-US"/>
+          </a:p>
+        </p:txBody>
+      </p:sp>
+      <p:sp>
+        <p:nvSpPr>
+          <p:cNvPr id="19" name="椭圆 18"/>
+          <p:cNvSpPr/>
+          <p:nvPr/>
+        </p:nvSpPr>
+        <p:spPr>
+          <a:xfrm>
+            <a:off x="7461831" y="5306285"/>
+            <a:ext cx="317090" cy="317090"/>
+          </a:xfrm>
+          <a:prstGeom prst="ellipse">
+            <a:avLst/>
+          </a:prstGeom>
+          <a:solidFill>
+            <a:schemeClr val="accent1">
+              <a:lumMod val="60000"/>
+              <a:lumOff val="40000"/>
+            </a:schemeClr>
+          </a:solidFill>
+          <a:ln>
+            <a:noFill/>
+          </a:ln>
+        </p:spPr>
+        <p:style>
+          <a:lnRef idx="2">
+            <a:schemeClr val="accent1">
+              <a:shade val="50000"/>
+            </a:schemeClr>
+          </a:lnRef>
+          <a:fillRef idx="1">
+            <a:schemeClr val="accent1"/>
+          </a:fillRef>
+          <a:effectRef idx="0">
+            <a:schemeClr val="accent1"/>
+          </a:effectRef>
+          <a:fontRef idx="minor">
+            <a:schemeClr val="lt1"/>
+          </a:fontRef>
+        </p:style>
+        <p:txBody>
+          <a:bodyPr rtlCol="0" anchor="ctr"/>
+          <a:lstStyle/>
+          <a:p>
+            <a:pPr algn="ctr"/>
+            <a:endParaRPr lang="zh-CN" altLang="en-US"/>
+          </a:p>
+        </p:txBody>
+      </p:sp>
+      <p:sp>
+        <p:nvSpPr>
+          <p:cNvPr id="20" name="椭圆 19"/>
+          <p:cNvSpPr/>
+          <p:nvPr/>
+        </p:nvSpPr>
+        <p:spPr>
+          <a:xfrm flipH="1" flipV="1">
+            <a:off x="7191988" y="4653224"/>
+            <a:ext cx="316732" cy="341678"/>
+          </a:xfrm>
+          <a:prstGeom prst="ellipse">
+            <a:avLst/>
+          </a:prstGeom>
+          <a:solidFill>
+            <a:schemeClr val="accent1">
+              <a:lumMod val="60000"/>
+              <a:lumOff val="40000"/>
+            </a:schemeClr>
+          </a:solidFill>
+          <a:ln>
+            <a:noFill/>
+          </a:ln>
+        </p:spPr>
+        <p:style>
+          <a:lnRef idx="2">
+            <a:schemeClr val="accent1">
+              <a:shade val="50000"/>
+            </a:schemeClr>
+          </a:lnRef>
+          <a:fillRef idx="1">
+            <a:schemeClr val="accent1"/>
+          </a:fillRef>
+          <a:effectRef idx="0">
+            <a:schemeClr val="accent1"/>
+          </a:effectRef>
+          <a:fontRef idx="minor">
+            <a:schemeClr val="lt1"/>
+          </a:fontRef>
+        </p:style>
+        <p:txBody>
+          <a:bodyPr rtlCol="0" anchor="ctr"/>
+          <a:lstStyle/>
+          <a:p>
+            <a:pPr algn="ctr"/>
+            <a:endParaRPr lang="zh-CN" altLang="en-US"/>
+          </a:p>
+        </p:txBody>
+      </p:sp>
+      <p:sp>
+        <p:nvSpPr>
+          <p:cNvPr id="21" name="椭圆 20"/>
+          <p:cNvSpPr/>
+          <p:nvPr/>
+        </p:nvSpPr>
+        <p:spPr>
+          <a:xfrm>
+            <a:off x="8937149" y="2543590"/>
+            <a:ext cx="232696" cy="232696"/>
+          </a:xfrm>
+          <a:prstGeom prst="ellipse">
+            <a:avLst/>
+          </a:prstGeom>
+          <a:solidFill>
+            <a:schemeClr val="accent1">
+              <a:lumMod val="60000"/>
+              <a:lumOff val="40000"/>
+            </a:schemeClr>
+          </a:solidFill>
+          <a:ln>
+            <a:noFill/>
+          </a:ln>
+        </p:spPr>
+        <p:style>
+          <a:lnRef idx="2">
+            <a:schemeClr val="accent1">
+              <a:shade val="50000"/>
+            </a:schemeClr>
+          </a:lnRef>
+          <a:fillRef idx="1">
+            <a:schemeClr val="accent1"/>
+          </a:fillRef>
+          <a:effectRef idx="0">
+            <a:schemeClr val="accent1"/>
+          </a:effectRef>
+          <a:fontRef idx="minor">
+            <a:schemeClr val="lt1"/>
+          </a:fontRef>
+        </p:style>
+        <p:txBody>
+          <a:bodyPr rtlCol="0" anchor="ctr"/>
+          <a:lstStyle/>
+          <a:p>
+            <a:pPr algn="ctr"/>
+            <a:endParaRPr lang="zh-CN" altLang="en-US"/>
+          </a:p>
+        </p:txBody>
+      </p:sp>
+      <p:sp>
+        <p:nvSpPr>
+          <p:cNvPr id="22" name="椭圆 21"/>
+          <p:cNvSpPr/>
+          <p:nvPr/>
+        </p:nvSpPr>
+        <p:spPr>
+          <a:xfrm>
+            <a:off x="8417731" y="4010167"/>
+            <a:ext cx="830253" cy="830253"/>
+          </a:xfrm>
+          <a:prstGeom prst="ellipse">
+            <a:avLst/>
+          </a:prstGeom>
+          <a:solidFill>
+            <a:schemeClr val="accent1">
+              <a:lumMod val="60000"/>
+              <a:lumOff val="40000"/>
+            </a:schemeClr>
+          </a:solidFill>
+          <a:ln>
+            <a:noFill/>
+          </a:ln>
+        </p:spPr>
+        <p:style>
+          <a:lnRef idx="2">
+            <a:schemeClr val="accent1">
+              <a:shade val="50000"/>
+            </a:schemeClr>
+          </a:lnRef>
+          <a:fillRef idx="1">
+            <a:schemeClr val="accent1"/>
+          </a:fillRef>
+          <a:effectRef idx="0">
+            <a:schemeClr val="accent1"/>
+          </a:effectRef>
+          <a:fontRef idx="minor">
+            <a:schemeClr val="lt1"/>
+          </a:fontRef>
+        </p:style>
+        <p:txBody>
+          <a:bodyPr rtlCol="0" anchor="ctr"/>
+          <a:lstStyle/>
+          <a:p>
+            <a:pPr algn="ctr"/>
+            <a:endParaRPr lang="zh-CN" altLang="en-US"/>
+          </a:p>
+        </p:txBody>
+      </p:sp>
+      <p:sp>
+        <p:nvSpPr>
+          <p:cNvPr id="23" name="椭圆 22"/>
+          <p:cNvSpPr/>
+          <p:nvPr/>
+        </p:nvSpPr>
+        <p:spPr>
+          <a:xfrm>
+            <a:off x="8603439" y="1236599"/>
+            <a:ext cx="232696" cy="232696"/>
+          </a:xfrm>
+          <a:prstGeom prst="ellipse">
+            <a:avLst/>
+          </a:prstGeom>
+          <a:solidFill>
+            <a:schemeClr val="accent1">
+              <a:lumMod val="60000"/>
+              <a:lumOff val="40000"/>
+            </a:schemeClr>
+          </a:solidFill>
+          <a:ln>
+            <a:noFill/>
+          </a:ln>
+        </p:spPr>
+        <p:style>
+          <a:lnRef idx="2">
+            <a:schemeClr val="accent1">
+              <a:shade val="50000"/>
+            </a:schemeClr>
+          </a:lnRef>
+          <a:fillRef idx="1">
+            <a:schemeClr val="accent1"/>
+          </a:fillRef>
+          <a:effectRef idx="0">
+            <a:schemeClr val="accent1"/>
+          </a:effectRef>
+          <a:fontRef idx="minor">
+            <a:schemeClr val="lt1"/>
+          </a:fontRef>
+        </p:style>
+        <p:txBody>
+          <a:bodyPr rtlCol="0" anchor="ctr"/>
+          <a:lstStyle/>
+          <a:p>
+            <a:pPr algn="ctr"/>
+            <a:endParaRPr lang="zh-CN" altLang="en-US"/>
+          </a:p>
+        </p:txBody>
+      </p:sp>
+      <p:sp>
+        <p:nvSpPr>
+          <p:cNvPr id="24" name="椭圆 23"/>
+          <p:cNvSpPr/>
+          <p:nvPr/>
+        </p:nvSpPr>
+        <p:spPr>
+          <a:xfrm>
+            <a:off x="10315361" y="3837455"/>
+            <a:ext cx="415127" cy="415127"/>
+          </a:xfrm>
+          <a:prstGeom prst="ellipse">
+            <a:avLst/>
+          </a:prstGeom>
+          <a:solidFill>
+            <a:schemeClr val="accent1">
+              <a:lumMod val="60000"/>
+              <a:lumOff val="40000"/>
+            </a:schemeClr>
+          </a:solidFill>
+          <a:ln>
+            <a:noFill/>
+          </a:ln>
+        </p:spPr>
+        <p:style>
+          <a:lnRef idx="2">
+            <a:schemeClr val="accent1">
+              <a:shade val="50000"/>
+            </a:schemeClr>
+          </a:lnRef>
+          <a:fillRef idx="1">
+            <a:schemeClr val="accent1"/>
+          </a:fillRef>
+          <a:effectRef idx="0">
+            <a:schemeClr val="accent1"/>
+          </a:effectRef>
+          <a:fontRef idx="minor">
+            <a:schemeClr val="lt1"/>
+          </a:fontRef>
+        </p:style>
+        <p:txBody>
+          <a:bodyPr rtlCol="0" anchor="ctr"/>
+          <a:lstStyle/>
+          <a:p>
+            <a:pPr algn="ctr"/>
+            <a:endParaRPr lang="zh-CN" altLang="en-US"/>
+          </a:p>
+        </p:txBody>
+      </p:sp>
+      <p:sp>
+        <p:nvSpPr>
+          <p:cNvPr id="25" name="椭圆 24"/>
+          <p:cNvSpPr/>
+          <p:nvPr/>
+        </p:nvSpPr>
+        <p:spPr>
+          <a:xfrm flipH="1">
+            <a:off x="9230707" y="5154165"/>
+            <a:ext cx="486249" cy="486249"/>
+          </a:xfrm>
+          <a:prstGeom prst="ellipse">
+            <a:avLst/>
+          </a:prstGeom>
+          <a:solidFill>
+            <a:schemeClr val="accent1">
+              <a:lumMod val="60000"/>
+              <a:lumOff val="40000"/>
+            </a:schemeClr>
+          </a:solidFill>
+          <a:ln>
+            <a:noFill/>
+          </a:ln>
+        </p:spPr>
+        <p:style>
+          <a:lnRef idx="2">
+            <a:schemeClr val="accent1">
+              <a:shade val="50000"/>
+            </a:schemeClr>
+          </a:lnRef>
+          <a:fillRef idx="1">
+            <a:schemeClr val="accent1"/>
+          </a:fillRef>
+          <a:effectRef idx="0">
+            <a:schemeClr val="accent1"/>
+          </a:effectRef>
+          <a:fontRef idx="minor">
+            <a:schemeClr val="lt1"/>
+          </a:fontRef>
+        </p:style>
+        <p:txBody>
+          <a:bodyPr rtlCol="0" anchor="ctr"/>
+          <a:lstStyle/>
+          <a:p>
+            <a:pPr algn="ctr"/>
+            <a:endParaRPr lang="zh-CN" altLang="en-US"/>
+          </a:p>
+        </p:txBody>
+      </p:sp>
+      <p:cxnSp>
+        <p:nvCxnSpPr>
+          <p:cNvPr id="27" name="直接连接符 26"/>
+          <p:cNvCxnSpPr/>
+          <p:nvPr/>
+        </p:nvCxnSpPr>
+        <p:spPr>
+          <a:xfrm flipH="1">
+            <a:off x="6743669" y="504206"/>
+            <a:ext cx="1018818" cy="1182825"/>
+          </a:xfrm>
+          <a:prstGeom prst="line">
+            <a:avLst/>
+          </a:prstGeom>
+          <a:ln w="19050"/>
+        </p:spPr>
+        <p:style>
+          <a:lnRef idx="1">
+            <a:schemeClr val="accent1"/>
+          </a:lnRef>
+          <a:fillRef idx="0">
+            <a:schemeClr val="accent1"/>
+          </a:fillRef>
+          <a:effectRef idx="0">
+            <a:schemeClr val="accent1"/>
+          </a:effectRef>
+          <a:fontRef idx="minor">
+            <a:schemeClr val="tx1"/>
+          </a:fontRef>
+        </p:style>
+      </p:cxnSp>
+      <p:cxnSp>
+        <p:nvCxnSpPr>
+          <p:cNvPr id="28" name="直接连接符 27"/>
+          <p:cNvCxnSpPr/>
+          <p:nvPr/>
+        </p:nvCxnSpPr>
+        <p:spPr>
+          <a:xfrm flipH="1">
+            <a:off x="7670740" y="245619"/>
+            <a:ext cx="1018818" cy="1182825"/>
+          </a:xfrm>
+          <a:prstGeom prst="line">
+            <a:avLst/>
+          </a:prstGeom>
+          <a:ln w="19050"/>
+        </p:spPr>
+        <p:style>
+          <a:lnRef idx="1">
+            <a:schemeClr val="accent1"/>
+          </a:lnRef>
+          <a:fillRef idx="0">
+            <a:schemeClr val="accent1"/>
+          </a:fillRef>
+          <a:effectRef idx="0">
+            <a:schemeClr val="accent1"/>
+          </a:effectRef>
+          <a:fontRef idx="minor">
+            <a:schemeClr val="tx1"/>
+          </a:fontRef>
+        </p:style>
+      </p:cxnSp>
+      <p:cxnSp>
+        <p:nvCxnSpPr>
+          <p:cNvPr id="29" name="直接连接符 28"/>
+          <p:cNvCxnSpPr/>
+          <p:nvPr/>
+        </p:nvCxnSpPr>
+        <p:spPr>
+          <a:xfrm flipH="1">
+            <a:off x="3330264" y="5475576"/>
+            <a:ext cx="1018818" cy="1182825"/>
+          </a:xfrm>
+          <a:prstGeom prst="line">
+            <a:avLst/>
+          </a:prstGeom>
+          <a:ln w="19050"/>
+        </p:spPr>
+        <p:style>
+          <a:lnRef idx="1">
+            <a:schemeClr val="accent1"/>
+          </a:lnRef>
+          <a:fillRef idx="0">
+            <a:schemeClr val="accent1"/>
+          </a:fillRef>
+          <a:effectRef idx="0">
+            <a:schemeClr val="accent1"/>
+          </a:effectRef>
+          <a:fontRef idx="minor">
+            <a:schemeClr val="tx1"/>
+          </a:fontRef>
+        </p:style>
+      </p:cxnSp>
+      <p:cxnSp>
+        <p:nvCxnSpPr>
+          <p:cNvPr id="30" name="直接连接符 29"/>
+          <p:cNvCxnSpPr/>
+          <p:nvPr/>
+        </p:nvCxnSpPr>
+        <p:spPr>
+          <a:xfrm flipH="1">
+            <a:off x="7170005" y="1701268"/>
+            <a:ext cx="1018818" cy="1182825"/>
+          </a:xfrm>
+          <a:prstGeom prst="line">
+            <a:avLst/>
+          </a:prstGeom>
+          <a:ln w="19050"/>
+        </p:spPr>
+        <p:style>
+          <a:lnRef idx="1">
+            <a:schemeClr val="accent1"/>
+          </a:lnRef>
+          <a:fillRef idx="0">
+            <a:schemeClr val="accent1"/>
+          </a:fillRef>
+          <a:effectRef idx="0">
+            <a:schemeClr val="accent1"/>
+          </a:effectRef>
+          <a:fontRef idx="minor">
+            <a:schemeClr val="tx1"/>
+          </a:fontRef>
+        </p:style>
+      </p:cxnSp>
+      <p:cxnSp>
+        <p:nvCxnSpPr>
+          <p:cNvPr id="32" name="直接连接符 31"/>
+          <p:cNvCxnSpPr/>
+          <p:nvPr/>
+        </p:nvCxnSpPr>
+        <p:spPr>
+          <a:xfrm flipH="1">
+            <a:off x="4397565" y="5137990"/>
+            <a:ext cx="1018818" cy="1182825"/>
+          </a:xfrm>
+          <a:prstGeom prst="line">
+            <a:avLst/>
+          </a:prstGeom>
+          <a:ln w="19050"/>
+        </p:spPr>
+        <p:style>
+          <a:lnRef idx="1">
+            <a:schemeClr val="accent1"/>
+          </a:lnRef>
+          <a:fillRef idx="0">
+            <a:schemeClr val="accent1"/>
+          </a:fillRef>
+          <a:effectRef idx="0">
+            <a:schemeClr val="accent1"/>
+          </a:effectRef>
+          <a:fontRef idx="minor">
+            <a:schemeClr val="tx1"/>
+          </a:fontRef>
+        </p:style>
+      </p:cxnSp>
+      <p:cxnSp>
+        <p:nvCxnSpPr>
+          <p:cNvPr id="34" name="直接连接符 33"/>
+          <p:cNvCxnSpPr/>
+          <p:nvPr/>
+        </p:nvCxnSpPr>
+        <p:spPr>
+          <a:xfrm flipH="1">
+            <a:off x="3971229" y="4307261"/>
+            <a:ext cx="1018818" cy="1182825"/>
+          </a:xfrm>
+          <a:prstGeom prst="line">
+            <a:avLst/>
+          </a:prstGeom>
+          <a:ln w="19050"/>
+        </p:spPr>
+        <p:style>
+          <a:lnRef idx="1">
+            <a:schemeClr val="accent1"/>
+          </a:lnRef>
+          <a:fillRef idx="0">
+            <a:schemeClr val="accent1"/>
+          </a:fillRef>
+          <a:effectRef idx="0">
+            <a:schemeClr val="accent1"/>
+          </a:effectRef>
+          <a:fontRef idx="minor">
+            <a:schemeClr val="tx1"/>
+          </a:fontRef>
+        </p:style>
+      </p:cxnSp>
+    </p:spTree>
+    <p:extLst>
+      <p:ext uri="{BB962C8B-B14F-4D97-AF65-F5344CB8AC3E}">
+        <p14:creationId xmlns:p14="http://schemas.microsoft.com/office/powerpoint/2010/main" val="2619390412"/>
+      </p:ext>
+    </p:extLst>
+  </p:cSld>
+  <p:clrMapOvr>
+    <a:masterClrMapping/>
+  </p:clrMapOvr>
+</p:sld>
+</file>
+
+<file path=ppt/slides/slide7.xml><?xml version="1.0" encoding="utf-8"?>
+<p:sld xmlns:a="http://schemas.openxmlformats.org/drawingml/2006/main" xmlns:r="http://schemas.openxmlformats.org/officeDocument/2006/relationships" xmlns:p="http://schemas.openxmlformats.org/presentationml/2006/main">
+  <p:cSld>
+    <p:spTree>
+      <p:nvGrpSpPr>
+        <p:cNvPr id="1" name=""/>
+        <p:cNvGrpSpPr/>
+        <p:nvPr/>
+      </p:nvGrpSpPr>
+      <p:grpSpPr>
+        <a:xfrm>
+          <a:off x="0" y="0"/>
+          <a:ext cx="0" cy="0"/>
+          <a:chOff x="0" y="0"/>
+          <a:chExt cx="0" cy="0"/>
+        </a:xfrm>
+      </p:grpSpPr>
+      <p:sp>
+        <p:nvSpPr>
+          <p:cNvPr id="23" name="文本框 22"/>
+          <p:cNvSpPr txBox="1"/>
+          <p:nvPr/>
+        </p:nvSpPr>
+        <p:spPr>
+          <a:xfrm>
+            <a:off x="6219653" y="588805"/>
+            <a:ext cx="5267497" cy="707886"/>
+          </a:xfrm>
+          <a:prstGeom prst="rect">
+            <a:avLst/>
+          </a:prstGeom>
+          <a:noFill/>
+        </p:spPr>
+        <p:txBody>
+          <a:bodyPr wrap="square" rtlCol="0">
+            <a:spAutoFit/>
+          </a:bodyPr>
+          <a:lstStyle/>
+          <a:p>
             <a:r>
               <a:rPr lang="zh-CN" altLang="en-US" sz="4000" b="1" spc="300" dirty="0">
                 <a:solidFill>
@@ -26524,7 +26460,7 @@
                 <a:latin typeface="微软雅黑" panose="020B0503020204020204" pitchFamily="34" charset="-122"/>
                 <a:ea typeface="微软雅黑" panose="020B0503020204020204" pitchFamily="34" charset="-122"/>
               </a:rPr>
-              <a:t>研究理论与文献综述</a:t>
+              <a:t>研究目标</a:t>
             </a:r>
           </a:p>
         </p:txBody>
@@ -26936,7 +26872,7 @@
       </p:cxnSp>
       <p:sp>
         <p:nvSpPr>
-          <p:cNvPr id="31" name="Freeform 45"/>
+          <p:cNvPr id="35" name="Freeform 41"/>
           <p:cNvSpPr>
             <a:spLocks noEditPoints="1"/>
           </p:cNvSpPr>
@@ -26944,118 +26880,70 @@
         </p:nvSpPr>
         <p:spPr bwMode="auto">
           <a:xfrm>
-            <a:off x="2174048" y="218231"/>
-            <a:ext cx="1042078" cy="1226613"/>
+            <a:off x="2053959" y="405590"/>
+            <a:ext cx="1480002" cy="947538"/>
           </a:xfrm>
           <a:custGeom>
             <a:avLst/>
             <a:gdLst>
-              <a:gd name="T0" fmla="*/ 309 w 406"/>
-              <a:gd name="T1" fmla="*/ 478 h 478"/>
-              <a:gd name="T2" fmla="*/ 230 w 406"/>
-              <a:gd name="T3" fmla="*/ 478 h 478"/>
-              <a:gd name="T4" fmla="*/ 134 w 406"/>
-              <a:gd name="T5" fmla="*/ 382 h 478"/>
-              <a:gd name="T6" fmla="*/ 134 w 406"/>
-              <a:gd name="T7" fmla="*/ 238 h 478"/>
-              <a:gd name="T8" fmla="*/ 231 w 406"/>
-              <a:gd name="T9" fmla="*/ 238 h 478"/>
-              <a:gd name="T10" fmla="*/ 231 w 406"/>
-              <a:gd name="T11" fmla="*/ 270 h 478"/>
-              <a:gd name="T12" fmla="*/ 261 w 406"/>
-              <a:gd name="T13" fmla="*/ 302 h 478"/>
-              <a:gd name="T14" fmla="*/ 277 w 406"/>
-              <a:gd name="T15" fmla="*/ 302 h 478"/>
-              <a:gd name="T16" fmla="*/ 309 w 406"/>
-              <a:gd name="T17" fmla="*/ 270 h 478"/>
-              <a:gd name="T18" fmla="*/ 309 w 406"/>
-              <a:gd name="T19" fmla="*/ 238 h 478"/>
-              <a:gd name="T20" fmla="*/ 406 w 406"/>
-              <a:gd name="T21" fmla="*/ 238 h 478"/>
-              <a:gd name="T22" fmla="*/ 406 w 406"/>
-              <a:gd name="T23" fmla="*/ 382 h 478"/>
-              <a:gd name="T24" fmla="*/ 309 w 406"/>
-              <a:gd name="T25" fmla="*/ 478 h 478"/>
-              <a:gd name="T26" fmla="*/ 309 w 406"/>
-              <a:gd name="T27" fmla="*/ 206 h 478"/>
-              <a:gd name="T28" fmla="*/ 277 w 406"/>
-              <a:gd name="T29" fmla="*/ 174 h 478"/>
-              <a:gd name="T30" fmla="*/ 277 w 406"/>
-              <a:gd name="T31" fmla="*/ 174 h 478"/>
-              <a:gd name="T32" fmla="*/ 277 w 406"/>
-              <a:gd name="T33" fmla="*/ 80 h 478"/>
-              <a:gd name="T34" fmla="*/ 308 w 406"/>
-              <a:gd name="T35" fmla="*/ 79 h 478"/>
-              <a:gd name="T36" fmla="*/ 406 w 406"/>
-              <a:gd name="T37" fmla="*/ 174 h 478"/>
-              <a:gd name="T38" fmla="*/ 406 w 406"/>
-              <a:gd name="T39" fmla="*/ 221 h 478"/>
-              <a:gd name="T40" fmla="*/ 309 w 406"/>
-              <a:gd name="T41" fmla="*/ 221 h 478"/>
-              <a:gd name="T42" fmla="*/ 309 w 406"/>
-              <a:gd name="T43" fmla="*/ 206 h 478"/>
-              <a:gd name="T44" fmla="*/ 263 w 406"/>
-              <a:gd name="T45" fmla="*/ 68 h 478"/>
-              <a:gd name="T46" fmla="*/ 219 w 406"/>
-              <a:gd name="T47" fmla="*/ 20 h 478"/>
-              <a:gd name="T48" fmla="*/ 148 w 406"/>
-              <a:gd name="T49" fmla="*/ 86 h 478"/>
-              <a:gd name="T50" fmla="*/ 145 w 406"/>
-              <a:gd name="T51" fmla="*/ 95 h 478"/>
-              <a:gd name="T52" fmla="*/ 61 w 406"/>
-              <a:gd name="T53" fmla="*/ 173 h 478"/>
-              <a:gd name="T54" fmla="*/ 20 w 406"/>
-              <a:gd name="T55" fmla="*/ 156 h 478"/>
-              <a:gd name="T56" fmla="*/ 0 w 406"/>
-              <a:gd name="T57" fmla="*/ 120 h 478"/>
-              <a:gd name="T58" fmla="*/ 10 w 406"/>
-              <a:gd name="T59" fmla="*/ 110 h 478"/>
-              <a:gd name="T60" fmla="*/ 22 w 406"/>
-              <a:gd name="T61" fmla="*/ 125 h 478"/>
-              <a:gd name="T62" fmla="*/ 62 w 406"/>
-              <a:gd name="T63" fmla="*/ 154 h 478"/>
-              <a:gd name="T64" fmla="*/ 96 w 406"/>
-              <a:gd name="T65" fmla="*/ 140 h 478"/>
-              <a:gd name="T66" fmla="*/ 126 w 406"/>
-              <a:gd name="T67" fmla="*/ 88 h 478"/>
-              <a:gd name="T68" fmla="*/ 133 w 406"/>
-              <a:gd name="T69" fmla="*/ 72 h 478"/>
-              <a:gd name="T70" fmla="*/ 220 w 406"/>
-              <a:gd name="T71" fmla="*/ 0 h 478"/>
-              <a:gd name="T72" fmla="*/ 282 w 406"/>
-              <a:gd name="T73" fmla="*/ 68 h 478"/>
-              <a:gd name="T74" fmla="*/ 263 w 406"/>
-              <a:gd name="T75" fmla="*/ 68 h 478"/>
-              <a:gd name="T76" fmla="*/ 293 w 406"/>
-              <a:gd name="T77" fmla="*/ 214 h 478"/>
-              <a:gd name="T78" fmla="*/ 293 w 406"/>
-              <a:gd name="T79" fmla="*/ 262 h 478"/>
-              <a:gd name="T80" fmla="*/ 269 w 406"/>
-              <a:gd name="T81" fmla="*/ 286 h 478"/>
-              <a:gd name="T82" fmla="*/ 246 w 406"/>
-              <a:gd name="T83" fmla="*/ 262 h 478"/>
-              <a:gd name="T84" fmla="*/ 246 w 406"/>
-              <a:gd name="T85" fmla="*/ 214 h 478"/>
-              <a:gd name="T86" fmla="*/ 269 w 406"/>
-              <a:gd name="T87" fmla="*/ 190 h 478"/>
-              <a:gd name="T88" fmla="*/ 293 w 406"/>
-              <a:gd name="T89" fmla="*/ 214 h 478"/>
-              <a:gd name="T90" fmla="*/ 231 w 406"/>
-              <a:gd name="T91" fmla="*/ 79 h 478"/>
-              <a:gd name="T92" fmla="*/ 262 w 406"/>
-              <a:gd name="T93" fmla="*/ 80 h 478"/>
-              <a:gd name="T94" fmla="*/ 262 w 406"/>
-              <a:gd name="T95" fmla="*/ 174 h 478"/>
-              <a:gd name="T96" fmla="*/ 231 w 406"/>
-              <a:gd name="T97" fmla="*/ 206 h 478"/>
-              <a:gd name="T98" fmla="*/ 231 w 406"/>
-              <a:gd name="T99" fmla="*/ 221 h 478"/>
-              <a:gd name="T100" fmla="*/ 134 w 406"/>
-              <a:gd name="T101" fmla="*/ 221 h 478"/>
-              <a:gd name="T102" fmla="*/ 134 w 406"/>
-              <a:gd name="T103" fmla="*/ 175 h 478"/>
-              <a:gd name="T104" fmla="*/ 231 w 406"/>
-              <a:gd name="T105" fmla="*/ 79 h 478"/>
+              <a:gd name="T0" fmla="*/ 522 w 674"/>
+              <a:gd name="T1" fmla="*/ 221 h 392"/>
+              <a:gd name="T2" fmla="*/ 348 w 674"/>
+              <a:gd name="T3" fmla="*/ 146 h 392"/>
+              <a:gd name="T4" fmla="*/ 151 w 674"/>
+              <a:gd name="T5" fmla="*/ 221 h 392"/>
+              <a:gd name="T6" fmla="*/ 96 w 674"/>
+              <a:gd name="T7" fmla="*/ 198 h 392"/>
+              <a:gd name="T8" fmla="*/ 96 w 674"/>
+              <a:gd name="T9" fmla="*/ 265 h 392"/>
+              <a:gd name="T10" fmla="*/ 111 w 674"/>
+              <a:gd name="T11" fmla="*/ 286 h 392"/>
+              <a:gd name="T12" fmla="*/ 96 w 674"/>
+              <a:gd name="T13" fmla="*/ 306 h 392"/>
+              <a:gd name="T14" fmla="*/ 112 w 674"/>
+              <a:gd name="T15" fmla="*/ 352 h 392"/>
+              <a:gd name="T16" fmla="*/ 64 w 674"/>
+              <a:gd name="T17" fmla="*/ 352 h 392"/>
+              <a:gd name="T18" fmla="*/ 80 w 674"/>
+              <a:gd name="T19" fmla="*/ 306 h 392"/>
+              <a:gd name="T20" fmla="*/ 67 w 674"/>
+              <a:gd name="T21" fmla="*/ 286 h 392"/>
+              <a:gd name="T22" fmla="*/ 80 w 674"/>
+              <a:gd name="T23" fmla="*/ 266 h 392"/>
+              <a:gd name="T24" fmla="*/ 80 w 674"/>
+              <a:gd name="T25" fmla="*/ 191 h 392"/>
+              <a:gd name="T26" fmla="*/ 0 w 674"/>
+              <a:gd name="T27" fmla="*/ 158 h 392"/>
+              <a:gd name="T28" fmla="*/ 352 w 674"/>
+              <a:gd name="T29" fmla="*/ 0 h 392"/>
+              <a:gd name="T30" fmla="*/ 674 w 674"/>
+              <a:gd name="T31" fmla="*/ 160 h 392"/>
+              <a:gd name="T32" fmla="*/ 522 w 674"/>
+              <a:gd name="T33" fmla="*/ 221 h 392"/>
+              <a:gd name="T34" fmla="*/ 344 w 674"/>
+              <a:gd name="T35" fmla="*/ 184 h 392"/>
+              <a:gd name="T36" fmla="*/ 495 w 674"/>
+              <a:gd name="T37" fmla="*/ 238 h 392"/>
+              <a:gd name="T38" fmla="*/ 495 w 674"/>
+              <a:gd name="T39" fmla="*/ 350 h 392"/>
+              <a:gd name="T40" fmla="*/ 336 w 674"/>
+              <a:gd name="T41" fmla="*/ 392 h 392"/>
+              <a:gd name="T42" fmla="*/ 192 w 674"/>
+              <a:gd name="T43" fmla="*/ 350 h 392"/>
+              <a:gd name="T44" fmla="*/ 192 w 674"/>
+              <a:gd name="T45" fmla="*/ 238 h 392"/>
+              <a:gd name="T46" fmla="*/ 344 w 674"/>
+              <a:gd name="T47" fmla="*/ 184 h 392"/>
+              <a:gd name="T48" fmla="*/ 342 w 674"/>
+              <a:gd name="T49" fmla="*/ 368 h 392"/>
+              <a:gd name="T50" fmla="*/ 469 w 674"/>
+              <a:gd name="T51" fmla="*/ 336 h 392"/>
+              <a:gd name="T52" fmla="*/ 342 w 674"/>
+              <a:gd name="T53" fmla="*/ 304 h 392"/>
+              <a:gd name="T54" fmla="*/ 214 w 674"/>
+              <a:gd name="T55" fmla="*/ 336 h 392"/>
+              <a:gd name="T56" fmla="*/ 342 w 674"/>
+              <a:gd name="T57" fmla="*/ 368 h 392"/>
             </a:gdLst>
             <a:ahLst/>
             <a:cxnLst>
@@ -27146,336 +27034,148 @@
               <a:cxn ang="0">
                 <a:pos x="T56" y="T57"/>
               </a:cxn>
-              <a:cxn ang="0">
-                <a:pos x="T58" y="T59"/>
-              </a:cxn>
-              <a:cxn ang="0">
-                <a:pos x="T60" y="T61"/>
-              </a:cxn>
-              <a:cxn ang="0">
-                <a:pos x="T62" y="T63"/>
-              </a:cxn>
-              <a:cxn ang="0">
-                <a:pos x="T64" y="T65"/>
-              </a:cxn>
-              <a:cxn ang="0">
-                <a:pos x="T66" y="T67"/>
-              </a:cxn>
-              <a:cxn ang="0">
-                <a:pos x="T68" y="T69"/>
-              </a:cxn>
-              <a:cxn ang="0">
-                <a:pos x="T70" y="T71"/>
-              </a:cxn>
-              <a:cxn ang="0">
-                <a:pos x="T72" y="T73"/>
-              </a:cxn>
-              <a:cxn ang="0">
-                <a:pos x="T74" y="T75"/>
-              </a:cxn>
-              <a:cxn ang="0">
-                <a:pos x="T76" y="T77"/>
-              </a:cxn>
-              <a:cxn ang="0">
-                <a:pos x="T78" y="T79"/>
-              </a:cxn>
-              <a:cxn ang="0">
-                <a:pos x="T80" y="T81"/>
-              </a:cxn>
-              <a:cxn ang="0">
-                <a:pos x="T82" y="T83"/>
-              </a:cxn>
-              <a:cxn ang="0">
-                <a:pos x="T84" y="T85"/>
-              </a:cxn>
-              <a:cxn ang="0">
-                <a:pos x="T86" y="T87"/>
-              </a:cxn>
-              <a:cxn ang="0">
-                <a:pos x="T88" y="T89"/>
-              </a:cxn>
-              <a:cxn ang="0">
-                <a:pos x="T90" y="T91"/>
-              </a:cxn>
-              <a:cxn ang="0">
-                <a:pos x="T92" y="T93"/>
-              </a:cxn>
-              <a:cxn ang="0">
-                <a:pos x="T94" y="T95"/>
-              </a:cxn>
-              <a:cxn ang="0">
-                <a:pos x="T96" y="T97"/>
-              </a:cxn>
-              <a:cxn ang="0">
-                <a:pos x="T98" y="T99"/>
-              </a:cxn>
-              <a:cxn ang="0">
-                <a:pos x="T100" y="T101"/>
-              </a:cxn>
-              <a:cxn ang="0">
-                <a:pos x="T102" y="T103"/>
-              </a:cxn>
-              <a:cxn ang="0">
-                <a:pos x="T104" y="T105"/>
-              </a:cxn>
             </a:cxnLst>
             <a:rect l="0" t="0" r="r" b="b"/>
             <a:pathLst>
-              <a:path w="406" h="478">
+              <a:path w="674" h="392">
                 <a:moveTo>
-                  <a:pt x="309" y="478"/>
+                  <a:pt x="522" y="221"/>
                 </a:moveTo>
                 <a:cubicBezTo>
-                  <a:pt x="230" y="478"/>
-                  <a:pt x="230" y="478"/>
-                  <a:pt x="230" y="478"/>
-                </a:cubicBezTo>
-                <a:cubicBezTo>
-                  <a:pt x="177" y="478"/>
-                  <a:pt x="134" y="435"/>
-                  <a:pt x="134" y="382"/>
-                </a:cubicBezTo>
-                <a:cubicBezTo>
-                  <a:pt x="134" y="238"/>
-                  <a:pt x="134" y="238"/>
-                  <a:pt x="134" y="238"/>
-                </a:cubicBezTo>
-                <a:cubicBezTo>
-                  <a:pt x="231" y="238"/>
-                  <a:pt x="231" y="238"/>
-                  <a:pt x="231" y="238"/>
-                </a:cubicBezTo>
-                <a:cubicBezTo>
-                  <a:pt x="231" y="270"/>
-                  <a:pt x="231" y="270"/>
-                  <a:pt x="231" y="270"/>
-                </a:cubicBezTo>
-                <a:cubicBezTo>
-                  <a:pt x="231" y="288"/>
-                  <a:pt x="244" y="302"/>
-                  <a:pt x="261" y="302"/>
-                </a:cubicBezTo>
-                <a:cubicBezTo>
-                  <a:pt x="277" y="302"/>
-                  <a:pt x="277" y="302"/>
-                  <a:pt x="277" y="302"/>
-                </a:cubicBezTo>
-                <a:cubicBezTo>
-                  <a:pt x="295" y="302"/>
-                  <a:pt x="309" y="288"/>
-                  <a:pt x="309" y="270"/>
-                </a:cubicBezTo>
-                <a:cubicBezTo>
-                  <a:pt x="309" y="238"/>
-                  <a:pt x="309" y="238"/>
-                  <a:pt x="309" y="238"/>
-                </a:cubicBezTo>
-                <a:cubicBezTo>
-                  <a:pt x="406" y="238"/>
-                  <a:pt x="406" y="238"/>
-                  <a:pt x="406" y="238"/>
-                </a:cubicBezTo>
-                <a:cubicBezTo>
-                  <a:pt x="406" y="382"/>
-                  <a:pt x="406" y="382"/>
-                  <a:pt x="406" y="382"/>
-                </a:cubicBezTo>
-                <a:cubicBezTo>
-                  <a:pt x="406" y="435"/>
-                  <a:pt x="362" y="478"/>
-                  <a:pt x="309" y="478"/>
-                </a:cubicBezTo>
+                  <a:pt x="522" y="221"/>
+                  <a:pt x="449" y="146"/>
+                  <a:pt x="348" y="146"/>
+                </a:cubicBezTo>
+                <a:cubicBezTo>
+                  <a:pt x="249" y="146"/>
+                  <a:pt x="151" y="221"/>
+                  <a:pt x="151" y="221"/>
+                </a:cubicBezTo>
+                <a:cubicBezTo>
+                  <a:pt x="96" y="198"/>
+                  <a:pt x="96" y="198"/>
+                  <a:pt x="96" y="198"/>
+                </a:cubicBezTo>
+                <a:cubicBezTo>
+                  <a:pt x="96" y="265"/>
+                  <a:pt x="96" y="265"/>
+                  <a:pt x="96" y="265"/>
+                </a:cubicBezTo>
+                <a:cubicBezTo>
+                  <a:pt x="105" y="268"/>
+                  <a:pt x="111" y="276"/>
+                  <a:pt x="111" y="286"/>
+                </a:cubicBezTo>
+                <a:cubicBezTo>
+                  <a:pt x="111" y="296"/>
+                  <a:pt x="104" y="304"/>
+                  <a:pt x="96" y="306"/>
+                </a:cubicBezTo>
+                <a:cubicBezTo>
+                  <a:pt x="112" y="352"/>
+                  <a:pt x="112" y="352"/>
+                  <a:pt x="112" y="352"/>
+                </a:cubicBezTo>
+                <a:cubicBezTo>
+                  <a:pt x="64" y="352"/>
+                  <a:pt x="64" y="352"/>
+                  <a:pt x="64" y="352"/>
+                </a:cubicBezTo>
+                <a:cubicBezTo>
+                  <a:pt x="80" y="306"/>
+                  <a:pt x="80" y="306"/>
+                  <a:pt x="80" y="306"/>
+                </a:cubicBezTo>
+                <a:cubicBezTo>
+                  <a:pt x="72" y="303"/>
+                  <a:pt x="67" y="295"/>
+                  <a:pt x="67" y="286"/>
+                </a:cubicBezTo>
+                <a:cubicBezTo>
+                  <a:pt x="67" y="277"/>
+                  <a:pt x="72" y="269"/>
+                  <a:pt x="80" y="266"/>
+                </a:cubicBezTo>
+                <a:cubicBezTo>
+                  <a:pt x="80" y="191"/>
+                  <a:pt x="80" y="191"/>
+                  <a:pt x="80" y="191"/>
+                </a:cubicBezTo>
+                <a:cubicBezTo>
+                  <a:pt x="0" y="158"/>
+                  <a:pt x="0" y="158"/>
+                  <a:pt x="0" y="158"/>
+                </a:cubicBezTo>
+                <a:cubicBezTo>
+                  <a:pt x="352" y="0"/>
+                  <a:pt x="352" y="0"/>
+                  <a:pt x="352" y="0"/>
+                </a:cubicBezTo>
+                <a:cubicBezTo>
+                  <a:pt x="674" y="160"/>
+                  <a:pt x="674" y="160"/>
+                  <a:pt x="674" y="160"/>
+                </a:cubicBezTo>
+                <a:lnTo>
+                  <a:pt x="522" y="221"/>
+                </a:lnTo>
                 <a:close/>
                 <a:moveTo>
-                  <a:pt x="309" y="206"/>
+                  <a:pt x="344" y="184"/>
                 </a:moveTo>
                 <a:cubicBezTo>
-                  <a:pt x="309" y="189"/>
-                  <a:pt x="295" y="174"/>
-                  <a:pt x="277" y="174"/>
-                </a:cubicBezTo>
-                <a:cubicBezTo>
-                  <a:pt x="277" y="174"/>
-                  <a:pt x="277" y="174"/>
-                  <a:pt x="277" y="174"/>
-                </a:cubicBezTo>
-                <a:cubicBezTo>
-                  <a:pt x="277" y="80"/>
-                  <a:pt x="277" y="80"/>
-                  <a:pt x="277" y="80"/>
-                </a:cubicBezTo>
-                <a:cubicBezTo>
-                  <a:pt x="277" y="80"/>
-                  <a:pt x="256" y="79"/>
-                  <a:pt x="308" y="79"/>
-                </a:cubicBezTo>
-                <a:cubicBezTo>
-                  <a:pt x="360" y="79"/>
-                  <a:pt x="406" y="113"/>
-                  <a:pt x="406" y="174"/>
-                </a:cubicBezTo>
-                <a:cubicBezTo>
-                  <a:pt x="406" y="206"/>
-                  <a:pt x="406" y="218"/>
-                  <a:pt x="406" y="221"/>
-                </a:cubicBezTo>
-                <a:cubicBezTo>
-                  <a:pt x="309" y="221"/>
-                  <a:pt x="309" y="221"/>
-                  <a:pt x="309" y="221"/>
-                </a:cubicBezTo>
-                <a:lnTo>
-                  <a:pt x="309" y="206"/>
-                </a:lnTo>
+                  <a:pt x="445" y="184"/>
+                  <a:pt x="495" y="238"/>
+                  <a:pt x="495" y="238"/>
+                </a:cubicBezTo>
+                <a:cubicBezTo>
+                  <a:pt x="495" y="350"/>
+                  <a:pt x="495" y="350"/>
+                  <a:pt x="495" y="350"/>
+                </a:cubicBezTo>
+                <a:cubicBezTo>
+                  <a:pt x="495" y="350"/>
+                  <a:pt x="443" y="392"/>
+                  <a:pt x="336" y="392"/>
+                </a:cubicBezTo>
+                <a:cubicBezTo>
+                  <a:pt x="228" y="392"/>
+                  <a:pt x="192" y="350"/>
+                  <a:pt x="192" y="350"/>
+                </a:cubicBezTo>
+                <a:cubicBezTo>
+                  <a:pt x="192" y="238"/>
+                  <a:pt x="192" y="238"/>
+                  <a:pt x="192" y="238"/>
+                </a:cubicBezTo>
+                <a:cubicBezTo>
+                  <a:pt x="192" y="238"/>
+                  <a:pt x="242" y="184"/>
+                  <a:pt x="344" y="184"/>
+                </a:cubicBezTo>
                 <a:close/>
                 <a:moveTo>
-                  <a:pt x="263" y="68"/>
+                  <a:pt x="342" y="368"/>
                 </a:moveTo>
                 <a:cubicBezTo>
-                  <a:pt x="263" y="37"/>
-                  <a:pt x="248" y="20"/>
-                  <a:pt x="219" y="20"/>
-                </a:cubicBezTo>
-                <a:cubicBezTo>
-                  <a:pt x="188" y="20"/>
-                  <a:pt x="165" y="42"/>
-                  <a:pt x="148" y="86"/>
-                </a:cubicBezTo>
-                <a:cubicBezTo>
-                  <a:pt x="145" y="95"/>
-                  <a:pt x="145" y="95"/>
-                  <a:pt x="145" y="95"/>
-                </a:cubicBezTo>
-                <a:cubicBezTo>
-                  <a:pt x="126" y="147"/>
-                  <a:pt x="98" y="173"/>
-                  <a:pt x="61" y="173"/>
-                </a:cubicBezTo>
-                <a:cubicBezTo>
-                  <a:pt x="47" y="173"/>
-                  <a:pt x="33" y="167"/>
-                  <a:pt x="20" y="156"/>
-                </a:cubicBezTo>
-                <a:cubicBezTo>
-                  <a:pt x="7" y="145"/>
-                  <a:pt x="0" y="133"/>
-                  <a:pt x="0" y="120"/>
-                </a:cubicBezTo>
-                <a:cubicBezTo>
-                  <a:pt x="0" y="113"/>
-                  <a:pt x="4" y="110"/>
-                  <a:pt x="10" y="110"/>
-                </a:cubicBezTo>
-                <a:cubicBezTo>
-                  <a:pt x="14" y="110"/>
-                  <a:pt x="18" y="115"/>
-                  <a:pt x="22" y="125"/>
-                </a:cubicBezTo>
-                <a:cubicBezTo>
-                  <a:pt x="30" y="144"/>
-                  <a:pt x="43" y="154"/>
-                  <a:pt x="62" y="154"/>
-                </a:cubicBezTo>
-                <a:cubicBezTo>
-                  <a:pt x="76" y="154"/>
-                  <a:pt x="87" y="149"/>
-                  <a:pt x="96" y="140"/>
-                </a:cubicBezTo>
-                <a:cubicBezTo>
-                  <a:pt x="105" y="131"/>
-                  <a:pt x="115" y="114"/>
-                  <a:pt x="126" y="88"/>
-                </a:cubicBezTo>
-                <a:cubicBezTo>
-                  <a:pt x="133" y="72"/>
-                  <a:pt x="133" y="72"/>
-                  <a:pt x="133" y="72"/>
-                </a:cubicBezTo>
-                <a:cubicBezTo>
-                  <a:pt x="155" y="24"/>
-                  <a:pt x="184" y="0"/>
-                  <a:pt x="220" y="0"/>
-                </a:cubicBezTo>
-                <a:cubicBezTo>
-                  <a:pt x="261" y="0"/>
-                  <a:pt x="282" y="24"/>
-                  <a:pt x="282" y="68"/>
-                </a:cubicBezTo>
-                <a:lnTo>
-                  <a:pt x="263" y="68"/>
-                </a:lnTo>
-                <a:close/>
-                <a:moveTo>
-                  <a:pt x="293" y="214"/>
-                </a:moveTo>
-                <a:cubicBezTo>
-                  <a:pt x="293" y="262"/>
-                  <a:pt x="293" y="262"/>
-                  <a:pt x="293" y="262"/>
-                </a:cubicBezTo>
-                <a:cubicBezTo>
-                  <a:pt x="293" y="275"/>
-                  <a:pt x="283" y="286"/>
-                  <a:pt x="269" y="286"/>
-                </a:cubicBezTo>
-                <a:cubicBezTo>
-                  <a:pt x="256" y="286"/>
-                  <a:pt x="246" y="275"/>
-                  <a:pt x="246" y="262"/>
-                </a:cubicBezTo>
-                <a:cubicBezTo>
-                  <a:pt x="246" y="214"/>
-                  <a:pt x="246" y="214"/>
-                  <a:pt x="246" y="214"/>
-                </a:cubicBezTo>
-                <a:cubicBezTo>
-                  <a:pt x="246" y="201"/>
-                  <a:pt x="256" y="190"/>
-                  <a:pt x="269" y="190"/>
-                </a:cubicBezTo>
-                <a:cubicBezTo>
-                  <a:pt x="283" y="190"/>
-                  <a:pt x="293" y="201"/>
-                  <a:pt x="293" y="214"/>
-                </a:cubicBezTo>
-                <a:close/>
-                <a:moveTo>
-                  <a:pt x="231" y="79"/>
-                </a:moveTo>
-                <a:cubicBezTo>
-                  <a:pt x="282" y="79"/>
-                  <a:pt x="262" y="80"/>
-                  <a:pt x="262" y="80"/>
-                </a:cubicBezTo>
-                <a:cubicBezTo>
-                  <a:pt x="262" y="174"/>
-                  <a:pt x="262" y="174"/>
-                  <a:pt x="262" y="174"/>
-                </a:cubicBezTo>
-                <a:cubicBezTo>
-                  <a:pt x="245" y="174"/>
-                  <a:pt x="231" y="189"/>
-                  <a:pt x="231" y="206"/>
-                </a:cubicBezTo>
-                <a:cubicBezTo>
-                  <a:pt x="231" y="221"/>
-                  <a:pt x="231" y="221"/>
-                  <a:pt x="231" y="221"/>
-                </a:cubicBezTo>
-                <a:cubicBezTo>
-                  <a:pt x="134" y="221"/>
-                  <a:pt x="134" y="221"/>
-                  <a:pt x="134" y="221"/>
-                </a:cubicBezTo>
-                <a:cubicBezTo>
-                  <a:pt x="134" y="218"/>
-                  <a:pt x="134" y="206"/>
-                  <a:pt x="134" y="175"/>
-                </a:cubicBezTo>
-                <a:cubicBezTo>
-                  <a:pt x="134" y="113"/>
-                  <a:pt x="179" y="79"/>
-                  <a:pt x="231" y="79"/>
+                  <a:pt x="412" y="368"/>
+                  <a:pt x="469" y="353"/>
+                  <a:pt x="469" y="336"/>
+                </a:cubicBezTo>
+                <a:cubicBezTo>
+                  <a:pt x="469" y="318"/>
+                  <a:pt x="412" y="304"/>
+                  <a:pt x="342" y="304"/>
+                </a:cubicBezTo>
+                <a:cubicBezTo>
+                  <a:pt x="271" y="304"/>
+                  <a:pt x="214" y="318"/>
+                  <a:pt x="214" y="336"/>
+                </a:cubicBezTo>
+                <a:cubicBezTo>
+                  <a:pt x="214" y="353"/>
+                  <a:pt x="271" y="368"/>
+                  <a:pt x="342" y="368"/>
                 </a:cubicBezTo>
                 <a:close/>
               </a:path>
@@ -27500,135 +27200,946 @@
           </a:p>
         </p:txBody>
       </p:sp>
-      <p:pic>
-        <p:nvPicPr>
-          <p:cNvPr id="10" name="图片 9"/>
-          <p:cNvPicPr>
-            <a:picLocks noChangeAspect="1"/>
-          </p:cNvPicPr>
+      <p:sp>
+        <p:nvSpPr>
+          <p:cNvPr id="36" name="梯形 2"/>
+          <p:cNvSpPr/>
           <p:nvPr/>
-        </p:nvPicPr>
-        <p:blipFill>
-          <a:blip r:embed="rId2" cstate="print">
-            <a:extLst>
-              <a:ext uri="{28A0092B-C50C-407E-A947-70E740481C1C}">
-                <a14:useLocalDpi xmlns:a14="http://schemas.microsoft.com/office/drawing/2010/main" val="0"/>
-              </a:ext>
-            </a:extLst>
-          </a:blip>
-          <a:stretch>
-            <a:fillRect/>
-          </a:stretch>
-        </p:blipFill>
+        </p:nvSpPr>
+        <p:spPr>
+          <a:xfrm rot="7222760">
+            <a:off x="6730332" y="4683719"/>
+            <a:ext cx="1500030" cy="1039172"/>
+          </a:xfrm>
+          <a:custGeom>
+            <a:avLst/>
+            <a:gdLst/>
+            <a:ahLst/>
+            <a:cxnLst/>
+            <a:rect l="l" t="t" r="r" b="b"/>
+            <a:pathLst>
+              <a:path w="1673569" h="1159396">
+                <a:moveTo>
+                  <a:pt x="238714" y="0"/>
+                </a:moveTo>
+                <a:lnTo>
+                  <a:pt x="1358427" y="0"/>
+                </a:lnTo>
+                <a:cubicBezTo>
+                  <a:pt x="1298580" y="183626"/>
+                  <a:pt x="1302125" y="424075"/>
+                  <a:pt x="1379974" y="668159"/>
+                </a:cubicBezTo>
+                <a:cubicBezTo>
+                  <a:pt x="1444682" y="871041"/>
+                  <a:pt x="1549792" y="1042153"/>
+                  <a:pt x="1673569" y="1159396"/>
+                </a:cubicBezTo>
+                <a:lnTo>
+                  <a:pt x="0" y="1159396"/>
+                </a:lnTo>
+                <a:cubicBezTo>
+                  <a:pt x="121244" y="1027568"/>
+                  <a:pt x="217761" y="835364"/>
+                  <a:pt x="264199" y="611606"/>
+                </a:cubicBezTo>
+                <a:cubicBezTo>
+                  <a:pt x="310990" y="386150"/>
+                  <a:pt x="298390" y="169853"/>
+                  <a:pt x="238714" y="0"/>
+                </a:cubicBezTo>
+                <a:close/>
+              </a:path>
+            </a:pathLst>
+          </a:custGeom>
+          <a:solidFill>
+            <a:srgbClr val="F26E22"/>
+          </a:solidFill>
+          <a:ln w="25400" cap="flat" cmpd="sng" algn="ctr">
+            <a:noFill/>
+            <a:prstDash val="solid"/>
+          </a:ln>
+          <a:effectLst/>
+        </p:spPr>
+        <p:txBody>
+          <a:bodyPr rot="0" spcFirstLastPara="0" vertOverflow="overflow" horzOverflow="overflow" vert="horz" wrap="square" lIns="91440" tIns="45720" rIns="91440" bIns="45720" numCol="1" spcCol="0" rtlCol="0" fromWordArt="0" anchor="ctr" anchorCtr="0" forceAA="0" compatLnSpc="1">
+            <a:prstTxWarp prst="textNoShape">
+              <a:avLst/>
+            </a:prstTxWarp>
+            <a:noAutofit/>
+          </a:bodyPr>
+          <a:lstStyle/>
+          <a:p>
+            <a:pPr marL="0" marR="0" lvl="0" indent="0" algn="ctr" defTabSz="914400" eaLnBrk="1" fontAlgn="auto" latinLnBrk="0" hangingPunct="1">
+              <a:lnSpc>
+                <a:spcPct val="100000"/>
+              </a:lnSpc>
+              <a:spcBef>
+                <a:spcPts val="0"/>
+              </a:spcBef>
+              <a:spcAft>
+                <a:spcPts val="0"/>
+              </a:spcAft>
+              <a:buClrTx/>
+              <a:buSzTx/>
+              <a:buFontTx/>
+              <a:buNone/>
+              <a:tabLst/>
+              <a:defRPr/>
+            </a:pPr>
+            <a:endParaRPr kumimoji="0" lang="en-US" sz="1800" b="0" i="0" u="none" strike="noStrike" kern="0" cap="none" spc="0" normalizeH="0" baseline="0" noProof="0">
+              <a:ln>
+                <a:noFill/>
+              </a:ln>
+              <a:solidFill>
+                <a:sysClr val="window" lastClr="FFFFFF"/>
+              </a:solidFill>
+              <a:effectLst/>
+              <a:uLnTx/>
+              <a:uFillTx/>
+              <a:latin typeface="Calibri"/>
+              <a:ea typeface="+mn-ea"/>
+              <a:cs typeface="+mn-cs"/>
+            </a:endParaRPr>
+          </a:p>
+        </p:txBody>
+      </p:sp>
+      <p:sp>
+        <p:nvSpPr>
+          <p:cNvPr id="37" name="梯形 2"/>
+          <p:cNvSpPr/>
+          <p:nvPr/>
+        </p:nvSpPr>
+        <p:spPr>
+          <a:xfrm rot="14402460">
+            <a:off x="4326660" y="4779826"/>
+            <a:ext cx="1246393" cy="863461"/>
+          </a:xfrm>
+          <a:custGeom>
+            <a:avLst/>
+            <a:gdLst/>
+            <a:ahLst/>
+            <a:cxnLst/>
+            <a:rect l="l" t="t" r="r" b="b"/>
+            <a:pathLst>
+              <a:path w="1673569" h="1159396">
+                <a:moveTo>
+                  <a:pt x="238714" y="0"/>
+                </a:moveTo>
+                <a:lnTo>
+                  <a:pt x="1358427" y="0"/>
+                </a:lnTo>
+                <a:cubicBezTo>
+                  <a:pt x="1298580" y="183626"/>
+                  <a:pt x="1302125" y="424075"/>
+                  <a:pt x="1379974" y="668159"/>
+                </a:cubicBezTo>
+                <a:cubicBezTo>
+                  <a:pt x="1444682" y="871041"/>
+                  <a:pt x="1549792" y="1042153"/>
+                  <a:pt x="1673569" y="1159396"/>
+                </a:cubicBezTo>
+                <a:lnTo>
+                  <a:pt x="0" y="1159396"/>
+                </a:lnTo>
+                <a:cubicBezTo>
+                  <a:pt x="121244" y="1027568"/>
+                  <a:pt x="217761" y="835364"/>
+                  <a:pt x="264199" y="611606"/>
+                </a:cubicBezTo>
+                <a:cubicBezTo>
+                  <a:pt x="310990" y="386150"/>
+                  <a:pt x="298390" y="169853"/>
+                  <a:pt x="238714" y="0"/>
+                </a:cubicBezTo>
+                <a:close/>
+              </a:path>
+            </a:pathLst>
+          </a:custGeom>
+          <a:solidFill>
+            <a:srgbClr val="92D050"/>
+          </a:solidFill>
+          <a:ln w="25400" cap="flat" cmpd="sng" algn="ctr">
+            <a:noFill/>
+            <a:prstDash val="solid"/>
+          </a:ln>
+          <a:effectLst/>
+        </p:spPr>
+        <p:txBody>
+          <a:bodyPr rot="0" spcFirstLastPara="0" vertOverflow="overflow" horzOverflow="overflow" vert="horz" wrap="square" lIns="91440" tIns="45720" rIns="91440" bIns="45720" numCol="1" spcCol="0" rtlCol="0" fromWordArt="0" anchor="ctr" anchorCtr="0" forceAA="0" compatLnSpc="1">
+            <a:prstTxWarp prst="textNoShape">
+              <a:avLst/>
+            </a:prstTxWarp>
+            <a:noAutofit/>
+          </a:bodyPr>
+          <a:lstStyle/>
+          <a:p>
+            <a:pPr marL="0" marR="0" lvl="0" indent="0" algn="ctr" defTabSz="914400" eaLnBrk="1" fontAlgn="auto" latinLnBrk="0" hangingPunct="1">
+              <a:lnSpc>
+                <a:spcPct val="100000"/>
+              </a:lnSpc>
+              <a:spcBef>
+                <a:spcPts val="0"/>
+              </a:spcBef>
+              <a:spcAft>
+                <a:spcPts val="0"/>
+              </a:spcAft>
+              <a:buClrTx/>
+              <a:buSzTx/>
+              <a:buFontTx/>
+              <a:buNone/>
+              <a:tabLst/>
+              <a:defRPr/>
+            </a:pPr>
+            <a:endParaRPr kumimoji="0" lang="en-US" sz="1800" b="0" i="0" u="none" strike="noStrike" kern="0" cap="none" spc="0" normalizeH="0" baseline="0" noProof="0">
+              <a:ln>
+                <a:noFill/>
+              </a:ln>
+              <a:solidFill>
+                <a:sysClr val="window" lastClr="FFFFFF"/>
+              </a:solidFill>
+              <a:effectLst/>
+              <a:uLnTx/>
+              <a:uFillTx/>
+              <a:latin typeface="Calibri"/>
+              <a:ea typeface="+mn-ea"/>
+              <a:cs typeface="+mn-cs"/>
+            </a:endParaRPr>
+          </a:p>
+        </p:txBody>
+      </p:sp>
+      <p:sp>
+        <p:nvSpPr>
+          <p:cNvPr id="38" name="梯形 2"/>
+          <p:cNvSpPr/>
+          <p:nvPr/>
+        </p:nvSpPr>
+        <p:spPr>
+          <a:xfrm rot="17708635">
+            <a:off x="4095161" y="3216480"/>
+            <a:ext cx="1391101" cy="963711"/>
+          </a:xfrm>
+          <a:custGeom>
+            <a:avLst/>
+            <a:gdLst/>
+            <a:ahLst/>
+            <a:cxnLst/>
+            <a:rect l="l" t="t" r="r" b="b"/>
+            <a:pathLst>
+              <a:path w="1673569" h="1159396">
+                <a:moveTo>
+                  <a:pt x="238714" y="0"/>
+                </a:moveTo>
+                <a:lnTo>
+                  <a:pt x="1358427" y="0"/>
+                </a:lnTo>
+                <a:cubicBezTo>
+                  <a:pt x="1298580" y="183626"/>
+                  <a:pt x="1302125" y="424075"/>
+                  <a:pt x="1379974" y="668159"/>
+                </a:cubicBezTo>
+                <a:cubicBezTo>
+                  <a:pt x="1444682" y="871041"/>
+                  <a:pt x="1549792" y="1042153"/>
+                  <a:pt x="1673569" y="1159396"/>
+                </a:cubicBezTo>
+                <a:lnTo>
+                  <a:pt x="0" y="1159396"/>
+                </a:lnTo>
+                <a:cubicBezTo>
+                  <a:pt x="121244" y="1027568"/>
+                  <a:pt x="217761" y="835364"/>
+                  <a:pt x="264199" y="611606"/>
+                </a:cubicBezTo>
+                <a:cubicBezTo>
+                  <a:pt x="310990" y="386150"/>
+                  <a:pt x="298390" y="169853"/>
+                  <a:pt x="238714" y="0"/>
+                </a:cubicBezTo>
+                <a:close/>
+              </a:path>
+            </a:pathLst>
+          </a:custGeom>
+          <a:solidFill>
+            <a:srgbClr val="B4C7E7"/>
+          </a:solidFill>
+          <a:ln w="25400" cap="flat" cmpd="sng" algn="ctr">
+            <a:noFill/>
+            <a:prstDash val="solid"/>
+          </a:ln>
+          <a:effectLst/>
+        </p:spPr>
+        <p:txBody>
+          <a:bodyPr rot="0" spcFirstLastPara="0" vertOverflow="overflow" horzOverflow="overflow" vert="horz" wrap="square" lIns="91440" tIns="45720" rIns="91440" bIns="45720" numCol="1" spcCol="0" rtlCol="0" fromWordArt="0" anchor="ctr" anchorCtr="0" forceAA="0" compatLnSpc="1">
+            <a:prstTxWarp prst="textNoShape">
+              <a:avLst/>
+            </a:prstTxWarp>
+            <a:noAutofit/>
+          </a:bodyPr>
+          <a:lstStyle/>
+          <a:p>
+            <a:pPr marL="0" marR="0" lvl="0" indent="0" algn="ctr" defTabSz="914400" eaLnBrk="1" fontAlgn="auto" latinLnBrk="0" hangingPunct="1">
+              <a:lnSpc>
+                <a:spcPct val="100000"/>
+              </a:lnSpc>
+              <a:spcBef>
+                <a:spcPts val="0"/>
+              </a:spcBef>
+              <a:spcAft>
+                <a:spcPts val="0"/>
+              </a:spcAft>
+              <a:buClrTx/>
+              <a:buSzTx/>
+              <a:buFontTx/>
+              <a:buNone/>
+              <a:tabLst/>
+              <a:defRPr/>
+            </a:pPr>
+            <a:endParaRPr kumimoji="0" lang="en-US" sz="1800" b="0" i="0" u="none" strike="noStrike" kern="0" cap="none" spc="0" normalizeH="0" baseline="0" noProof="0">
+              <a:ln>
+                <a:noFill/>
+              </a:ln>
+              <a:solidFill>
+                <a:sysClr val="window" lastClr="FFFFFF"/>
+              </a:solidFill>
+              <a:effectLst/>
+              <a:uLnTx/>
+              <a:uFillTx/>
+              <a:latin typeface="Calibri"/>
+              <a:ea typeface="+mn-ea"/>
+              <a:cs typeface="+mn-cs"/>
+            </a:endParaRPr>
+          </a:p>
+        </p:txBody>
+      </p:sp>
+      <p:sp>
+        <p:nvSpPr>
+          <p:cNvPr id="39" name="梯形 2"/>
+          <p:cNvSpPr/>
+          <p:nvPr/>
+        </p:nvSpPr>
+        <p:spPr>
+          <a:xfrm rot="3089199">
+            <a:off x="6725126" y="3011660"/>
+            <a:ext cx="1184869" cy="820839"/>
+          </a:xfrm>
+          <a:custGeom>
+            <a:avLst/>
+            <a:gdLst/>
+            <a:ahLst/>
+            <a:cxnLst/>
+            <a:rect l="l" t="t" r="r" b="b"/>
+            <a:pathLst>
+              <a:path w="1673569" h="1159396">
+                <a:moveTo>
+                  <a:pt x="238714" y="0"/>
+                </a:moveTo>
+                <a:lnTo>
+                  <a:pt x="1358427" y="0"/>
+                </a:lnTo>
+                <a:cubicBezTo>
+                  <a:pt x="1298580" y="183626"/>
+                  <a:pt x="1302125" y="424075"/>
+                  <a:pt x="1379974" y="668159"/>
+                </a:cubicBezTo>
+                <a:cubicBezTo>
+                  <a:pt x="1444682" y="871041"/>
+                  <a:pt x="1549792" y="1042153"/>
+                  <a:pt x="1673569" y="1159396"/>
+                </a:cubicBezTo>
+                <a:lnTo>
+                  <a:pt x="0" y="1159396"/>
+                </a:lnTo>
+                <a:cubicBezTo>
+                  <a:pt x="121244" y="1027568"/>
+                  <a:pt x="217761" y="835364"/>
+                  <a:pt x="264199" y="611606"/>
+                </a:cubicBezTo>
+                <a:cubicBezTo>
+                  <a:pt x="310990" y="386150"/>
+                  <a:pt x="298390" y="169853"/>
+                  <a:pt x="238714" y="0"/>
+                </a:cubicBezTo>
+                <a:close/>
+              </a:path>
+            </a:pathLst>
+          </a:custGeom>
+          <a:solidFill>
+            <a:srgbClr val="6BBFB0"/>
+          </a:solidFill>
+          <a:ln w="25400" cap="flat" cmpd="sng" algn="ctr">
+            <a:noFill/>
+            <a:prstDash val="solid"/>
+          </a:ln>
+          <a:effectLst/>
+        </p:spPr>
+        <p:txBody>
+          <a:bodyPr rot="0" spcFirstLastPara="0" vertOverflow="overflow" horzOverflow="overflow" vert="horz" wrap="square" lIns="91440" tIns="45720" rIns="91440" bIns="45720" numCol="1" spcCol="0" rtlCol="0" fromWordArt="0" anchor="ctr" anchorCtr="0" forceAA="0" compatLnSpc="1">
+            <a:prstTxWarp prst="textNoShape">
+              <a:avLst/>
+            </a:prstTxWarp>
+            <a:noAutofit/>
+          </a:bodyPr>
+          <a:lstStyle/>
+          <a:p>
+            <a:pPr marL="0" marR="0" lvl="0" indent="0" algn="ctr" defTabSz="914400" eaLnBrk="1" fontAlgn="auto" latinLnBrk="0" hangingPunct="1">
+              <a:lnSpc>
+                <a:spcPct val="100000"/>
+              </a:lnSpc>
+              <a:spcBef>
+                <a:spcPts val="0"/>
+              </a:spcBef>
+              <a:spcAft>
+                <a:spcPts val="0"/>
+              </a:spcAft>
+              <a:buClrTx/>
+              <a:buSzTx/>
+              <a:buFontTx/>
+              <a:buNone/>
+              <a:tabLst/>
+              <a:defRPr/>
+            </a:pPr>
+            <a:endParaRPr kumimoji="0" lang="en-US" sz="1800" b="0" i="0" u="none" strike="noStrike" kern="0" cap="none" spc="0" normalizeH="0" baseline="0" noProof="0">
+              <a:ln>
+                <a:noFill/>
+              </a:ln>
+              <a:solidFill>
+                <a:sysClr val="window" lastClr="FFFFFF"/>
+              </a:solidFill>
+              <a:effectLst/>
+              <a:uLnTx/>
+              <a:uFillTx/>
+              <a:latin typeface="Calibri"/>
+              <a:ea typeface="+mn-ea"/>
+              <a:cs typeface="+mn-cs"/>
+            </a:endParaRPr>
+          </a:p>
+        </p:txBody>
+      </p:sp>
+      <p:grpSp>
+        <p:nvGrpSpPr>
+          <p:cNvPr id="3" name="组合 2"/>
+          <p:cNvGrpSpPr/>
+          <p:nvPr/>
+        </p:nvGrpSpPr>
+        <p:grpSpPr>
+          <a:xfrm>
+            <a:off x="4802061" y="3056922"/>
+            <a:ext cx="2648956" cy="2648956"/>
+            <a:chOff x="4676072" y="3105442"/>
+            <a:chExt cx="2648956" cy="2648956"/>
+          </a:xfrm>
+        </p:grpSpPr>
+        <p:sp>
+          <p:nvSpPr>
+            <p:cNvPr id="40" name="椭圆 39"/>
+            <p:cNvSpPr/>
+            <p:nvPr/>
+          </p:nvSpPr>
+          <p:spPr>
+            <a:xfrm>
+              <a:off x="4676072" y="3105442"/>
+              <a:ext cx="2648956" cy="2648956"/>
+            </a:xfrm>
+            <a:prstGeom prst="ellipse">
+              <a:avLst/>
+            </a:prstGeom>
+            <a:solidFill>
+              <a:srgbClr val="645068"/>
+            </a:solidFill>
+            <a:ln w="25400" cap="flat" cmpd="sng" algn="ctr">
+              <a:noFill/>
+              <a:prstDash val="solid"/>
+            </a:ln>
+            <a:effectLst>
+              <a:innerShdw blurRad="114300">
+                <a:prstClr val="black"/>
+              </a:innerShdw>
+            </a:effectLst>
+          </p:spPr>
+          <p:txBody>
+            <a:bodyPr rot="0" spcFirstLastPara="0" vertOverflow="overflow" horzOverflow="overflow" vert="horz" wrap="square" lIns="91440" tIns="45720" rIns="91440" bIns="45720" numCol="1" spcCol="0" rtlCol="0" fromWordArt="0" anchor="ctr" anchorCtr="0" forceAA="0" compatLnSpc="1">
+              <a:prstTxWarp prst="textNoShape">
+                <a:avLst/>
+              </a:prstTxWarp>
+              <a:noAutofit/>
+            </a:bodyPr>
+            <a:lstStyle/>
+            <a:p>
+              <a:pPr marL="0" marR="0" lvl="0" indent="0" algn="ctr" defTabSz="914400" eaLnBrk="1" fontAlgn="auto" latinLnBrk="0" hangingPunct="1">
+                <a:lnSpc>
+                  <a:spcPct val="100000"/>
+                </a:lnSpc>
+                <a:spcBef>
+                  <a:spcPts val="0"/>
+                </a:spcBef>
+                <a:spcAft>
+                  <a:spcPts val="0"/>
+                </a:spcAft>
+                <a:buClrTx/>
+                <a:buSzTx/>
+                <a:buFontTx/>
+                <a:buNone/>
+                <a:tabLst/>
+                <a:defRPr/>
+              </a:pPr>
+              <a:endParaRPr kumimoji="0" lang="en-US" sz="1800" b="0" i="0" u="none" strike="noStrike" kern="0" cap="none" spc="0" normalizeH="0" baseline="0" noProof="0">
+                <a:ln>
+                  <a:noFill/>
+                </a:ln>
+                <a:solidFill>
+                  <a:sysClr val="window" lastClr="FFFFFF"/>
+                </a:solidFill>
+                <a:effectLst/>
+                <a:uLnTx/>
+                <a:uFillTx/>
+                <a:latin typeface="Calibri"/>
+                <a:ea typeface="+mn-ea"/>
+                <a:cs typeface="+mn-cs"/>
+              </a:endParaRPr>
+            </a:p>
+          </p:txBody>
+        </p:sp>
+        <p:sp>
+          <p:nvSpPr>
+            <p:cNvPr id="41" name="椭圆 40"/>
+            <p:cNvSpPr/>
+            <p:nvPr/>
+          </p:nvSpPr>
+          <p:spPr>
+            <a:xfrm>
+              <a:off x="4809528" y="3212772"/>
+              <a:ext cx="2382044" cy="2382044"/>
+            </a:xfrm>
+            <a:prstGeom prst="ellipse">
+              <a:avLst/>
+            </a:prstGeom>
+            <a:gradFill flip="none" rotWithShape="1">
+              <a:gsLst>
+                <a:gs pos="0">
+                  <a:sysClr val="window" lastClr="FFFFFF"/>
+                </a:gs>
+                <a:gs pos="100000">
+                  <a:srgbClr val="DED6E0"/>
+                </a:gs>
+              </a:gsLst>
+              <a:path path="circle">
+                <a:fillToRect l="50000" t="50000" r="50000" b="50000"/>
+              </a:path>
+              <a:tileRect/>
+            </a:gradFill>
+            <a:ln w="25400" cap="flat" cmpd="sng" algn="ctr">
+              <a:solidFill>
+                <a:sysClr val="window" lastClr="FFFFFF"/>
+              </a:solidFill>
+              <a:prstDash val="solid"/>
+            </a:ln>
+            <a:effectLst>
+              <a:outerShdw blurRad="50800" dist="88900" dir="5400000" algn="t" rotWithShape="0">
+                <a:prstClr val="black">
+                  <a:alpha val="40000"/>
+                </a:prstClr>
+              </a:outerShdw>
+            </a:effectLst>
+          </p:spPr>
+          <p:txBody>
+            <a:bodyPr rot="0" spcFirstLastPara="0" vertOverflow="overflow" horzOverflow="overflow" vert="horz" wrap="square" lIns="91440" tIns="45720" rIns="91440" bIns="45720" numCol="1" spcCol="0" rtlCol="0" fromWordArt="0" anchor="ctr" anchorCtr="0" forceAA="0" compatLnSpc="1">
+              <a:prstTxWarp prst="textNoShape">
+                <a:avLst/>
+              </a:prstTxWarp>
+              <a:noAutofit/>
+            </a:bodyPr>
+            <a:lstStyle/>
+            <a:p>
+              <a:pPr marL="0" marR="0" lvl="0" indent="0" algn="ctr" defTabSz="914400" eaLnBrk="1" fontAlgn="auto" latinLnBrk="0" hangingPunct="1">
+                <a:lnSpc>
+                  <a:spcPct val="100000"/>
+                </a:lnSpc>
+                <a:spcBef>
+                  <a:spcPts val="0"/>
+                </a:spcBef>
+                <a:spcAft>
+                  <a:spcPts val="0"/>
+                </a:spcAft>
+                <a:buClrTx/>
+                <a:buSzTx/>
+                <a:buFontTx/>
+                <a:buNone/>
+                <a:tabLst/>
+                <a:defRPr/>
+              </a:pPr>
+              <a:endParaRPr kumimoji="0" lang="en-US" sz="1800" b="0" i="0" u="none" strike="noStrike" kern="0" cap="none" spc="0" normalizeH="0" baseline="0" noProof="0">
+                <a:ln>
+                  <a:noFill/>
+                </a:ln>
+                <a:solidFill>
+                  <a:sysClr val="window" lastClr="FFFFFF"/>
+                </a:solidFill>
+                <a:effectLst/>
+                <a:uLnTx/>
+                <a:uFillTx/>
+                <a:latin typeface="Calibri"/>
+                <a:ea typeface="+mn-ea"/>
+                <a:cs typeface="+mn-cs"/>
+              </a:endParaRPr>
+            </a:p>
+          </p:txBody>
+        </p:sp>
+      </p:grpSp>
+      <p:sp>
+        <p:nvSpPr>
+          <p:cNvPr id="43" name="椭圆 42"/>
+          <p:cNvSpPr/>
+          <p:nvPr/>
+        </p:nvSpPr>
         <p:spPr>
           <a:xfrm>
-            <a:off x="3332494" y="2689887"/>
-            <a:ext cx="2320696" cy="1559819"/>
-          </a:xfrm>
-          <a:prstGeom prst="rect">
+            <a:off x="7283944" y="2266838"/>
+            <a:ext cx="1191022" cy="1191022"/>
+          </a:xfrm>
+          <a:prstGeom prst="ellipse">
             <a:avLst/>
           </a:prstGeom>
+          <a:gradFill flip="none" rotWithShape="1">
+            <a:gsLst>
+              <a:gs pos="0">
+                <a:sysClr val="window" lastClr="FFFFFF"/>
+              </a:gs>
+              <a:gs pos="55000">
+                <a:srgbClr val="E1DAE3"/>
+              </a:gs>
+              <a:gs pos="100000">
+                <a:sysClr val="window" lastClr="FFFFFF"/>
+              </a:gs>
+            </a:gsLst>
+            <a:lin ang="2700000" scaled="1"/>
+            <a:tileRect/>
+          </a:gradFill>
+          <a:ln w="9525" cap="flat" cmpd="sng" algn="ctr">
+            <a:solidFill>
+              <a:sysClr val="window" lastClr="FFFFFF"/>
+            </a:solidFill>
+            <a:prstDash val="solid"/>
+          </a:ln>
+          <a:effectLst>
+            <a:outerShdw blurRad="50800" dist="63500" dir="5400000" algn="t" rotWithShape="0">
+              <a:prstClr val="black">
+                <a:alpha val="40000"/>
+              </a:prstClr>
+            </a:outerShdw>
+          </a:effectLst>
         </p:spPr>
-      </p:pic>
-      <p:pic>
-        <p:nvPicPr>
-          <p:cNvPr id="15" name="图片 14"/>
-          <p:cNvPicPr>
-            <a:picLocks noChangeAspect="1"/>
-          </p:cNvPicPr>
+        <p:txBody>
+          <a:bodyPr rot="0" spcFirstLastPara="0" vertOverflow="overflow" horzOverflow="overflow" vert="horz" wrap="square" lIns="91440" tIns="45720" rIns="91440" bIns="45720" numCol="1" spcCol="0" rtlCol="0" fromWordArt="0" anchor="ctr" anchorCtr="0" forceAA="0" compatLnSpc="1">
+            <a:prstTxWarp prst="textNoShape">
+              <a:avLst/>
+            </a:prstTxWarp>
+            <a:noAutofit/>
+          </a:bodyPr>
+          <a:lstStyle/>
+          <a:p>
+            <a:pPr marL="0" marR="0" lvl="0" indent="0" algn="ctr" defTabSz="914400" eaLnBrk="1" fontAlgn="auto" latinLnBrk="0" hangingPunct="1">
+              <a:lnSpc>
+                <a:spcPct val="100000"/>
+              </a:lnSpc>
+              <a:spcBef>
+                <a:spcPts val="0"/>
+              </a:spcBef>
+              <a:spcAft>
+                <a:spcPts val="0"/>
+              </a:spcAft>
+              <a:buClrTx/>
+              <a:buSzTx/>
+              <a:buFontTx/>
+              <a:buNone/>
+              <a:tabLst/>
+              <a:defRPr/>
+            </a:pPr>
+            <a:endParaRPr kumimoji="0" lang="en-US" sz="1800" b="0" i="0" u="none" strike="noStrike" kern="0" cap="none" spc="0" normalizeH="0" baseline="0" noProof="0">
+              <a:ln>
+                <a:noFill/>
+              </a:ln>
+              <a:solidFill>
+                <a:sysClr val="window" lastClr="FFFFFF"/>
+              </a:solidFill>
+              <a:effectLst/>
+              <a:uLnTx/>
+              <a:uFillTx/>
+              <a:latin typeface="Calibri"/>
+              <a:ea typeface="+mn-ea"/>
+              <a:cs typeface="+mn-cs"/>
+            </a:endParaRPr>
+          </a:p>
+        </p:txBody>
+      </p:sp>
+      <p:sp>
+        <p:nvSpPr>
+          <p:cNvPr id="45" name="椭圆 44"/>
+          <p:cNvSpPr/>
           <p:nvPr/>
-        </p:nvPicPr>
-        <p:blipFill>
-          <a:blip r:embed="rId3" cstate="print">
-            <a:extLst>
-              <a:ext uri="{28A0092B-C50C-407E-A947-70E740481C1C}">
-                <a14:useLocalDpi xmlns:a14="http://schemas.microsoft.com/office/drawing/2010/main" val="0"/>
-              </a:ext>
-            </a:extLst>
-          </a:blip>
-          <a:stretch>
-            <a:fillRect/>
-          </a:stretch>
-        </p:blipFill>
+        </p:nvSpPr>
         <p:spPr>
           <a:xfrm>
-            <a:off x="6446744" y="2691972"/>
-            <a:ext cx="2356032" cy="1557734"/>
-          </a:xfrm>
-          <a:prstGeom prst="rect">
+            <a:off x="3334221" y="2575951"/>
+            <a:ext cx="1389403" cy="1389403"/>
+          </a:xfrm>
+          <a:prstGeom prst="ellipse">
             <a:avLst/>
           </a:prstGeom>
+          <a:gradFill flip="none" rotWithShape="1">
+            <a:gsLst>
+              <a:gs pos="0">
+                <a:sysClr val="window" lastClr="FFFFFF"/>
+              </a:gs>
+              <a:gs pos="55000">
+                <a:srgbClr val="E1DAE3"/>
+              </a:gs>
+              <a:gs pos="100000">
+                <a:sysClr val="window" lastClr="FFFFFF"/>
+              </a:gs>
+            </a:gsLst>
+            <a:lin ang="2700000" scaled="1"/>
+            <a:tileRect/>
+          </a:gradFill>
+          <a:ln w="9525" cap="flat" cmpd="sng" algn="ctr">
+            <a:solidFill>
+              <a:sysClr val="window" lastClr="FFFFFF"/>
+            </a:solidFill>
+            <a:prstDash val="solid"/>
+          </a:ln>
+          <a:effectLst>
+            <a:outerShdw blurRad="152400" dist="88900" algn="l" rotWithShape="0">
+              <a:prstClr val="black">
+                <a:alpha val="40000"/>
+              </a:prstClr>
+            </a:outerShdw>
+          </a:effectLst>
         </p:spPr>
-      </p:pic>
-      <p:pic>
-        <p:nvPicPr>
-          <p:cNvPr id="16" name="图片 15"/>
-          <p:cNvPicPr>
-            <a:picLocks noChangeAspect="1"/>
-          </p:cNvPicPr>
+        <p:txBody>
+          <a:bodyPr rot="0" spcFirstLastPara="0" vertOverflow="overflow" horzOverflow="overflow" vert="horz" wrap="square" lIns="91440" tIns="45720" rIns="91440" bIns="45720" numCol="1" spcCol="0" rtlCol="0" fromWordArt="0" anchor="ctr" anchorCtr="0" forceAA="0" compatLnSpc="1">
+            <a:prstTxWarp prst="textNoShape">
+              <a:avLst/>
+            </a:prstTxWarp>
+            <a:noAutofit/>
+          </a:bodyPr>
+          <a:lstStyle/>
+          <a:p>
+            <a:pPr marL="0" marR="0" lvl="0" indent="0" algn="ctr" defTabSz="914400" eaLnBrk="1" fontAlgn="auto" latinLnBrk="0" hangingPunct="1">
+              <a:lnSpc>
+                <a:spcPct val="100000"/>
+              </a:lnSpc>
+              <a:spcBef>
+                <a:spcPts val="0"/>
+              </a:spcBef>
+              <a:spcAft>
+                <a:spcPts val="0"/>
+              </a:spcAft>
+              <a:buClrTx/>
+              <a:buSzTx/>
+              <a:buFontTx/>
+              <a:buNone/>
+              <a:tabLst/>
+              <a:defRPr/>
+            </a:pPr>
+            <a:endParaRPr kumimoji="0" lang="en-US" sz="1800" b="0" i="0" u="none" strike="noStrike" kern="0" cap="none" spc="0" normalizeH="0" baseline="0" noProof="0">
+              <a:ln>
+                <a:noFill/>
+              </a:ln>
+              <a:solidFill>
+                <a:sysClr val="window" lastClr="FFFFFF"/>
+              </a:solidFill>
+              <a:effectLst/>
+              <a:uLnTx/>
+              <a:uFillTx/>
+              <a:latin typeface="Calibri"/>
+              <a:ea typeface="+mn-ea"/>
+              <a:cs typeface="+mn-cs"/>
+            </a:endParaRPr>
+          </a:p>
+        </p:txBody>
+      </p:sp>
+      <p:sp>
+        <p:nvSpPr>
+          <p:cNvPr id="46" name="椭圆 45"/>
+          <p:cNvSpPr/>
           <p:nvPr/>
-        </p:nvPicPr>
-        <p:blipFill rotWithShape="1">
-          <a:blip r:embed="rId4" cstate="print">
-            <a:extLst>
-              <a:ext uri="{28A0092B-C50C-407E-A947-70E740481C1C}">
-                <a14:useLocalDpi xmlns:a14="http://schemas.microsoft.com/office/drawing/2010/main" val="0"/>
-              </a:ext>
-            </a:extLst>
-          </a:blip>
-          <a:srcRect l="36686"/>
-          <a:stretch/>
-        </p:blipFill>
+        </p:nvSpPr>
         <p:spPr>
           <a:xfrm>
-            <a:off x="6454344" y="5007631"/>
-            <a:ext cx="2349367" cy="1580900"/>
-          </a:xfrm>
-          <a:prstGeom prst="rect">
+            <a:off x="3014534" y="4768804"/>
+            <a:ext cx="1857304" cy="1795704"/>
+          </a:xfrm>
+          <a:prstGeom prst="ellipse">
             <a:avLst/>
           </a:prstGeom>
+          <a:gradFill flip="none" rotWithShape="1">
+            <a:gsLst>
+              <a:gs pos="0">
+                <a:sysClr val="window" lastClr="FFFFFF"/>
+              </a:gs>
+              <a:gs pos="55000">
+                <a:srgbClr val="E1DAE3"/>
+              </a:gs>
+              <a:gs pos="100000">
+                <a:sysClr val="window" lastClr="FFFFFF"/>
+              </a:gs>
+            </a:gsLst>
+            <a:lin ang="2700000" scaled="1"/>
+            <a:tileRect/>
+          </a:gradFill>
+          <a:ln w="9525" cap="flat" cmpd="sng" algn="ctr">
+            <a:solidFill>
+              <a:sysClr val="window" lastClr="FFFFFF"/>
+            </a:solidFill>
+            <a:prstDash val="solid"/>
+          </a:ln>
+          <a:effectLst>
+            <a:outerShdw blurRad="50800" dist="63500" dir="5400000" algn="t" rotWithShape="0">
+              <a:prstClr val="black">
+                <a:alpha val="40000"/>
+              </a:prstClr>
+            </a:outerShdw>
+          </a:effectLst>
         </p:spPr>
-      </p:pic>
-      <p:pic>
-        <p:nvPicPr>
-          <p:cNvPr id="17" name="图片 16"/>
-          <p:cNvPicPr>
-            <a:picLocks noChangeAspect="1"/>
-          </p:cNvPicPr>
+        <p:txBody>
+          <a:bodyPr rot="0" spcFirstLastPara="0" vertOverflow="overflow" horzOverflow="overflow" vert="horz" wrap="square" lIns="91440" tIns="45720" rIns="91440" bIns="45720" numCol="1" spcCol="0" rtlCol="0" fromWordArt="0" anchor="ctr" anchorCtr="0" forceAA="0" compatLnSpc="1">
+            <a:prstTxWarp prst="textNoShape">
+              <a:avLst/>
+            </a:prstTxWarp>
+            <a:noAutofit/>
+          </a:bodyPr>
+          <a:lstStyle/>
+          <a:p>
+            <a:pPr marL="0" marR="0" lvl="0" indent="0" algn="ctr" defTabSz="914400" eaLnBrk="1" fontAlgn="auto" latinLnBrk="0" hangingPunct="1">
+              <a:lnSpc>
+                <a:spcPct val="100000"/>
+              </a:lnSpc>
+              <a:spcBef>
+                <a:spcPts val="0"/>
+              </a:spcBef>
+              <a:spcAft>
+                <a:spcPts val="0"/>
+              </a:spcAft>
+              <a:buClrTx/>
+              <a:buSzTx/>
+              <a:buFontTx/>
+              <a:buNone/>
+              <a:tabLst/>
+              <a:defRPr/>
+            </a:pPr>
+            <a:endParaRPr kumimoji="0" lang="en-US" sz="1800" b="0" i="0" u="none" strike="noStrike" kern="0" cap="none" spc="0" normalizeH="0" baseline="0" noProof="0">
+              <a:ln>
+                <a:noFill/>
+              </a:ln>
+              <a:solidFill>
+                <a:sysClr val="window" lastClr="FFFFFF"/>
+              </a:solidFill>
+              <a:effectLst/>
+              <a:uLnTx/>
+              <a:uFillTx/>
+              <a:latin typeface="Calibri"/>
+              <a:ea typeface="+mn-ea"/>
+              <a:cs typeface="+mn-cs"/>
+            </a:endParaRPr>
+          </a:p>
+        </p:txBody>
+      </p:sp>
+      <p:sp>
+        <p:nvSpPr>
+          <p:cNvPr id="49" name="椭圆 48"/>
+          <p:cNvSpPr/>
           <p:nvPr/>
-        </p:nvPicPr>
-        <p:blipFill>
-          <a:blip r:embed="rId5" cstate="print">
-            <a:extLst>
-              <a:ext uri="{28A0092B-C50C-407E-A947-70E740481C1C}">
-                <a14:useLocalDpi xmlns:a14="http://schemas.microsoft.com/office/drawing/2010/main" val="0"/>
-              </a:ext>
-            </a:extLst>
-          </a:blip>
-          <a:stretch>
-            <a:fillRect/>
-          </a:stretch>
-        </p:blipFill>
+        </p:nvSpPr>
         <p:spPr>
           <a:xfrm>
-            <a:off x="3380498" y="5007631"/>
-            <a:ext cx="2272692" cy="1580900"/>
-          </a:xfrm>
-          <a:prstGeom prst="rect">
+            <a:off x="7468954" y="4900779"/>
+            <a:ext cx="1531754" cy="1531754"/>
+          </a:xfrm>
+          <a:prstGeom prst="ellipse">
             <a:avLst/>
           </a:prstGeom>
+          <a:gradFill flip="none" rotWithShape="1">
+            <a:gsLst>
+              <a:gs pos="0">
+                <a:sysClr val="window" lastClr="FFFFFF"/>
+              </a:gs>
+              <a:gs pos="55000">
+                <a:srgbClr val="E1DAE3"/>
+              </a:gs>
+              <a:gs pos="100000">
+                <a:sysClr val="window" lastClr="FFFFFF"/>
+              </a:gs>
+            </a:gsLst>
+            <a:lin ang="2700000" scaled="1"/>
+            <a:tileRect/>
+          </a:gradFill>
+          <a:ln w="9525" cap="flat" cmpd="sng" algn="ctr">
+            <a:solidFill>
+              <a:sysClr val="window" lastClr="FFFFFF"/>
+            </a:solidFill>
+            <a:prstDash val="solid"/>
+          </a:ln>
+          <a:effectLst>
+            <a:outerShdw blurRad="50800" dist="63500" dir="5400000" algn="t" rotWithShape="0">
+              <a:prstClr val="black">
+                <a:alpha val="40000"/>
+              </a:prstClr>
+            </a:outerShdw>
+          </a:effectLst>
         </p:spPr>
-      </p:pic>
+        <p:txBody>
+          <a:bodyPr rot="0" spcFirstLastPara="0" vertOverflow="overflow" horzOverflow="overflow" vert="horz" wrap="square" lIns="91440" tIns="45720" rIns="91440" bIns="45720" numCol="1" spcCol="0" rtlCol="0" fromWordArt="0" anchor="ctr" anchorCtr="0" forceAA="0" compatLnSpc="1">
+            <a:prstTxWarp prst="textNoShape">
+              <a:avLst/>
+            </a:prstTxWarp>
+            <a:noAutofit/>
+          </a:bodyPr>
+          <a:lstStyle/>
+          <a:p>
+            <a:pPr marL="0" marR="0" lvl="0" indent="0" algn="ctr" defTabSz="914400" eaLnBrk="1" fontAlgn="auto" latinLnBrk="0" hangingPunct="1">
+              <a:lnSpc>
+                <a:spcPct val="100000"/>
+              </a:lnSpc>
+              <a:spcBef>
+                <a:spcPts val="0"/>
+              </a:spcBef>
+              <a:spcAft>
+                <a:spcPts val="0"/>
+              </a:spcAft>
+              <a:buClrTx/>
+              <a:buSzTx/>
+              <a:buFontTx/>
+              <a:buNone/>
+              <a:tabLst/>
+              <a:defRPr/>
+            </a:pPr>
+            <a:endParaRPr kumimoji="0" lang="en-US" sz="1800" b="0" i="0" u="none" strike="noStrike" kern="0" cap="none" spc="0" normalizeH="0" baseline="0" noProof="0">
+              <a:ln>
+                <a:noFill/>
+              </a:ln>
+              <a:solidFill>
+                <a:sysClr val="window" lastClr="FFFFFF"/>
+              </a:solidFill>
+              <a:effectLst/>
+              <a:uLnTx/>
+              <a:uFillTx/>
+              <a:latin typeface="Calibri"/>
+              <a:ea typeface="+mn-ea"/>
+              <a:cs typeface="+mn-cs"/>
+            </a:endParaRPr>
+          </a:p>
+        </p:txBody>
+      </p:sp>
       <p:sp>
         <p:nvSpPr>
-          <p:cNvPr id="47" name="TextBox 462"/>
+          <p:cNvPr id="60" name="TextBox 462"/>
           <p:cNvSpPr txBox="1"/>
           <p:nvPr/>
         </p:nvSpPr>
         <p:spPr>
           <a:xfrm>
-            <a:off x="821458" y="3312292"/>
-            <a:ext cx="2031319" cy="1021433"/>
+            <a:off x="1104525" y="2702954"/>
+            <a:ext cx="2031319" cy="1021370"/>
           </a:xfrm>
           <a:prstGeom prst="rect">
             <a:avLst/>
@@ -27661,7 +28172,7 @@
                 <a:ea typeface="微软雅黑" pitchFamily="34" charset="-122"/>
                 <a:sym typeface="微软雅黑" pitchFamily="34" charset="-122"/>
               </a:rPr>
-              <a:t>您可以点击文字框输入您的描述说明，或者通过复制粘贴 。</a:t>
+              <a:t>图书信息添加至数据库，以掌握图书的流通情况。</a:t>
             </a:r>
             <a:endParaRPr lang="en-US" altLang="zh-CN" sz="1600" dirty="0">
               <a:solidFill>
@@ -27677,94 +28188,16 @@
           </a:p>
         </p:txBody>
       </p:sp>
-      <p:cxnSp>
-        <p:nvCxnSpPr>
-          <p:cNvPr id="20" name="直接连接符 19"/>
-          <p:cNvCxnSpPr/>
-          <p:nvPr/>
-        </p:nvCxnSpPr>
-        <p:spPr>
-          <a:xfrm flipH="1">
-            <a:off x="3362723" y="4616110"/>
-            <a:ext cx="5423592" cy="9567"/>
-          </a:xfrm>
-          <a:prstGeom prst="line">
-            <a:avLst/>
-          </a:prstGeom>
-          <a:ln w="28575">
-            <a:solidFill>
-              <a:schemeClr val="accent3">
-                <a:lumMod val="60000"/>
-                <a:lumOff val="40000"/>
-              </a:schemeClr>
-            </a:solidFill>
-            <a:prstDash val="solid"/>
-          </a:ln>
-        </p:spPr>
-        <p:style>
-          <a:lnRef idx="1">
-            <a:schemeClr val="accent1"/>
-          </a:lnRef>
-          <a:fillRef idx="0">
-            <a:schemeClr val="accent1"/>
-          </a:fillRef>
-          <a:effectRef idx="0">
-            <a:schemeClr val="accent1"/>
-          </a:effectRef>
-          <a:fontRef idx="minor">
-            <a:schemeClr val="tx1"/>
-          </a:fontRef>
-        </p:style>
-      </p:cxnSp>
-      <p:cxnSp>
-        <p:nvCxnSpPr>
-          <p:cNvPr id="51" name="直接连接符 50"/>
-          <p:cNvCxnSpPr/>
-          <p:nvPr/>
-        </p:nvCxnSpPr>
-        <p:spPr>
-          <a:xfrm flipV="1">
-            <a:off x="6074519" y="2595743"/>
-            <a:ext cx="0" cy="4021724"/>
-          </a:xfrm>
-          <a:prstGeom prst="line">
-            <a:avLst/>
-          </a:prstGeom>
-          <a:ln w="28575">
-            <a:solidFill>
-              <a:schemeClr val="accent3">
-                <a:lumMod val="60000"/>
-                <a:lumOff val="40000"/>
-              </a:schemeClr>
-            </a:solidFill>
-            <a:prstDash val="solid"/>
-          </a:ln>
-        </p:spPr>
-        <p:style>
-          <a:lnRef idx="1">
-            <a:schemeClr val="accent1"/>
-          </a:lnRef>
-          <a:fillRef idx="0">
-            <a:schemeClr val="accent1"/>
-          </a:fillRef>
-          <a:effectRef idx="0">
-            <a:schemeClr val="accent1"/>
-          </a:effectRef>
-          <a:fontRef idx="minor">
-            <a:schemeClr val="tx1"/>
-          </a:fontRef>
-        </p:style>
-      </p:cxnSp>
       <p:sp>
         <p:nvSpPr>
-          <p:cNvPr id="48" name="文本框 47"/>
+          <p:cNvPr id="61" name="文本框 60"/>
           <p:cNvSpPr txBox="1"/>
           <p:nvPr/>
         </p:nvSpPr>
         <p:spPr>
           <a:xfrm>
-            <a:off x="838425" y="2738886"/>
-            <a:ext cx="2441506" cy="461665"/>
+            <a:off x="3464059" y="2899404"/>
+            <a:ext cx="1296486" cy="707886"/>
           </a:xfrm>
           <a:prstGeom prst="rect">
             <a:avLst/>
@@ -27778,25 +28211,57 @@
           <a:lstStyle/>
           <a:p>
             <a:r>
-              <a:rPr lang="zh-CN" altLang="en-US" sz="2400" b="1" dirty="0">
+              <a:rPr lang="zh-CN" altLang="en-US" sz="2000" b="1" dirty="0">
                 <a:latin typeface="微软雅黑" panose="020B0503020204020204" pitchFamily="34" charset="-122"/>
                 <a:ea typeface="微软雅黑" panose="020B0503020204020204" pitchFamily="34" charset="-122"/>
               </a:rPr>
-              <a:t>此处添加标题</a:t>
+              <a:t>图书信息化</a:t>
             </a:r>
           </a:p>
         </p:txBody>
       </p:sp>
       <p:sp>
         <p:nvSpPr>
-          <p:cNvPr id="70" name="TextBox 462"/>
+          <p:cNvPr id="62" name="文本框 61"/>
           <p:cNvSpPr txBox="1"/>
           <p:nvPr/>
         </p:nvSpPr>
         <p:spPr>
           <a:xfrm>
-            <a:off x="821458" y="5614451"/>
-            <a:ext cx="2031319" cy="1021433"/>
+            <a:off x="7423222" y="2526633"/>
+            <a:ext cx="1053679" cy="707886"/>
+          </a:xfrm>
+          <a:prstGeom prst="rect">
+            <a:avLst/>
+          </a:prstGeom>
+          <a:noFill/>
+        </p:spPr>
+        <p:txBody>
+          <a:bodyPr wrap="square" rtlCol="0">
+            <a:spAutoFit/>
+          </a:bodyPr>
+          <a:lstStyle/>
+          <a:p>
+            <a:r>
+              <a:rPr lang="zh-CN" altLang="en-US" sz="2000" b="1" dirty="0">
+                <a:latin typeface="微软雅黑" panose="020B0503020204020204" pitchFamily="34" charset="-122"/>
+                <a:ea typeface="微软雅黑" panose="020B0503020204020204" pitchFamily="34" charset="-122"/>
+              </a:rPr>
+              <a:t>借阅信息化</a:t>
+            </a:r>
+          </a:p>
+        </p:txBody>
+      </p:sp>
+      <p:sp>
+        <p:nvSpPr>
+          <p:cNvPr id="65" name="TextBox 462"/>
+          <p:cNvSpPr txBox="1"/>
+          <p:nvPr/>
+        </p:nvSpPr>
+        <p:spPr>
+          <a:xfrm>
+            <a:off x="8731267" y="2400646"/>
+            <a:ext cx="2031319" cy="1021370"/>
           </a:xfrm>
           <a:prstGeom prst="rect">
             <a:avLst/>
@@ -27829,7 +28294,35 @@
                 <a:ea typeface="微软雅黑" pitchFamily="34" charset="-122"/>
                 <a:sym typeface="微软雅黑" pitchFamily="34" charset="-122"/>
               </a:rPr>
-              <a:t>您可以点击文字框输入您的描述说明，或者通过复制粘贴 。</a:t>
+              <a:t>读者通过远程</a:t>
+            </a:r>
+            <a:r>
+              <a:rPr lang="en-US" altLang="zh-CN" sz="1600" dirty="0">
+                <a:solidFill>
+                  <a:schemeClr val="tx1">
+                    <a:lumMod val="75000"/>
+                    <a:lumOff val="25000"/>
+                  </a:schemeClr>
+                </a:solidFill>
+                <a:latin typeface="微软雅黑" pitchFamily="34" charset="-122"/>
+                <a:ea typeface="微软雅黑" pitchFamily="34" charset="-122"/>
+                <a:sym typeface="微软雅黑" pitchFamily="34" charset="-122"/>
+              </a:rPr>
+              <a:t>PC</a:t>
+            </a:r>
+            <a:r>
+              <a:rPr lang="zh-CN" altLang="en-US" sz="1600" dirty="0">
+                <a:solidFill>
+                  <a:schemeClr val="tx1">
+                    <a:lumMod val="75000"/>
+                    <a:lumOff val="25000"/>
+                  </a:schemeClr>
+                </a:solidFill>
+                <a:latin typeface="微软雅黑" pitchFamily="34" charset="-122"/>
+                <a:ea typeface="微软雅黑" pitchFamily="34" charset="-122"/>
+                <a:sym typeface="微软雅黑" pitchFamily="34" charset="-122"/>
+              </a:rPr>
+              <a:t>端进行图书的预约，先预约后借阅。</a:t>
             </a:r>
             <a:endParaRPr lang="en-US" altLang="zh-CN" sz="1600" dirty="0">
               <a:solidFill>
@@ -27847,14 +28340,14 @@
       </p:sp>
       <p:sp>
         <p:nvSpPr>
-          <p:cNvPr id="71" name="文本框 70"/>
+          <p:cNvPr id="66" name="文本框 65"/>
           <p:cNvSpPr txBox="1"/>
           <p:nvPr/>
         </p:nvSpPr>
         <p:spPr>
           <a:xfrm>
-            <a:off x="838425" y="5041045"/>
-            <a:ext cx="2441506" cy="461665"/>
+            <a:off x="3085498" y="5505823"/>
+            <a:ext cx="1716563" cy="400110"/>
           </a:xfrm>
           <a:prstGeom prst="rect">
             <a:avLst/>
@@ -27868,25 +28361,57 @@
           <a:lstStyle/>
           <a:p>
             <a:r>
-              <a:rPr lang="zh-CN" altLang="en-US" sz="2400" b="1" dirty="0">
+              <a:rPr lang="zh-CN" altLang="en-US" sz="2000" b="1" dirty="0">
                 <a:latin typeface="微软雅黑" panose="020B0503020204020204" pitchFamily="34" charset="-122"/>
                 <a:ea typeface="微软雅黑" panose="020B0503020204020204" pitchFamily="34" charset="-122"/>
               </a:rPr>
-              <a:t>此处添加标题</a:t>
+              <a:t>管理信息化</a:t>
             </a:r>
           </a:p>
         </p:txBody>
       </p:sp>
       <p:sp>
         <p:nvSpPr>
-          <p:cNvPr id="72" name="TextBox 462"/>
+          <p:cNvPr id="67" name="文本框 66"/>
           <p:cNvSpPr txBox="1"/>
           <p:nvPr/>
         </p:nvSpPr>
         <p:spPr>
           <a:xfrm>
-            <a:off x="9241072" y="3263293"/>
-            <a:ext cx="2031319" cy="1021433"/>
+            <a:off x="7704222" y="5384544"/>
+            <a:ext cx="1296486" cy="707886"/>
+          </a:xfrm>
+          <a:prstGeom prst="rect">
+            <a:avLst/>
+          </a:prstGeom>
+          <a:noFill/>
+        </p:spPr>
+        <p:txBody>
+          <a:bodyPr wrap="square" rtlCol="0">
+            <a:spAutoFit/>
+          </a:bodyPr>
+          <a:lstStyle/>
+          <a:p>
+            <a:r>
+              <a:rPr lang="zh-CN" altLang="en-US" sz="2000" b="1" dirty="0">
+                <a:latin typeface="微软雅黑" panose="020B0503020204020204" pitchFamily="34" charset="-122"/>
+                <a:ea typeface="微软雅黑" panose="020B0503020204020204" pitchFamily="34" charset="-122"/>
+              </a:rPr>
+              <a:t>检索信息化</a:t>
+            </a:r>
+          </a:p>
+        </p:txBody>
+      </p:sp>
+      <p:sp>
+        <p:nvSpPr>
+          <p:cNvPr id="69" name="TextBox 462"/>
+          <p:cNvSpPr txBox="1"/>
+          <p:nvPr/>
+        </p:nvSpPr>
+        <p:spPr>
+          <a:xfrm>
+            <a:off x="9201546" y="5217057"/>
+            <a:ext cx="2031319" cy="1341457"/>
           </a:xfrm>
           <a:prstGeom prst="rect">
             <a:avLst/>
@@ -27919,7 +28444,35 @@
                 <a:ea typeface="微软雅黑" pitchFamily="34" charset="-122"/>
                 <a:sym typeface="微软雅黑" pitchFamily="34" charset="-122"/>
               </a:rPr>
-              <a:t>您可以点击文字框输入您的描述说明，或者通过复制粘贴 。</a:t>
+              <a:t>读者通过远程</a:t>
+            </a:r>
+            <a:r>
+              <a:rPr lang="en-US" altLang="zh-CN" sz="1600" dirty="0">
+                <a:solidFill>
+                  <a:schemeClr val="tx1">
+                    <a:lumMod val="75000"/>
+                    <a:lumOff val="25000"/>
+                  </a:schemeClr>
+                </a:solidFill>
+                <a:latin typeface="微软雅黑" pitchFamily="34" charset="-122"/>
+                <a:ea typeface="微软雅黑" pitchFamily="34" charset="-122"/>
+                <a:sym typeface="微软雅黑" pitchFamily="34" charset="-122"/>
+              </a:rPr>
+              <a:t>PC</a:t>
+            </a:r>
+            <a:r>
+              <a:rPr lang="zh-CN" altLang="en-US" sz="1600" dirty="0">
+                <a:solidFill>
+                  <a:schemeClr val="tx1">
+                    <a:lumMod val="75000"/>
+                    <a:lumOff val="25000"/>
+                  </a:schemeClr>
+                </a:solidFill>
+                <a:latin typeface="微软雅黑" pitchFamily="34" charset="-122"/>
+                <a:ea typeface="微软雅黑" pitchFamily="34" charset="-122"/>
+                <a:sym typeface="微软雅黑" pitchFamily="34" charset="-122"/>
+              </a:rPr>
+              <a:t>端对馆藏目录文献进行检索和查看图书预约情况。</a:t>
             </a:r>
             <a:endParaRPr lang="en-US" altLang="zh-CN" sz="1600" dirty="0">
               <a:solidFill>
@@ -27937,46 +28490,14 @@
       </p:sp>
       <p:sp>
         <p:nvSpPr>
-          <p:cNvPr id="73" name="文本框 72"/>
+          <p:cNvPr id="79" name="TextBox 462"/>
           <p:cNvSpPr txBox="1"/>
           <p:nvPr/>
         </p:nvSpPr>
         <p:spPr>
           <a:xfrm>
-            <a:off x="9258039" y="2689887"/>
-            <a:ext cx="2441506" cy="461665"/>
-          </a:xfrm>
-          <a:prstGeom prst="rect">
-            <a:avLst/>
-          </a:prstGeom>
-          <a:noFill/>
-        </p:spPr>
-        <p:txBody>
-          <a:bodyPr wrap="square" rtlCol="0">
-            <a:spAutoFit/>
-          </a:bodyPr>
-          <a:lstStyle/>
-          <a:p>
-            <a:r>
-              <a:rPr lang="zh-CN" altLang="en-US" sz="2400" b="1" dirty="0">
-                <a:latin typeface="微软雅黑" panose="020B0503020204020204" pitchFamily="34" charset="-122"/>
-                <a:ea typeface="微软雅黑" panose="020B0503020204020204" pitchFamily="34" charset="-122"/>
-              </a:rPr>
-              <a:t>此处添加标题</a:t>
-            </a:r>
-          </a:p>
-        </p:txBody>
-      </p:sp>
-      <p:sp>
-        <p:nvSpPr>
-          <p:cNvPr id="74" name="TextBox 462"/>
-          <p:cNvSpPr txBox="1"/>
-          <p:nvPr/>
-        </p:nvSpPr>
-        <p:spPr>
-          <a:xfrm>
-            <a:off x="9246361" y="5567098"/>
-            <a:ext cx="2031319" cy="1021433"/>
+            <a:off x="843507" y="5290379"/>
+            <a:ext cx="2031319" cy="1341457"/>
           </a:xfrm>
           <a:prstGeom prst="rect">
             <a:avLst/>
@@ -28009,7 +28530,7 @@
                 <a:ea typeface="微软雅黑" pitchFamily="34" charset="-122"/>
                 <a:sym typeface="微软雅黑" pitchFamily="34" charset="-122"/>
               </a:rPr>
-              <a:t>您可以点击文字框输入您的描述说明，或者通过复制粘贴 。</a:t>
+              <a:t>图书馆管理员可以对图书信息、借阅信息、骑手信息等进行统一的管理。</a:t>
             </a:r>
             <a:endParaRPr lang="en-US" altLang="zh-CN" sz="1600" dirty="0">
               <a:solidFill>
@@ -28027,14 +28548,14 @@
       </p:sp>
       <p:sp>
         <p:nvSpPr>
-          <p:cNvPr id="75" name="文本框 74"/>
+          <p:cNvPr id="42" name="文本框 41"/>
           <p:cNvSpPr txBox="1"/>
           <p:nvPr/>
         </p:nvSpPr>
         <p:spPr>
           <a:xfrm>
-            <a:off x="9263328" y="4993692"/>
-            <a:ext cx="2441506" cy="461665"/>
+            <a:off x="5268257" y="3785671"/>
+            <a:ext cx="1716563" cy="961225"/>
           </a:xfrm>
           <a:prstGeom prst="rect">
             <a:avLst/>
@@ -28047,178 +28568,19 @@
           </a:bodyPr>
           <a:lstStyle/>
           <a:p>
+            <a:pPr algn="ctr">
+              <a:lnSpc>
+                <a:spcPct val="150000"/>
+              </a:lnSpc>
+            </a:pPr>
             <a:r>
-              <a:rPr lang="zh-CN" altLang="en-US" sz="2400" b="1" dirty="0">
+              <a:rPr lang="zh-CN" altLang="en-US" sz="2000" b="1" dirty="0">
                 <a:latin typeface="微软雅黑" panose="020B0503020204020204" pitchFamily="34" charset="-122"/>
                 <a:ea typeface="微软雅黑" panose="020B0503020204020204" pitchFamily="34" charset="-122"/>
               </a:rPr>
-              <a:t>此处添加标题</a:t>
+              <a:t>图书馆信息自动化管理</a:t>
             </a:r>
-          </a:p>
-        </p:txBody>
-      </p:sp>
-      <p:sp>
-        <p:nvSpPr>
-          <p:cNvPr id="44" name="文本框 43"/>
-          <p:cNvSpPr txBox="1"/>
-          <p:nvPr/>
-        </p:nvSpPr>
-        <p:spPr>
-          <a:xfrm>
-            <a:off x="5655154" y="4150122"/>
-            <a:ext cx="336827" cy="523220"/>
-          </a:xfrm>
-          <a:prstGeom prst="rect">
-            <a:avLst/>
-          </a:prstGeom>
-          <a:noFill/>
-        </p:spPr>
-        <p:txBody>
-          <a:bodyPr wrap="square" rtlCol="0">
-            <a:spAutoFit/>
-          </a:bodyPr>
-          <a:lstStyle/>
-          <a:p>
-            <a:r>
-              <a:rPr lang="en-US" altLang="zh-CN" sz="2800" dirty="0">
-                <a:solidFill>
-                  <a:schemeClr val="bg1"/>
-                </a:solidFill>
-                <a:latin typeface="微软雅黑" panose="020B0503020204020204" pitchFamily="34" charset="-122"/>
-                <a:ea typeface="微软雅黑" panose="020B0503020204020204" pitchFamily="34" charset="-122"/>
-              </a:rPr>
-              <a:t>1</a:t>
-            </a:r>
-            <a:endParaRPr lang="zh-CN" altLang="en-US" sz="2800" dirty="0">
-              <a:solidFill>
-                <a:schemeClr val="bg1"/>
-              </a:solidFill>
-              <a:latin typeface="微软雅黑" panose="020B0503020204020204" pitchFamily="34" charset="-122"/>
-              <a:ea typeface="微软雅黑" panose="020B0503020204020204" pitchFamily="34" charset="-122"/>
-            </a:endParaRPr>
-          </a:p>
-        </p:txBody>
-      </p:sp>
-      <p:sp>
-        <p:nvSpPr>
-          <p:cNvPr id="76" name="文本框 75"/>
-          <p:cNvSpPr txBox="1"/>
-          <p:nvPr/>
-        </p:nvSpPr>
-        <p:spPr>
-          <a:xfrm>
-            <a:off x="6088710" y="4136244"/>
-            <a:ext cx="296327" cy="523220"/>
-          </a:xfrm>
-          <a:prstGeom prst="rect">
-            <a:avLst/>
-          </a:prstGeom>
-          <a:noFill/>
-        </p:spPr>
-        <p:txBody>
-          <a:bodyPr wrap="square" rtlCol="0">
-            <a:spAutoFit/>
-          </a:bodyPr>
-          <a:lstStyle/>
-          <a:p>
-            <a:r>
-              <a:rPr lang="en-US" altLang="zh-CN" sz="2800" dirty="0">
-                <a:solidFill>
-                  <a:schemeClr val="bg1"/>
-                </a:solidFill>
-                <a:latin typeface="微软雅黑" panose="020B0503020204020204" pitchFamily="34" charset="-122"/>
-                <a:ea typeface="微软雅黑" panose="020B0503020204020204" pitchFamily="34" charset="-122"/>
-              </a:rPr>
-              <a:t>2</a:t>
-            </a:r>
-            <a:endParaRPr lang="zh-CN" altLang="en-US" sz="2800" dirty="0">
-              <a:solidFill>
-                <a:schemeClr val="bg1"/>
-              </a:solidFill>
-              <a:latin typeface="微软雅黑" panose="020B0503020204020204" pitchFamily="34" charset="-122"/>
-              <a:ea typeface="微软雅黑" panose="020B0503020204020204" pitchFamily="34" charset="-122"/>
-            </a:endParaRPr>
-          </a:p>
-        </p:txBody>
-      </p:sp>
-      <p:sp>
-        <p:nvSpPr>
-          <p:cNvPr id="77" name="文本框 76"/>
-          <p:cNvSpPr txBox="1"/>
-          <p:nvPr/>
-        </p:nvSpPr>
-        <p:spPr>
-          <a:xfrm>
-            <a:off x="5674704" y="4617106"/>
-            <a:ext cx="296327" cy="523220"/>
-          </a:xfrm>
-          <a:prstGeom prst="rect">
-            <a:avLst/>
-          </a:prstGeom>
-          <a:noFill/>
-        </p:spPr>
-        <p:txBody>
-          <a:bodyPr wrap="square" rtlCol="0">
-            <a:spAutoFit/>
-          </a:bodyPr>
-          <a:lstStyle/>
-          <a:p>
-            <a:r>
-              <a:rPr lang="en-US" altLang="zh-CN" sz="2800" dirty="0">
-                <a:solidFill>
-                  <a:schemeClr val="bg1"/>
-                </a:solidFill>
-                <a:latin typeface="微软雅黑" panose="020B0503020204020204" pitchFamily="34" charset="-122"/>
-                <a:ea typeface="微软雅黑" panose="020B0503020204020204" pitchFamily="34" charset="-122"/>
-              </a:rPr>
-              <a:t>3</a:t>
-            </a:r>
-            <a:endParaRPr lang="zh-CN" altLang="en-US" sz="2800" dirty="0">
-              <a:solidFill>
-                <a:schemeClr val="bg1"/>
-              </a:solidFill>
-              <a:latin typeface="微软雅黑" panose="020B0503020204020204" pitchFamily="34" charset="-122"/>
-              <a:ea typeface="微软雅黑" panose="020B0503020204020204" pitchFamily="34" charset="-122"/>
-            </a:endParaRPr>
-          </a:p>
-        </p:txBody>
-      </p:sp>
-      <p:sp>
-        <p:nvSpPr>
-          <p:cNvPr id="78" name="文本框 77"/>
-          <p:cNvSpPr txBox="1"/>
-          <p:nvPr/>
-        </p:nvSpPr>
-        <p:spPr>
-          <a:xfrm>
-            <a:off x="6075478" y="4616110"/>
-            <a:ext cx="296327" cy="523220"/>
-          </a:xfrm>
-          <a:prstGeom prst="rect">
-            <a:avLst/>
-          </a:prstGeom>
-          <a:noFill/>
-        </p:spPr>
-        <p:txBody>
-          <a:bodyPr wrap="square" rtlCol="0">
-            <a:spAutoFit/>
-          </a:bodyPr>
-          <a:lstStyle/>
-          <a:p>
-            <a:r>
-              <a:rPr lang="en-US" altLang="zh-CN" sz="2800" dirty="0">
-                <a:solidFill>
-                  <a:schemeClr val="bg1"/>
-                </a:solidFill>
-                <a:latin typeface="微软雅黑" panose="020B0503020204020204" pitchFamily="34" charset="-122"/>
-                <a:ea typeface="微软雅黑" panose="020B0503020204020204" pitchFamily="34" charset="-122"/>
-              </a:rPr>
-              <a:t>4</a:t>
-            </a:r>
-            <a:endParaRPr lang="zh-CN" altLang="en-US" sz="2800" dirty="0">
-              <a:solidFill>
-                <a:schemeClr val="bg1"/>
-              </a:solidFill>
+            <a:endParaRPr lang="en-US" altLang="zh-CN" sz="2000" b="1" dirty="0">
               <a:latin typeface="微软雅黑" panose="020B0503020204020204" pitchFamily="34" charset="-122"/>
               <a:ea typeface="微软雅黑" panose="020B0503020204020204" pitchFamily="34" charset="-122"/>
             </a:endParaRPr>
@@ -28228,1096 +28590,7 @@
     </p:spTree>
     <p:extLst>
       <p:ext uri="{BB962C8B-B14F-4D97-AF65-F5344CB8AC3E}">
-        <p14:creationId xmlns:p14="http://schemas.microsoft.com/office/powerpoint/2010/main" val="1296047016"/>
-      </p:ext>
-    </p:extLst>
-  </p:cSld>
-  <p:clrMapOvr>
-    <a:masterClrMapping/>
-  </p:clrMapOvr>
-</p:sld>
-</file>
-
-<file path=ppt/slides/slide7.xml><?xml version="1.0" encoding="utf-8"?>
-<p:sld xmlns:a="http://schemas.openxmlformats.org/drawingml/2006/main" xmlns:r="http://schemas.openxmlformats.org/officeDocument/2006/relationships" xmlns:p="http://schemas.openxmlformats.org/presentationml/2006/main">
-  <p:cSld>
-    <p:spTree>
-      <p:nvGrpSpPr>
-        <p:cNvPr id="1" name=""/>
-        <p:cNvGrpSpPr/>
-        <p:nvPr/>
-      </p:nvGrpSpPr>
-      <p:grpSpPr>
-        <a:xfrm>
-          <a:off x="0" y="0"/>
-          <a:ext cx="0" cy="0"/>
-          <a:chOff x="0" y="0"/>
-          <a:chExt cx="0" cy="0"/>
-        </a:xfrm>
-      </p:grpSpPr>
-      <p:pic>
-        <p:nvPicPr>
-          <p:cNvPr id="26" name="图片 25">
-            <a:extLst>
-              <a:ext uri="{FF2B5EF4-FFF2-40B4-BE49-F238E27FC236}">
-                <a16:creationId xmlns:a16="http://schemas.microsoft.com/office/drawing/2014/main" id="{7BB45CC7-DCFD-5D4A-BEC6-8CCAD975C447}"/>
-              </a:ext>
-            </a:extLst>
-          </p:cNvPr>
-          <p:cNvPicPr>
-            <a:picLocks noChangeAspect="1"/>
-          </p:cNvPicPr>
-          <p:nvPr/>
-        </p:nvPicPr>
-        <p:blipFill>
-          <a:blip r:embed="rId3">
-            <a:extLst>
-              <a:ext uri="{28A0092B-C50C-407E-A947-70E740481C1C}">
-                <a14:useLocalDpi xmlns:a14="http://schemas.microsoft.com/office/drawing/2010/main" val="0"/>
-              </a:ext>
-            </a:extLst>
-          </a:blip>
-          <a:stretch>
-            <a:fillRect/>
-          </a:stretch>
-        </p:blipFill>
-        <p:spPr>
-          <a:xfrm>
-            <a:off x="3183409" y="922928"/>
-            <a:ext cx="1528183" cy="1473605"/>
-          </a:xfrm>
-          <a:prstGeom prst="rect">
-            <a:avLst/>
-          </a:prstGeom>
-        </p:spPr>
-      </p:pic>
-      <p:sp>
-        <p:nvSpPr>
-          <p:cNvPr id="3" name="椭圆 2"/>
-          <p:cNvSpPr/>
-          <p:nvPr/>
-        </p:nvSpPr>
-        <p:spPr>
-          <a:xfrm>
-            <a:off x="4213008" y="1546008"/>
-            <a:ext cx="3765984" cy="3765984"/>
-          </a:xfrm>
-          <a:prstGeom prst="ellipse">
-            <a:avLst/>
-          </a:prstGeom>
-          <a:solidFill>
-            <a:srgbClr val="2E75B6"/>
-          </a:solidFill>
-          <a:ln>
-            <a:noFill/>
-          </a:ln>
-        </p:spPr>
-        <p:style>
-          <a:lnRef idx="2">
-            <a:schemeClr val="accent1">
-              <a:shade val="50000"/>
-            </a:schemeClr>
-          </a:lnRef>
-          <a:fillRef idx="1">
-            <a:schemeClr val="accent1"/>
-          </a:fillRef>
-          <a:effectRef idx="0">
-            <a:schemeClr val="accent1"/>
-          </a:effectRef>
-          <a:fontRef idx="minor">
-            <a:schemeClr val="lt1"/>
-          </a:fontRef>
-        </p:style>
-        <p:txBody>
-          <a:bodyPr rtlCol="0" anchor="ctr"/>
-          <a:lstStyle/>
-          <a:p>
-            <a:pPr algn="ctr"/>
-            <a:endParaRPr lang="zh-CN" altLang="en-US"/>
-          </a:p>
-        </p:txBody>
-      </p:sp>
-      <p:sp>
-        <p:nvSpPr>
-          <p:cNvPr id="7" name="文本框 6"/>
-          <p:cNvSpPr txBox="1"/>
-          <p:nvPr/>
-        </p:nvSpPr>
-        <p:spPr>
-          <a:xfrm>
-            <a:off x="4176690" y="2962059"/>
-            <a:ext cx="3845423" cy="1200329"/>
-          </a:xfrm>
-          <a:prstGeom prst="rect">
-            <a:avLst/>
-          </a:prstGeom>
-          <a:noFill/>
-        </p:spPr>
-        <p:txBody>
-          <a:bodyPr wrap="square" rtlCol="0">
-            <a:spAutoFit/>
-          </a:bodyPr>
-          <a:lstStyle/>
-          <a:p>
-            <a:pPr algn="ctr"/>
-            <a:r>
-              <a:rPr lang="zh-CN" altLang="en-US" sz="3600" b="1" spc="300" dirty="0">
-                <a:solidFill>
-                  <a:schemeClr val="bg1"/>
-                </a:solidFill>
-                <a:latin typeface="微软雅黑" panose="020B0503020204020204" pitchFamily="34" charset="-122"/>
-                <a:ea typeface="微软雅黑" panose="020B0503020204020204" pitchFamily="34" charset="-122"/>
-              </a:rPr>
-              <a:t>第二部分</a:t>
-            </a:r>
-            <a:endParaRPr lang="en-US" altLang="zh-CN" sz="3600" b="1" spc="300" dirty="0">
-              <a:solidFill>
-                <a:schemeClr val="bg1"/>
-              </a:solidFill>
-              <a:latin typeface="微软雅黑" panose="020B0503020204020204" pitchFamily="34" charset="-122"/>
-              <a:ea typeface="微软雅黑" panose="020B0503020204020204" pitchFamily="34" charset="-122"/>
-            </a:endParaRPr>
-          </a:p>
-          <a:p>
-            <a:pPr algn="ctr"/>
-            <a:r>
-              <a:rPr lang="zh-CN" altLang="en-US" sz="3600" b="1" spc="300" dirty="0">
-                <a:solidFill>
-                  <a:schemeClr val="bg1"/>
-                </a:solidFill>
-                <a:latin typeface="微软雅黑" panose="020B0503020204020204" pitchFamily="34" charset="-122"/>
-                <a:ea typeface="微软雅黑" panose="020B0503020204020204" pitchFamily="34" charset="-122"/>
-              </a:rPr>
-              <a:t>研究方案与思路</a:t>
-            </a:r>
-          </a:p>
-        </p:txBody>
-      </p:sp>
-      <p:sp>
-        <p:nvSpPr>
-          <p:cNvPr id="10" name="椭圆 9"/>
-          <p:cNvSpPr/>
-          <p:nvPr/>
-        </p:nvSpPr>
-        <p:spPr>
-          <a:xfrm>
-            <a:off x="1220944" y="4901239"/>
-            <a:ext cx="200025" cy="252926"/>
-          </a:xfrm>
-          <a:prstGeom prst="ellipse">
-            <a:avLst/>
-          </a:prstGeom>
-          <a:solidFill>
-            <a:schemeClr val="accent1">
-              <a:lumMod val="60000"/>
-              <a:lumOff val="40000"/>
-            </a:schemeClr>
-          </a:solidFill>
-          <a:ln>
-            <a:noFill/>
-          </a:ln>
-        </p:spPr>
-        <p:style>
-          <a:lnRef idx="2">
-            <a:schemeClr val="accent1">
-              <a:shade val="50000"/>
-            </a:schemeClr>
-          </a:lnRef>
-          <a:fillRef idx="1">
-            <a:schemeClr val="accent1"/>
-          </a:fillRef>
-          <a:effectRef idx="0">
-            <a:schemeClr val="accent1"/>
-          </a:effectRef>
-          <a:fontRef idx="minor">
-            <a:schemeClr val="lt1"/>
-          </a:fontRef>
-        </p:style>
-        <p:txBody>
-          <a:bodyPr rtlCol="0" anchor="ctr"/>
-          <a:lstStyle/>
-          <a:p>
-            <a:pPr algn="ctr"/>
-            <a:endParaRPr lang="zh-CN" altLang="en-US"/>
-          </a:p>
-        </p:txBody>
-      </p:sp>
-      <p:sp>
-        <p:nvSpPr>
-          <p:cNvPr id="12" name="椭圆 11"/>
-          <p:cNvSpPr/>
-          <p:nvPr/>
-        </p:nvSpPr>
-        <p:spPr>
-          <a:xfrm>
-            <a:off x="1761010" y="4120500"/>
-            <a:ext cx="517947" cy="517947"/>
-          </a:xfrm>
-          <a:prstGeom prst="ellipse">
-            <a:avLst/>
-          </a:prstGeom>
-          <a:solidFill>
-            <a:schemeClr val="accent1">
-              <a:lumMod val="60000"/>
-              <a:lumOff val="40000"/>
-            </a:schemeClr>
-          </a:solidFill>
-          <a:ln>
-            <a:noFill/>
-          </a:ln>
-        </p:spPr>
-        <p:style>
-          <a:lnRef idx="2">
-            <a:schemeClr val="accent1">
-              <a:shade val="50000"/>
-            </a:schemeClr>
-          </a:lnRef>
-          <a:fillRef idx="1">
-            <a:schemeClr val="accent1"/>
-          </a:fillRef>
-          <a:effectRef idx="0">
-            <a:schemeClr val="accent1"/>
-          </a:effectRef>
-          <a:fontRef idx="minor">
-            <a:schemeClr val="lt1"/>
-          </a:fontRef>
-        </p:style>
-        <p:txBody>
-          <a:bodyPr rtlCol="0" anchor="ctr"/>
-          <a:lstStyle/>
-          <a:p>
-            <a:pPr algn="ctr"/>
-            <a:endParaRPr lang="zh-CN" altLang="en-US"/>
-          </a:p>
-        </p:txBody>
-      </p:sp>
-      <p:sp>
-        <p:nvSpPr>
-          <p:cNvPr id="13" name="椭圆 12"/>
-          <p:cNvSpPr/>
-          <p:nvPr/>
-        </p:nvSpPr>
-        <p:spPr>
-          <a:xfrm>
-            <a:off x="3183409" y="3855393"/>
-            <a:ext cx="644545" cy="644545"/>
-          </a:xfrm>
-          <a:prstGeom prst="ellipse">
-            <a:avLst/>
-          </a:prstGeom>
-          <a:solidFill>
-            <a:schemeClr val="accent1">
-              <a:lumMod val="60000"/>
-              <a:lumOff val="40000"/>
-            </a:schemeClr>
-          </a:solidFill>
-          <a:ln>
-            <a:noFill/>
-          </a:ln>
-        </p:spPr>
-        <p:style>
-          <a:lnRef idx="2">
-            <a:schemeClr val="accent1">
-              <a:shade val="50000"/>
-            </a:schemeClr>
-          </a:lnRef>
-          <a:fillRef idx="1">
-            <a:schemeClr val="accent1"/>
-          </a:fillRef>
-          <a:effectRef idx="0">
-            <a:schemeClr val="accent1"/>
-          </a:effectRef>
-          <a:fontRef idx="minor">
-            <a:schemeClr val="lt1"/>
-          </a:fontRef>
-        </p:style>
-        <p:txBody>
-          <a:bodyPr rtlCol="0" anchor="ctr"/>
-          <a:lstStyle/>
-          <a:p>
-            <a:pPr algn="ctr"/>
-            <a:endParaRPr lang="zh-CN" altLang="en-US"/>
-          </a:p>
-        </p:txBody>
-      </p:sp>
-      <p:sp>
-        <p:nvSpPr>
-          <p:cNvPr id="14" name="椭圆 13"/>
-          <p:cNvSpPr/>
-          <p:nvPr/>
-        </p:nvSpPr>
-        <p:spPr>
-          <a:xfrm>
-            <a:off x="660252" y="2776126"/>
-            <a:ext cx="213466" cy="213466"/>
-          </a:xfrm>
-          <a:prstGeom prst="ellipse">
-            <a:avLst/>
-          </a:prstGeom>
-          <a:solidFill>
-            <a:schemeClr val="accent1">
-              <a:lumMod val="60000"/>
-              <a:lumOff val="40000"/>
-            </a:schemeClr>
-          </a:solidFill>
-          <a:ln>
-            <a:noFill/>
-          </a:ln>
-        </p:spPr>
-        <p:style>
-          <a:lnRef idx="2">
-            <a:schemeClr val="accent1">
-              <a:shade val="50000"/>
-            </a:schemeClr>
-          </a:lnRef>
-          <a:fillRef idx="1">
-            <a:schemeClr val="accent1"/>
-          </a:fillRef>
-          <a:effectRef idx="0">
-            <a:schemeClr val="accent1"/>
-          </a:effectRef>
-          <a:fontRef idx="minor">
-            <a:schemeClr val="lt1"/>
-          </a:fontRef>
-        </p:style>
-        <p:txBody>
-          <a:bodyPr rtlCol="0" anchor="ctr"/>
-          <a:lstStyle/>
-          <a:p>
-            <a:pPr algn="ctr"/>
-            <a:endParaRPr lang="zh-CN" altLang="en-US"/>
-          </a:p>
-        </p:txBody>
-      </p:sp>
-      <p:sp>
-        <p:nvSpPr>
-          <p:cNvPr id="15" name="椭圆 14"/>
-          <p:cNvSpPr/>
-          <p:nvPr/>
-        </p:nvSpPr>
-        <p:spPr>
-          <a:xfrm>
-            <a:off x="2861484" y="2843893"/>
-            <a:ext cx="474961" cy="474961"/>
-          </a:xfrm>
-          <a:prstGeom prst="ellipse">
-            <a:avLst/>
-          </a:prstGeom>
-          <a:solidFill>
-            <a:schemeClr val="accent1">
-              <a:lumMod val="60000"/>
-              <a:lumOff val="40000"/>
-            </a:schemeClr>
-          </a:solidFill>
-          <a:ln>
-            <a:noFill/>
-          </a:ln>
-        </p:spPr>
-        <p:style>
-          <a:lnRef idx="2">
-            <a:schemeClr val="accent1">
-              <a:shade val="50000"/>
-            </a:schemeClr>
-          </a:lnRef>
-          <a:fillRef idx="1">
-            <a:schemeClr val="accent1"/>
-          </a:fillRef>
-          <a:effectRef idx="0">
-            <a:schemeClr val="accent1"/>
-          </a:effectRef>
-          <a:fontRef idx="minor">
-            <a:schemeClr val="lt1"/>
-          </a:fontRef>
-        </p:style>
-        <p:txBody>
-          <a:bodyPr rtlCol="0" anchor="ctr"/>
-          <a:lstStyle/>
-          <a:p>
-            <a:pPr algn="ctr"/>
-            <a:endParaRPr lang="zh-CN" altLang="en-US"/>
-          </a:p>
-        </p:txBody>
-      </p:sp>
-      <p:sp>
-        <p:nvSpPr>
-          <p:cNvPr id="16" name="椭圆 15"/>
-          <p:cNvSpPr/>
-          <p:nvPr/>
-        </p:nvSpPr>
-        <p:spPr>
-          <a:xfrm>
-            <a:off x="2278957" y="2265692"/>
-            <a:ext cx="356604" cy="356604"/>
-          </a:xfrm>
-          <a:prstGeom prst="ellipse">
-            <a:avLst/>
-          </a:prstGeom>
-          <a:solidFill>
-            <a:schemeClr val="accent1">
-              <a:lumMod val="60000"/>
-              <a:lumOff val="40000"/>
-            </a:schemeClr>
-          </a:solidFill>
-          <a:ln>
-            <a:noFill/>
-          </a:ln>
-        </p:spPr>
-        <p:style>
-          <a:lnRef idx="2">
-            <a:schemeClr val="accent1">
-              <a:shade val="50000"/>
-            </a:schemeClr>
-          </a:lnRef>
-          <a:fillRef idx="1">
-            <a:schemeClr val="accent1"/>
-          </a:fillRef>
-          <a:effectRef idx="0">
-            <a:schemeClr val="accent1"/>
-          </a:effectRef>
-          <a:fontRef idx="minor">
-            <a:schemeClr val="lt1"/>
-          </a:fontRef>
-        </p:style>
-        <p:txBody>
-          <a:bodyPr rtlCol="0" anchor="ctr"/>
-          <a:lstStyle/>
-          <a:p>
-            <a:pPr algn="ctr"/>
-            <a:endParaRPr lang="zh-CN" altLang="en-US"/>
-          </a:p>
-        </p:txBody>
-      </p:sp>
-      <p:sp>
-        <p:nvSpPr>
-          <p:cNvPr id="17" name="椭圆 16"/>
-          <p:cNvSpPr/>
-          <p:nvPr/>
-        </p:nvSpPr>
-        <p:spPr>
-          <a:xfrm>
-            <a:off x="8116322" y="3522057"/>
-            <a:ext cx="221243" cy="221243"/>
-          </a:xfrm>
-          <a:prstGeom prst="ellipse">
-            <a:avLst/>
-          </a:prstGeom>
-          <a:solidFill>
-            <a:schemeClr val="accent1">
-              <a:lumMod val="60000"/>
-              <a:lumOff val="40000"/>
-            </a:schemeClr>
-          </a:solidFill>
-          <a:ln>
-            <a:noFill/>
-          </a:ln>
-        </p:spPr>
-        <p:style>
-          <a:lnRef idx="2">
-            <a:schemeClr val="accent1">
-              <a:shade val="50000"/>
-            </a:schemeClr>
-          </a:lnRef>
-          <a:fillRef idx="1">
-            <a:schemeClr val="accent1"/>
-          </a:fillRef>
-          <a:effectRef idx="0">
-            <a:schemeClr val="accent1"/>
-          </a:effectRef>
-          <a:fontRef idx="minor">
-            <a:schemeClr val="lt1"/>
-          </a:fontRef>
-        </p:style>
-        <p:txBody>
-          <a:bodyPr rtlCol="0" anchor="ctr"/>
-          <a:lstStyle/>
-          <a:p>
-            <a:pPr algn="ctr"/>
-            <a:endParaRPr lang="zh-CN" altLang="en-US"/>
-          </a:p>
-        </p:txBody>
-      </p:sp>
-      <p:sp>
-        <p:nvSpPr>
-          <p:cNvPr id="18" name="椭圆 17"/>
-          <p:cNvSpPr/>
-          <p:nvPr/>
-        </p:nvSpPr>
-        <p:spPr>
-          <a:xfrm>
-            <a:off x="9780580" y="1625543"/>
-            <a:ext cx="640149" cy="640149"/>
-          </a:xfrm>
-          <a:prstGeom prst="ellipse">
-            <a:avLst/>
-          </a:prstGeom>
-          <a:solidFill>
-            <a:schemeClr val="accent1">
-              <a:lumMod val="60000"/>
-              <a:lumOff val="40000"/>
-            </a:schemeClr>
-          </a:solidFill>
-          <a:ln>
-            <a:noFill/>
-          </a:ln>
-        </p:spPr>
-        <p:style>
-          <a:lnRef idx="2">
-            <a:schemeClr val="accent1">
-              <a:shade val="50000"/>
-            </a:schemeClr>
-          </a:lnRef>
-          <a:fillRef idx="1">
-            <a:schemeClr val="accent1"/>
-          </a:fillRef>
-          <a:effectRef idx="0">
-            <a:schemeClr val="accent1"/>
-          </a:effectRef>
-          <a:fontRef idx="minor">
-            <a:schemeClr val="lt1"/>
-          </a:fontRef>
-        </p:style>
-        <p:txBody>
-          <a:bodyPr rtlCol="0" anchor="ctr"/>
-          <a:lstStyle/>
-          <a:p>
-            <a:pPr algn="ctr"/>
-            <a:endParaRPr lang="zh-CN" altLang="en-US"/>
-          </a:p>
-        </p:txBody>
-      </p:sp>
-      <p:sp>
-        <p:nvSpPr>
-          <p:cNvPr id="19" name="椭圆 18"/>
-          <p:cNvSpPr/>
-          <p:nvPr/>
-        </p:nvSpPr>
-        <p:spPr>
-          <a:xfrm>
-            <a:off x="7461831" y="5306285"/>
-            <a:ext cx="317090" cy="317090"/>
-          </a:xfrm>
-          <a:prstGeom prst="ellipse">
-            <a:avLst/>
-          </a:prstGeom>
-          <a:solidFill>
-            <a:schemeClr val="accent1">
-              <a:lumMod val="60000"/>
-              <a:lumOff val="40000"/>
-            </a:schemeClr>
-          </a:solidFill>
-          <a:ln>
-            <a:noFill/>
-          </a:ln>
-        </p:spPr>
-        <p:style>
-          <a:lnRef idx="2">
-            <a:schemeClr val="accent1">
-              <a:shade val="50000"/>
-            </a:schemeClr>
-          </a:lnRef>
-          <a:fillRef idx="1">
-            <a:schemeClr val="accent1"/>
-          </a:fillRef>
-          <a:effectRef idx="0">
-            <a:schemeClr val="accent1"/>
-          </a:effectRef>
-          <a:fontRef idx="minor">
-            <a:schemeClr val="lt1"/>
-          </a:fontRef>
-        </p:style>
-        <p:txBody>
-          <a:bodyPr rtlCol="0" anchor="ctr"/>
-          <a:lstStyle/>
-          <a:p>
-            <a:pPr algn="ctr"/>
-            <a:endParaRPr lang="zh-CN" altLang="en-US"/>
-          </a:p>
-        </p:txBody>
-      </p:sp>
-      <p:sp>
-        <p:nvSpPr>
-          <p:cNvPr id="20" name="椭圆 19"/>
-          <p:cNvSpPr/>
-          <p:nvPr/>
-        </p:nvSpPr>
-        <p:spPr>
-          <a:xfrm flipH="1" flipV="1">
-            <a:off x="7191988" y="4653224"/>
-            <a:ext cx="316732" cy="341678"/>
-          </a:xfrm>
-          <a:prstGeom prst="ellipse">
-            <a:avLst/>
-          </a:prstGeom>
-          <a:solidFill>
-            <a:schemeClr val="accent1">
-              <a:lumMod val="60000"/>
-              <a:lumOff val="40000"/>
-            </a:schemeClr>
-          </a:solidFill>
-          <a:ln>
-            <a:noFill/>
-          </a:ln>
-        </p:spPr>
-        <p:style>
-          <a:lnRef idx="2">
-            <a:schemeClr val="accent1">
-              <a:shade val="50000"/>
-            </a:schemeClr>
-          </a:lnRef>
-          <a:fillRef idx="1">
-            <a:schemeClr val="accent1"/>
-          </a:fillRef>
-          <a:effectRef idx="0">
-            <a:schemeClr val="accent1"/>
-          </a:effectRef>
-          <a:fontRef idx="minor">
-            <a:schemeClr val="lt1"/>
-          </a:fontRef>
-        </p:style>
-        <p:txBody>
-          <a:bodyPr rtlCol="0" anchor="ctr"/>
-          <a:lstStyle/>
-          <a:p>
-            <a:pPr algn="ctr"/>
-            <a:endParaRPr lang="zh-CN" altLang="en-US"/>
-          </a:p>
-        </p:txBody>
-      </p:sp>
-      <p:sp>
-        <p:nvSpPr>
-          <p:cNvPr id="21" name="椭圆 20"/>
-          <p:cNvSpPr/>
-          <p:nvPr/>
-        </p:nvSpPr>
-        <p:spPr>
-          <a:xfrm>
-            <a:off x="8937149" y="2543590"/>
-            <a:ext cx="232696" cy="232696"/>
-          </a:xfrm>
-          <a:prstGeom prst="ellipse">
-            <a:avLst/>
-          </a:prstGeom>
-          <a:solidFill>
-            <a:schemeClr val="accent1">
-              <a:lumMod val="60000"/>
-              <a:lumOff val="40000"/>
-            </a:schemeClr>
-          </a:solidFill>
-          <a:ln>
-            <a:noFill/>
-          </a:ln>
-        </p:spPr>
-        <p:style>
-          <a:lnRef idx="2">
-            <a:schemeClr val="accent1">
-              <a:shade val="50000"/>
-            </a:schemeClr>
-          </a:lnRef>
-          <a:fillRef idx="1">
-            <a:schemeClr val="accent1"/>
-          </a:fillRef>
-          <a:effectRef idx="0">
-            <a:schemeClr val="accent1"/>
-          </a:effectRef>
-          <a:fontRef idx="minor">
-            <a:schemeClr val="lt1"/>
-          </a:fontRef>
-        </p:style>
-        <p:txBody>
-          <a:bodyPr rtlCol="0" anchor="ctr"/>
-          <a:lstStyle/>
-          <a:p>
-            <a:pPr algn="ctr"/>
-            <a:endParaRPr lang="zh-CN" altLang="en-US"/>
-          </a:p>
-        </p:txBody>
-      </p:sp>
-      <p:sp>
-        <p:nvSpPr>
-          <p:cNvPr id="22" name="椭圆 21"/>
-          <p:cNvSpPr/>
-          <p:nvPr/>
-        </p:nvSpPr>
-        <p:spPr>
-          <a:xfrm>
-            <a:off x="8417731" y="4010167"/>
-            <a:ext cx="830253" cy="830253"/>
-          </a:xfrm>
-          <a:prstGeom prst="ellipse">
-            <a:avLst/>
-          </a:prstGeom>
-          <a:solidFill>
-            <a:schemeClr val="accent1">
-              <a:lumMod val="60000"/>
-              <a:lumOff val="40000"/>
-            </a:schemeClr>
-          </a:solidFill>
-          <a:ln>
-            <a:noFill/>
-          </a:ln>
-        </p:spPr>
-        <p:style>
-          <a:lnRef idx="2">
-            <a:schemeClr val="accent1">
-              <a:shade val="50000"/>
-            </a:schemeClr>
-          </a:lnRef>
-          <a:fillRef idx="1">
-            <a:schemeClr val="accent1"/>
-          </a:fillRef>
-          <a:effectRef idx="0">
-            <a:schemeClr val="accent1"/>
-          </a:effectRef>
-          <a:fontRef idx="minor">
-            <a:schemeClr val="lt1"/>
-          </a:fontRef>
-        </p:style>
-        <p:txBody>
-          <a:bodyPr rtlCol="0" anchor="ctr"/>
-          <a:lstStyle/>
-          <a:p>
-            <a:pPr algn="ctr"/>
-            <a:endParaRPr lang="zh-CN" altLang="en-US"/>
-          </a:p>
-        </p:txBody>
-      </p:sp>
-      <p:sp>
-        <p:nvSpPr>
-          <p:cNvPr id="23" name="椭圆 22"/>
-          <p:cNvSpPr/>
-          <p:nvPr/>
-        </p:nvSpPr>
-        <p:spPr>
-          <a:xfrm>
-            <a:off x="8603439" y="1236599"/>
-            <a:ext cx="232696" cy="232696"/>
-          </a:xfrm>
-          <a:prstGeom prst="ellipse">
-            <a:avLst/>
-          </a:prstGeom>
-          <a:solidFill>
-            <a:schemeClr val="accent1">
-              <a:lumMod val="60000"/>
-              <a:lumOff val="40000"/>
-            </a:schemeClr>
-          </a:solidFill>
-          <a:ln>
-            <a:noFill/>
-          </a:ln>
-        </p:spPr>
-        <p:style>
-          <a:lnRef idx="2">
-            <a:schemeClr val="accent1">
-              <a:shade val="50000"/>
-            </a:schemeClr>
-          </a:lnRef>
-          <a:fillRef idx="1">
-            <a:schemeClr val="accent1"/>
-          </a:fillRef>
-          <a:effectRef idx="0">
-            <a:schemeClr val="accent1"/>
-          </a:effectRef>
-          <a:fontRef idx="minor">
-            <a:schemeClr val="lt1"/>
-          </a:fontRef>
-        </p:style>
-        <p:txBody>
-          <a:bodyPr rtlCol="0" anchor="ctr"/>
-          <a:lstStyle/>
-          <a:p>
-            <a:pPr algn="ctr"/>
-            <a:endParaRPr lang="zh-CN" altLang="en-US"/>
-          </a:p>
-        </p:txBody>
-      </p:sp>
-      <p:sp>
-        <p:nvSpPr>
-          <p:cNvPr id="24" name="椭圆 23"/>
-          <p:cNvSpPr/>
-          <p:nvPr/>
-        </p:nvSpPr>
-        <p:spPr>
-          <a:xfrm>
-            <a:off x="10315361" y="3837455"/>
-            <a:ext cx="415127" cy="415127"/>
-          </a:xfrm>
-          <a:prstGeom prst="ellipse">
-            <a:avLst/>
-          </a:prstGeom>
-          <a:solidFill>
-            <a:schemeClr val="accent1">
-              <a:lumMod val="60000"/>
-              <a:lumOff val="40000"/>
-            </a:schemeClr>
-          </a:solidFill>
-          <a:ln>
-            <a:noFill/>
-          </a:ln>
-        </p:spPr>
-        <p:style>
-          <a:lnRef idx="2">
-            <a:schemeClr val="accent1">
-              <a:shade val="50000"/>
-            </a:schemeClr>
-          </a:lnRef>
-          <a:fillRef idx="1">
-            <a:schemeClr val="accent1"/>
-          </a:fillRef>
-          <a:effectRef idx="0">
-            <a:schemeClr val="accent1"/>
-          </a:effectRef>
-          <a:fontRef idx="minor">
-            <a:schemeClr val="lt1"/>
-          </a:fontRef>
-        </p:style>
-        <p:txBody>
-          <a:bodyPr rtlCol="0" anchor="ctr"/>
-          <a:lstStyle/>
-          <a:p>
-            <a:pPr algn="ctr"/>
-            <a:endParaRPr lang="zh-CN" altLang="en-US"/>
-          </a:p>
-        </p:txBody>
-      </p:sp>
-      <p:sp>
-        <p:nvSpPr>
-          <p:cNvPr id="25" name="椭圆 24"/>
-          <p:cNvSpPr/>
-          <p:nvPr/>
-        </p:nvSpPr>
-        <p:spPr>
-          <a:xfrm flipH="1">
-            <a:off x="9230707" y="5154165"/>
-            <a:ext cx="486249" cy="486249"/>
-          </a:xfrm>
-          <a:prstGeom prst="ellipse">
-            <a:avLst/>
-          </a:prstGeom>
-          <a:solidFill>
-            <a:schemeClr val="accent1">
-              <a:lumMod val="60000"/>
-              <a:lumOff val="40000"/>
-            </a:schemeClr>
-          </a:solidFill>
-          <a:ln>
-            <a:noFill/>
-          </a:ln>
-        </p:spPr>
-        <p:style>
-          <a:lnRef idx="2">
-            <a:schemeClr val="accent1">
-              <a:shade val="50000"/>
-            </a:schemeClr>
-          </a:lnRef>
-          <a:fillRef idx="1">
-            <a:schemeClr val="accent1"/>
-          </a:fillRef>
-          <a:effectRef idx="0">
-            <a:schemeClr val="accent1"/>
-          </a:effectRef>
-          <a:fontRef idx="minor">
-            <a:schemeClr val="lt1"/>
-          </a:fontRef>
-        </p:style>
-        <p:txBody>
-          <a:bodyPr rtlCol="0" anchor="ctr"/>
-          <a:lstStyle/>
-          <a:p>
-            <a:pPr algn="ctr"/>
-            <a:endParaRPr lang="zh-CN" altLang="en-US"/>
-          </a:p>
-        </p:txBody>
-      </p:sp>
-      <p:cxnSp>
-        <p:nvCxnSpPr>
-          <p:cNvPr id="27" name="直接连接符 26"/>
-          <p:cNvCxnSpPr/>
-          <p:nvPr/>
-        </p:nvCxnSpPr>
-        <p:spPr>
-          <a:xfrm flipH="1">
-            <a:off x="6743669" y="504206"/>
-            <a:ext cx="1018818" cy="1182825"/>
-          </a:xfrm>
-          <a:prstGeom prst="line">
-            <a:avLst/>
-          </a:prstGeom>
-          <a:ln w="19050"/>
-        </p:spPr>
-        <p:style>
-          <a:lnRef idx="1">
-            <a:schemeClr val="accent1"/>
-          </a:lnRef>
-          <a:fillRef idx="0">
-            <a:schemeClr val="accent1"/>
-          </a:fillRef>
-          <a:effectRef idx="0">
-            <a:schemeClr val="accent1"/>
-          </a:effectRef>
-          <a:fontRef idx="minor">
-            <a:schemeClr val="tx1"/>
-          </a:fontRef>
-        </p:style>
-      </p:cxnSp>
-      <p:cxnSp>
-        <p:nvCxnSpPr>
-          <p:cNvPr id="28" name="直接连接符 27"/>
-          <p:cNvCxnSpPr/>
-          <p:nvPr/>
-        </p:nvCxnSpPr>
-        <p:spPr>
-          <a:xfrm flipH="1">
-            <a:off x="7670740" y="245619"/>
-            <a:ext cx="1018818" cy="1182825"/>
-          </a:xfrm>
-          <a:prstGeom prst="line">
-            <a:avLst/>
-          </a:prstGeom>
-          <a:ln w="19050"/>
-        </p:spPr>
-        <p:style>
-          <a:lnRef idx="1">
-            <a:schemeClr val="accent1"/>
-          </a:lnRef>
-          <a:fillRef idx="0">
-            <a:schemeClr val="accent1"/>
-          </a:fillRef>
-          <a:effectRef idx="0">
-            <a:schemeClr val="accent1"/>
-          </a:effectRef>
-          <a:fontRef idx="minor">
-            <a:schemeClr val="tx1"/>
-          </a:fontRef>
-        </p:style>
-      </p:cxnSp>
-      <p:cxnSp>
-        <p:nvCxnSpPr>
-          <p:cNvPr id="29" name="直接连接符 28"/>
-          <p:cNvCxnSpPr/>
-          <p:nvPr/>
-        </p:nvCxnSpPr>
-        <p:spPr>
-          <a:xfrm flipH="1">
-            <a:off x="3330264" y="5475576"/>
-            <a:ext cx="1018818" cy="1182825"/>
-          </a:xfrm>
-          <a:prstGeom prst="line">
-            <a:avLst/>
-          </a:prstGeom>
-          <a:ln w="19050"/>
-        </p:spPr>
-        <p:style>
-          <a:lnRef idx="1">
-            <a:schemeClr val="accent1"/>
-          </a:lnRef>
-          <a:fillRef idx="0">
-            <a:schemeClr val="accent1"/>
-          </a:fillRef>
-          <a:effectRef idx="0">
-            <a:schemeClr val="accent1"/>
-          </a:effectRef>
-          <a:fontRef idx="minor">
-            <a:schemeClr val="tx1"/>
-          </a:fontRef>
-        </p:style>
-      </p:cxnSp>
-      <p:cxnSp>
-        <p:nvCxnSpPr>
-          <p:cNvPr id="30" name="直接连接符 29"/>
-          <p:cNvCxnSpPr/>
-          <p:nvPr/>
-        </p:nvCxnSpPr>
-        <p:spPr>
-          <a:xfrm flipH="1">
-            <a:off x="7170005" y="1701268"/>
-            <a:ext cx="1018818" cy="1182825"/>
-          </a:xfrm>
-          <a:prstGeom prst="line">
-            <a:avLst/>
-          </a:prstGeom>
-          <a:ln w="19050"/>
-        </p:spPr>
-        <p:style>
-          <a:lnRef idx="1">
-            <a:schemeClr val="accent1"/>
-          </a:lnRef>
-          <a:fillRef idx="0">
-            <a:schemeClr val="accent1"/>
-          </a:fillRef>
-          <a:effectRef idx="0">
-            <a:schemeClr val="accent1"/>
-          </a:effectRef>
-          <a:fontRef idx="minor">
-            <a:schemeClr val="tx1"/>
-          </a:fontRef>
-        </p:style>
-      </p:cxnSp>
-      <p:cxnSp>
-        <p:nvCxnSpPr>
-          <p:cNvPr id="32" name="直接连接符 31"/>
-          <p:cNvCxnSpPr/>
-          <p:nvPr/>
-        </p:nvCxnSpPr>
-        <p:spPr>
-          <a:xfrm flipH="1">
-            <a:off x="4397565" y="5137990"/>
-            <a:ext cx="1018818" cy="1182825"/>
-          </a:xfrm>
-          <a:prstGeom prst="line">
-            <a:avLst/>
-          </a:prstGeom>
-          <a:ln w="19050"/>
-        </p:spPr>
-        <p:style>
-          <a:lnRef idx="1">
-            <a:schemeClr val="accent1"/>
-          </a:lnRef>
-          <a:fillRef idx="0">
-            <a:schemeClr val="accent1"/>
-          </a:fillRef>
-          <a:effectRef idx="0">
-            <a:schemeClr val="accent1"/>
-          </a:effectRef>
-          <a:fontRef idx="minor">
-            <a:schemeClr val="tx1"/>
-          </a:fontRef>
-        </p:style>
-      </p:cxnSp>
-      <p:cxnSp>
-        <p:nvCxnSpPr>
-          <p:cNvPr id="34" name="直接连接符 33"/>
-          <p:cNvCxnSpPr/>
-          <p:nvPr/>
-        </p:nvCxnSpPr>
-        <p:spPr>
-          <a:xfrm flipH="1">
-            <a:off x="3971229" y="4307261"/>
-            <a:ext cx="1018818" cy="1182825"/>
-          </a:xfrm>
-          <a:prstGeom prst="line">
-            <a:avLst/>
-          </a:prstGeom>
-          <a:ln w="19050"/>
-        </p:spPr>
-        <p:style>
-          <a:lnRef idx="1">
-            <a:schemeClr val="accent1"/>
-          </a:lnRef>
-          <a:fillRef idx="0">
-            <a:schemeClr val="accent1"/>
-          </a:fillRef>
-          <a:effectRef idx="0">
-            <a:schemeClr val="accent1"/>
-          </a:effectRef>
-          <a:fontRef idx="minor">
-            <a:schemeClr val="tx1"/>
-          </a:fontRef>
-        </p:style>
-      </p:cxnSp>
-    </p:spTree>
-    <p:extLst>
-      <p:ext uri="{BB962C8B-B14F-4D97-AF65-F5344CB8AC3E}">
-        <p14:creationId xmlns:p14="http://schemas.microsoft.com/office/powerpoint/2010/main" val="2619390412"/>
+        <p14:creationId xmlns:p14="http://schemas.microsoft.com/office/powerpoint/2010/main" val="2434822391"/>
       </p:ext>
     </p:extLst>
   </p:cSld>
@@ -29374,7 +28647,7 @@
                 <a:latin typeface="微软雅黑" panose="020B0503020204020204" pitchFamily="34" charset="-122"/>
                 <a:ea typeface="微软雅黑" panose="020B0503020204020204" pitchFamily="34" charset="-122"/>
               </a:rPr>
-              <a:t>研究目标</a:t>
+              <a:t>研究思路</a:t>
             </a:r>
           </a:p>
         </p:txBody>
@@ -29786,2193 +29059,6 @@
       </p:cxnSp>
       <p:sp>
         <p:nvSpPr>
-          <p:cNvPr id="35" name="Freeform 41"/>
-          <p:cNvSpPr>
-            <a:spLocks noEditPoints="1"/>
-          </p:cNvSpPr>
-          <p:nvPr/>
-        </p:nvSpPr>
-        <p:spPr bwMode="auto">
-          <a:xfrm>
-            <a:off x="2053959" y="405590"/>
-            <a:ext cx="1480002" cy="947538"/>
-          </a:xfrm>
-          <a:custGeom>
-            <a:avLst/>
-            <a:gdLst>
-              <a:gd name="T0" fmla="*/ 522 w 674"/>
-              <a:gd name="T1" fmla="*/ 221 h 392"/>
-              <a:gd name="T2" fmla="*/ 348 w 674"/>
-              <a:gd name="T3" fmla="*/ 146 h 392"/>
-              <a:gd name="T4" fmla="*/ 151 w 674"/>
-              <a:gd name="T5" fmla="*/ 221 h 392"/>
-              <a:gd name="T6" fmla="*/ 96 w 674"/>
-              <a:gd name="T7" fmla="*/ 198 h 392"/>
-              <a:gd name="T8" fmla="*/ 96 w 674"/>
-              <a:gd name="T9" fmla="*/ 265 h 392"/>
-              <a:gd name="T10" fmla="*/ 111 w 674"/>
-              <a:gd name="T11" fmla="*/ 286 h 392"/>
-              <a:gd name="T12" fmla="*/ 96 w 674"/>
-              <a:gd name="T13" fmla="*/ 306 h 392"/>
-              <a:gd name="T14" fmla="*/ 112 w 674"/>
-              <a:gd name="T15" fmla="*/ 352 h 392"/>
-              <a:gd name="T16" fmla="*/ 64 w 674"/>
-              <a:gd name="T17" fmla="*/ 352 h 392"/>
-              <a:gd name="T18" fmla="*/ 80 w 674"/>
-              <a:gd name="T19" fmla="*/ 306 h 392"/>
-              <a:gd name="T20" fmla="*/ 67 w 674"/>
-              <a:gd name="T21" fmla="*/ 286 h 392"/>
-              <a:gd name="T22" fmla="*/ 80 w 674"/>
-              <a:gd name="T23" fmla="*/ 266 h 392"/>
-              <a:gd name="T24" fmla="*/ 80 w 674"/>
-              <a:gd name="T25" fmla="*/ 191 h 392"/>
-              <a:gd name="T26" fmla="*/ 0 w 674"/>
-              <a:gd name="T27" fmla="*/ 158 h 392"/>
-              <a:gd name="T28" fmla="*/ 352 w 674"/>
-              <a:gd name="T29" fmla="*/ 0 h 392"/>
-              <a:gd name="T30" fmla="*/ 674 w 674"/>
-              <a:gd name="T31" fmla="*/ 160 h 392"/>
-              <a:gd name="T32" fmla="*/ 522 w 674"/>
-              <a:gd name="T33" fmla="*/ 221 h 392"/>
-              <a:gd name="T34" fmla="*/ 344 w 674"/>
-              <a:gd name="T35" fmla="*/ 184 h 392"/>
-              <a:gd name="T36" fmla="*/ 495 w 674"/>
-              <a:gd name="T37" fmla="*/ 238 h 392"/>
-              <a:gd name="T38" fmla="*/ 495 w 674"/>
-              <a:gd name="T39" fmla="*/ 350 h 392"/>
-              <a:gd name="T40" fmla="*/ 336 w 674"/>
-              <a:gd name="T41" fmla="*/ 392 h 392"/>
-              <a:gd name="T42" fmla="*/ 192 w 674"/>
-              <a:gd name="T43" fmla="*/ 350 h 392"/>
-              <a:gd name="T44" fmla="*/ 192 w 674"/>
-              <a:gd name="T45" fmla="*/ 238 h 392"/>
-              <a:gd name="T46" fmla="*/ 344 w 674"/>
-              <a:gd name="T47" fmla="*/ 184 h 392"/>
-              <a:gd name="T48" fmla="*/ 342 w 674"/>
-              <a:gd name="T49" fmla="*/ 368 h 392"/>
-              <a:gd name="T50" fmla="*/ 469 w 674"/>
-              <a:gd name="T51" fmla="*/ 336 h 392"/>
-              <a:gd name="T52" fmla="*/ 342 w 674"/>
-              <a:gd name="T53" fmla="*/ 304 h 392"/>
-              <a:gd name="T54" fmla="*/ 214 w 674"/>
-              <a:gd name="T55" fmla="*/ 336 h 392"/>
-              <a:gd name="T56" fmla="*/ 342 w 674"/>
-              <a:gd name="T57" fmla="*/ 368 h 392"/>
-            </a:gdLst>
-            <a:ahLst/>
-            <a:cxnLst>
-              <a:cxn ang="0">
-                <a:pos x="T0" y="T1"/>
-              </a:cxn>
-              <a:cxn ang="0">
-                <a:pos x="T2" y="T3"/>
-              </a:cxn>
-              <a:cxn ang="0">
-                <a:pos x="T4" y="T5"/>
-              </a:cxn>
-              <a:cxn ang="0">
-                <a:pos x="T6" y="T7"/>
-              </a:cxn>
-              <a:cxn ang="0">
-                <a:pos x="T8" y="T9"/>
-              </a:cxn>
-              <a:cxn ang="0">
-                <a:pos x="T10" y="T11"/>
-              </a:cxn>
-              <a:cxn ang="0">
-                <a:pos x="T12" y="T13"/>
-              </a:cxn>
-              <a:cxn ang="0">
-                <a:pos x="T14" y="T15"/>
-              </a:cxn>
-              <a:cxn ang="0">
-                <a:pos x="T16" y="T17"/>
-              </a:cxn>
-              <a:cxn ang="0">
-                <a:pos x="T18" y="T19"/>
-              </a:cxn>
-              <a:cxn ang="0">
-                <a:pos x="T20" y="T21"/>
-              </a:cxn>
-              <a:cxn ang="0">
-                <a:pos x="T22" y="T23"/>
-              </a:cxn>
-              <a:cxn ang="0">
-                <a:pos x="T24" y="T25"/>
-              </a:cxn>
-              <a:cxn ang="0">
-                <a:pos x="T26" y="T27"/>
-              </a:cxn>
-              <a:cxn ang="0">
-                <a:pos x="T28" y="T29"/>
-              </a:cxn>
-              <a:cxn ang="0">
-                <a:pos x="T30" y="T31"/>
-              </a:cxn>
-              <a:cxn ang="0">
-                <a:pos x="T32" y="T33"/>
-              </a:cxn>
-              <a:cxn ang="0">
-                <a:pos x="T34" y="T35"/>
-              </a:cxn>
-              <a:cxn ang="0">
-                <a:pos x="T36" y="T37"/>
-              </a:cxn>
-              <a:cxn ang="0">
-                <a:pos x="T38" y="T39"/>
-              </a:cxn>
-              <a:cxn ang="0">
-                <a:pos x="T40" y="T41"/>
-              </a:cxn>
-              <a:cxn ang="0">
-                <a:pos x="T42" y="T43"/>
-              </a:cxn>
-              <a:cxn ang="0">
-                <a:pos x="T44" y="T45"/>
-              </a:cxn>
-              <a:cxn ang="0">
-                <a:pos x="T46" y="T47"/>
-              </a:cxn>
-              <a:cxn ang="0">
-                <a:pos x="T48" y="T49"/>
-              </a:cxn>
-              <a:cxn ang="0">
-                <a:pos x="T50" y="T51"/>
-              </a:cxn>
-              <a:cxn ang="0">
-                <a:pos x="T52" y="T53"/>
-              </a:cxn>
-              <a:cxn ang="0">
-                <a:pos x="T54" y="T55"/>
-              </a:cxn>
-              <a:cxn ang="0">
-                <a:pos x="T56" y="T57"/>
-              </a:cxn>
-            </a:cxnLst>
-            <a:rect l="0" t="0" r="r" b="b"/>
-            <a:pathLst>
-              <a:path w="674" h="392">
-                <a:moveTo>
-                  <a:pt x="522" y="221"/>
-                </a:moveTo>
-                <a:cubicBezTo>
-                  <a:pt x="522" y="221"/>
-                  <a:pt x="449" y="146"/>
-                  <a:pt x="348" y="146"/>
-                </a:cubicBezTo>
-                <a:cubicBezTo>
-                  <a:pt x="249" y="146"/>
-                  <a:pt x="151" y="221"/>
-                  <a:pt x="151" y="221"/>
-                </a:cubicBezTo>
-                <a:cubicBezTo>
-                  <a:pt x="96" y="198"/>
-                  <a:pt x="96" y="198"/>
-                  <a:pt x="96" y="198"/>
-                </a:cubicBezTo>
-                <a:cubicBezTo>
-                  <a:pt x="96" y="265"/>
-                  <a:pt x="96" y="265"/>
-                  <a:pt x="96" y="265"/>
-                </a:cubicBezTo>
-                <a:cubicBezTo>
-                  <a:pt x="105" y="268"/>
-                  <a:pt x="111" y="276"/>
-                  <a:pt x="111" y="286"/>
-                </a:cubicBezTo>
-                <a:cubicBezTo>
-                  <a:pt x="111" y="296"/>
-                  <a:pt x="104" y="304"/>
-                  <a:pt x="96" y="306"/>
-                </a:cubicBezTo>
-                <a:cubicBezTo>
-                  <a:pt x="112" y="352"/>
-                  <a:pt x="112" y="352"/>
-                  <a:pt x="112" y="352"/>
-                </a:cubicBezTo>
-                <a:cubicBezTo>
-                  <a:pt x="64" y="352"/>
-                  <a:pt x="64" y="352"/>
-                  <a:pt x="64" y="352"/>
-                </a:cubicBezTo>
-                <a:cubicBezTo>
-                  <a:pt x="80" y="306"/>
-                  <a:pt x="80" y="306"/>
-                  <a:pt x="80" y="306"/>
-                </a:cubicBezTo>
-                <a:cubicBezTo>
-                  <a:pt x="72" y="303"/>
-                  <a:pt x="67" y="295"/>
-                  <a:pt x="67" y="286"/>
-                </a:cubicBezTo>
-                <a:cubicBezTo>
-                  <a:pt x="67" y="277"/>
-                  <a:pt x="72" y="269"/>
-                  <a:pt x="80" y="266"/>
-                </a:cubicBezTo>
-                <a:cubicBezTo>
-                  <a:pt x="80" y="191"/>
-                  <a:pt x="80" y="191"/>
-                  <a:pt x="80" y="191"/>
-                </a:cubicBezTo>
-                <a:cubicBezTo>
-                  <a:pt x="0" y="158"/>
-                  <a:pt x="0" y="158"/>
-                  <a:pt x="0" y="158"/>
-                </a:cubicBezTo>
-                <a:cubicBezTo>
-                  <a:pt x="352" y="0"/>
-                  <a:pt x="352" y="0"/>
-                  <a:pt x="352" y="0"/>
-                </a:cubicBezTo>
-                <a:cubicBezTo>
-                  <a:pt x="674" y="160"/>
-                  <a:pt x="674" y="160"/>
-                  <a:pt x="674" y="160"/>
-                </a:cubicBezTo>
-                <a:lnTo>
-                  <a:pt x="522" y="221"/>
-                </a:lnTo>
-                <a:close/>
-                <a:moveTo>
-                  <a:pt x="344" y="184"/>
-                </a:moveTo>
-                <a:cubicBezTo>
-                  <a:pt x="445" y="184"/>
-                  <a:pt x="495" y="238"/>
-                  <a:pt x="495" y="238"/>
-                </a:cubicBezTo>
-                <a:cubicBezTo>
-                  <a:pt x="495" y="350"/>
-                  <a:pt x="495" y="350"/>
-                  <a:pt x="495" y="350"/>
-                </a:cubicBezTo>
-                <a:cubicBezTo>
-                  <a:pt x="495" y="350"/>
-                  <a:pt x="443" y="392"/>
-                  <a:pt x="336" y="392"/>
-                </a:cubicBezTo>
-                <a:cubicBezTo>
-                  <a:pt x="228" y="392"/>
-                  <a:pt x="192" y="350"/>
-                  <a:pt x="192" y="350"/>
-                </a:cubicBezTo>
-                <a:cubicBezTo>
-                  <a:pt x="192" y="238"/>
-                  <a:pt x="192" y="238"/>
-                  <a:pt x="192" y="238"/>
-                </a:cubicBezTo>
-                <a:cubicBezTo>
-                  <a:pt x="192" y="238"/>
-                  <a:pt x="242" y="184"/>
-                  <a:pt x="344" y="184"/>
-                </a:cubicBezTo>
-                <a:close/>
-                <a:moveTo>
-                  <a:pt x="342" y="368"/>
-                </a:moveTo>
-                <a:cubicBezTo>
-                  <a:pt x="412" y="368"/>
-                  <a:pt x="469" y="353"/>
-                  <a:pt x="469" y="336"/>
-                </a:cubicBezTo>
-                <a:cubicBezTo>
-                  <a:pt x="469" y="318"/>
-                  <a:pt x="412" y="304"/>
-                  <a:pt x="342" y="304"/>
-                </a:cubicBezTo>
-                <a:cubicBezTo>
-                  <a:pt x="271" y="304"/>
-                  <a:pt x="214" y="318"/>
-                  <a:pt x="214" y="336"/>
-                </a:cubicBezTo>
-                <a:cubicBezTo>
-                  <a:pt x="214" y="353"/>
-                  <a:pt x="271" y="368"/>
-                  <a:pt x="342" y="368"/>
-                </a:cubicBezTo>
-                <a:close/>
-              </a:path>
-            </a:pathLst>
-          </a:custGeom>
-          <a:solidFill>
-            <a:schemeClr val="bg1"/>
-          </a:solidFill>
-          <a:ln>
-            <a:noFill/>
-          </a:ln>
-        </p:spPr>
-        <p:txBody>
-          <a:bodyPr vert="horz" wrap="square" lIns="91440" tIns="45720" rIns="91440" bIns="45720" numCol="1" anchor="t" anchorCtr="0" compatLnSpc="1">
-            <a:prstTxWarp prst="textNoShape">
-              <a:avLst/>
-            </a:prstTxWarp>
-          </a:bodyPr>
-          <a:lstStyle/>
-          <a:p>
-            <a:endParaRPr lang="zh-CN" altLang="en-US"/>
-          </a:p>
-        </p:txBody>
-      </p:sp>
-      <p:sp>
-        <p:nvSpPr>
-          <p:cNvPr id="36" name="梯形 2"/>
-          <p:cNvSpPr/>
-          <p:nvPr/>
-        </p:nvSpPr>
-        <p:spPr>
-          <a:xfrm rot="7222760">
-            <a:off x="6730332" y="4683719"/>
-            <a:ext cx="1500030" cy="1039172"/>
-          </a:xfrm>
-          <a:custGeom>
-            <a:avLst/>
-            <a:gdLst/>
-            <a:ahLst/>
-            <a:cxnLst/>
-            <a:rect l="l" t="t" r="r" b="b"/>
-            <a:pathLst>
-              <a:path w="1673569" h="1159396">
-                <a:moveTo>
-                  <a:pt x="238714" y="0"/>
-                </a:moveTo>
-                <a:lnTo>
-                  <a:pt x="1358427" y="0"/>
-                </a:lnTo>
-                <a:cubicBezTo>
-                  <a:pt x="1298580" y="183626"/>
-                  <a:pt x="1302125" y="424075"/>
-                  <a:pt x="1379974" y="668159"/>
-                </a:cubicBezTo>
-                <a:cubicBezTo>
-                  <a:pt x="1444682" y="871041"/>
-                  <a:pt x="1549792" y="1042153"/>
-                  <a:pt x="1673569" y="1159396"/>
-                </a:cubicBezTo>
-                <a:lnTo>
-                  <a:pt x="0" y="1159396"/>
-                </a:lnTo>
-                <a:cubicBezTo>
-                  <a:pt x="121244" y="1027568"/>
-                  <a:pt x="217761" y="835364"/>
-                  <a:pt x="264199" y="611606"/>
-                </a:cubicBezTo>
-                <a:cubicBezTo>
-                  <a:pt x="310990" y="386150"/>
-                  <a:pt x="298390" y="169853"/>
-                  <a:pt x="238714" y="0"/>
-                </a:cubicBezTo>
-                <a:close/>
-              </a:path>
-            </a:pathLst>
-          </a:custGeom>
-          <a:solidFill>
-            <a:srgbClr val="F26E22"/>
-          </a:solidFill>
-          <a:ln w="25400" cap="flat" cmpd="sng" algn="ctr">
-            <a:noFill/>
-            <a:prstDash val="solid"/>
-          </a:ln>
-          <a:effectLst/>
-        </p:spPr>
-        <p:txBody>
-          <a:bodyPr rot="0" spcFirstLastPara="0" vertOverflow="overflow" horzOverflow="overflow" vert="horz" wrap="square" lIns="91440" tIns="45720" rIns="91440" bIns="45720" numCol="1" spcCol="0" rtlCol="0" fromWordArt="0" anchor="ctr" anchorCtr="0" forceAA="0" compatLnSpc="1">
-            <a:prstTxWarp prst="textNoShape">
-              <a:avLst/>
-            </a:prstTxWarp>
-            <a:noAutofit/>
-          </a:bodyPr>
-          <a:lstStyle/>
-          <a:p>
-            <a:pPr marL="0" marR="0" lvl="0" indent="0" algn="ctr" defTabSz="914400" eaLnBrk="1" fontAlgn="auto" latinLnBrk="0" hangingPunct="1">
-              <a:lnSpc>
-                <a:spcPct val="100000"/>
-              </a:lnSpc>
-              <a:spcBef>
-                <a:spcPts val="0"/>
-              </a:spcBef>
-              <a:spcAft>
-                <a:spcPts val="0"/>
-              </a:spcAft>
-              <a:buClrTx/>
-              <a:buSzTx/>
-              <a:buFontTx/>
-              <a:buNone/>
-              <a:tabLst/>
-              <a:defRPr/>
-            </a:pPr>
-            <a:endParaRPr kumimoji="0" lang="en-US" sz="1800" b="0" i="0" u="none" strike="noStrike" kern="0" cap="none" spc="0" normalizeH="0" baseline="0" noProof="0">
-              <a:ln>
-                <a:noFill/>
-              </a:ln>
-              <a:solidFill>
-                <a:sysClr val="window" lastClr="FFFFFF"/>
-              </a:solidFill>
-              <a:effectLst/>
-              <a:uLnTx/>
-              <a:uFillTx/>
-              <a:latin typeface="Calibri"/>
-              <a:ea typeface="+mn-ea"/>
-              <a:cs typeface="+mn-cs"/>
-            </a:endParaRPr>
-          </a:p>
-        </p:txBody>
-      </p:sp>
-      <p:sp>
-        <p:nvSpPr>
-          <p:cNvPr id="37" name="梯形 2"/>
-          <p:cNvSpPr/>
-          <p:nvPr/>
-        </p:nvSpPr>
-        <p:spPr>
-          <a:xfrm rot="14402460">
-            <a:off x="4326660" y="4779826"/>
-            <a:ext cx="1246393" cy="863461"/>
-          </a:xfrm>
-          <a:custGeom>
-            <a:avLst/>
-            <a:gdLst/>
-            <a:ahLst/>
-            <a:cxnLst/>
-            <a:rect l="l" t="t" r="r" b="b"/>
-            <a:pathLst>
-              <a:path w="1673569" h="1159396">
-                <a:moveTo>
-                  <a:pt x="238714" y="0"/>
-                </a:moveTo>
-                <a:lnTo>
-                  <a:pt x="1358427" y="0"/>
-                </a:lnTo>
-                <a:cubicBezTo>
-                  <a:pt x="1298580" y="183626"/>
-                  <a:pt x="1302125" y="424075"/>
-                  <a:pt x="1379974" y="668159"/>
-                </a:cubicBezTo>
-                <a:cubicBezTo>
-                  <a:pt x="1444682" y="871041"/>
-                  <a:pt x="1549792" y="1042153"/>
-                  <a:pt x="1673569" y="1159396"/>
-                </a:cubicBezTo>
-                <a:lnTo>
-                  <a:pt x="0" y="1159396"/>
-                </a:lnTo>
-                <a:cubicBezTo>
-                  <a:pt x="121244" y="1027568"/>
-                  <a:pt x="217761" y="835364"/>
-                  <a:pt x="264199" y="611606"/>
-                </a:cubicBezTo>
-                <a:cubicBezTo>
-                  <a:pt x="310990" y="386150"/>
-                  <a:pt x="298390" y="169853"/>
-                  <a:pt x="238714" y="0"/>
-                </a:cubicBezTo>
-                <a:close/>
-              </a:path>
-            </a:pathLst>
-          </a:custGeom>
-          <a:solidFill>
-            <a:srgbClr val="92D050"/>
-          </a:solidFill>
-          <a:ln w="25400" cap="flat" cmpd="sng" algn="ctr">
-            <a:noFill/>
-            <a:prstDash val="solid"/>
-          </a:ln>
-          <a:effectLst/>
-        </p:spPr>
-        <p:txBody>
-          <a:bodyPr rot="0" spcFirstLastPara="0" vertOverflow="overflow" horzOverflow="overflow" vert="horz" wrap="square" lIns="91440" tIns="45720" rIns="91440" bIns="45720" numCol="1" spcCol="0" rtlCol="0" fromWordArt="0" anchor="ctr" anchorCtr="0" forceAA="0" compatLnSpc="1">
-            <a:prstTxWarp prst="textNoShape">
-              <a:avLst/>
-            </a:prstTxWarp>
-            <a:noAutofit/>
-          </a:bodyPr>
-          <a:lstStyle/>
-          <a:p>
-            <a:pPr marL="0" marR="0" lvl="0" indent="0" algn="ctr" defTabSz="914400" eaLnBrk="1" fontAlgn="auto" latinLnBrk="0" hangingPunct="1">
-              <a:lnSpc>
-                <a:spcPct val="100000"/>
-              </a:lnSpc>
-              <a:spcBef>
-                <a:spcPts val="0"/>
-              </a:spcBef>
-              <a:spcAft>
-                <a:spcPts val="0"/>
-              </a:spcAft>
-              <a:buClrTx/>
-              <a:buSzTx/>
-              <a:buFontTx/>
-              <a:buNone/>
-              <a:tabLst/>
-              <a:defRPr/>
-            </a:pPr>
-            <a:endParaRPr kumimoji="0" lang="en-US" sz="1800" b="0" i="0" u="none" strike="noStrike" kern="0" cap="none" spc="0" normalizeH="0" baseline="0" noProof="0">
-              <a:ln>
-                <a:noFill/>
-              </a:ln>
-              <a:solidFill>
-                <a:sysClr val="window" lastClr="FFFFFF"/>
-              </a:solidFill>
-              <a:effectLst/>
-              <a:uLnTx/>
-              <a:uFillTx/>
-              <a:latin typeface="Calibri"/>
-              <a:ea typeface="+mn-ea"/>
-              <a:cs typeface="+mn-cs"/>
-            </a:endParaRPr>
-          </a:p>
-        </p:txBody>
-      </p:sp>
-      <p:sp>
-        <p:nvSpPr>
-          <p:cNvPr id="38" name="梯形 2"/>
-          <p:cNvSpPr/>
-          <p:nvPr/>
-        </p:nvSpPr>
-        <p:spPr>
-          <a:xfrm rot="17708635">
-            <a:off x="4095161" y="3216480"/>
-            <a:ext cx="1391101" cy="963711"/>
-          </a:xfrm>
-          <a:custGeom>
-            <a:avLst/>
-            <a:gdLst/>
-            <a:ahLst/>
-            <a:cxnLst/>
-            <a:rect l="l" t="t" r="r" b="b"/>
-            <a:pathLst>
-              <a:path w="1673569" h="1159396">
-                <a:moveTo>
-                  <a:pt x="238714" y="0"/>
-                </a:moveTo>
-                <a:lnTo>
-                  <a:pt x="1358427" y="0"/>
-                </a:lnTo>
-                <a:cubicBezTo>
-                  <a:pt x="1298580" y="183626"/>
-                  <a:pt x="1302125" y="424075"/>
-                  <a:pt x="1379974" y="668159"/>
-                </a:cubicBezTo>
-                <a:cubicBezTo>
-                  <a:pt x="1444682" y="871041"/>
-                  <a:pt x="1549792" y="1042153"/>
-                  <a:pt x="1673569" y="1159396"/>
-                </a:cubicBezTo>
-                <a:lnTo>
-                  <a:pt x="0" y="1159396"/>
-                </a:lnTo>
-                <a:cubicBezTo>
-                  <a:pt x="121244" y="1027568"/>
-                  <a:pt x="217761" y="835364"/>
-                  <a:pt x="264199" y="611606"/>
-                </a:cubicBezTo>
-                <a:cubicBezTo>
-                  <a:pt x="310990" y="386150"/>
-                  <a:pt x="298390" y="169853"/>
-                  <a:pt x="238714" y="0"/>
-                </a:cubicBezTo>
-                <a:close/>
-              </a:path>
-            </a:pathLst>
-          </a:custGeom>
-          <a:solidFill>
-            <a:srgbClr val="B4C7E7"/>
-          </a:solidFill>
-          <a:ln w="25400" cap="flat" cmpd="sng" algn="ctr">
-            <a:noFill/>
-            <a:prstDash val="solid"/>
-          </a:ln>
-          <a:effectLst/>
-        </p:spPr>
-        <p:txBody>
-          <a:bodyPr rot="0" spcFirstLastPara="0" vertOverflow="overflow" horzOverflow="overflow" vert="horz" wrap="square" lIns="91440" tIns="45720" rIns="91440" bIns="45720" numCol="1" spcCol="0" rtlCol="0" fromWordArt="0" anchor="ctr" anchorCtr="0" forceAA="0" compatLnSpc="1">
-            <a:prstTxWarp prst="textNoShape">
-              <a:avLst/>
-            </a:prstTxWarp>
-            <a:noAutofit/>
-          </a:bodyPr>
-          <a:lstStyle/>
-          <a:p>
-            <a:pPr marL="0" marR="0" lvl="0" indent="0" algn="ctr" defTabSz="914400" eaLnBrk="1" fontAlgn="auto" latinLnBrk="0" hangingPunct="1">
-              <a:lnSpc>
-                <a:spcPct val="100000"/>
-              </a:lnSpc>
-              <a:spcBef>
-                <a:spcPts val="0"/>
-              </a:spcBef>
-              <a:spcAft>
-                <a:spcPts val="0"/>
-              </a:spcAft>
-              <a:buClrTx/>
-              <a:buSzTx/>
-              <a:buFontTx/>
-              <a:buNone/>
-              <a:tabLst/>
-              <a:defRPr/>
-            </a:pPr>
-            <a:endParaRPr kumimoji="0" lang="en-US" sz="1800" b="0" i="0" u="none" strike="noStrike" kern="0" cap="none" spc="0" normalizeH="0" baseline="0" noProof="0">
-              <a:ln>
-                <a:noFill/>
-              </a:ln>
-              <a:solidFill>
-                <a:sysClr val="window" lastClr="FFFFFF"/>
-              </a:solidFill>
-              <a:effectLst/>
-              <a:uLnTx/>
-              <a:uFillTx/>
-              <a:latin typeface="Calibri"/>
-              <a:ea typeface="+mn-ea"/>
-              <a:cs typeface="+mn-cs"/>
-            </a:endParaRPr>
-          </a:p>
-        </p:txBody>
-      </p:sp>
-      <p:sp>
-        <p:nvSpPr>
-          <p:cNvPr id="39" name="梯形 2"/>
-          <p:cNvSpPr/>
-          <p:nvPr/>
-        </p:nvSpPr>
-        <p:spPr>
-          <a:xfrm rot="3089199">
-            <a:off x="6725126" y="3011660"/>
-            <a:ext cx="1184869" cy="820839"/>
-          </a:xfrm>
-          <a:custGeom>
-            <a:avLst/>
-            <a:gdLst/>
-            <a:ahLst/>
-            <a:cxnLst/>
-            <a:rect l="l" t="t" r="r" b="b"/>
-            <a:pathLst>
-              <a:path w="1673569" h="1159396">
-                <a:moveTo>
-                  <a:pt x="238714" y="0"/>
-                </a:moveTo>
-                <a:lnTo>
-                  <a:pt x="1358427" y="0"/>
-                </a:lnTo>
-                <a:cubicBezTo>
-                  <a:pt x="1298580" y="183626"/>
-                  <a:pt x="1302125" y="424075"/>
-                  <a:pt x="1379974" y="668159"/>
-                </a:cubicBezTo>
-                <a:cubicBezTo>
-                  <a:pt x="1444682" y="871041"/>
-                  <a:pt x="1549792" y="1042153"/>
-                  <a:pt x="1673569" y="1159396"/>
-                </a:cubicBezTo>
-                <a:lnTo>
-                  <a:pt x="0" y="1159396"/>
-                </a:lnTo>
-                <a:cubicBezTo>
-                  <a:pt x="121244" y="1027568"/>
-                  <a:pt x="217761" y="835364"/>
-                  <a:pt x="264199" y="611606"/>
-                </a:cubicBezTo>
-                <a:cubicBezTo>
-                  <a:pt x="310990" y="386150"/>
-                  <a:pt x="298390" y="169853"/>
-                  <a:pt x="238714" y="0"/>
-                </a:cubicBezTo>
-                <a:close/>
-              </a:path>
-            </a:pathLst>
-          </a:custGeom>
-          <a:solidFill>
-            <a:srgbClr val="6BBFB0"/>
-          </a:solidFill>
-          <a:ln w="25400" cap="flat" cmpd="sng" algn="ctr">
-            <a:noFill/>
-            <a:prstDash val="solid"/>
-          </a:ln>
-          <a:effectLst/>
-        </p:spPr>
-        <p:txBody>
-          <a:bodyPr rot="0" spcFirstLastPara="0" vertOverflow="overflow" horzOverflow="overflow" vert="horz" wrap="square" lIns="91440" tIns="45720" rIns="91440" bIns="45720" numCol="1" spcCol="0" rtlCol="0" fromWordArt="0" anchor="ctr" anchorCtr="0" forceAA="0" compatLnSpc="1">
-            <a:prstTxWarp prst="textNoShape">
-              <a:avLst/>
-            </a:prstTxWarp>
-            <a:noAutofit/>
-          </a:bodyPr>
-          <a:lstStyle/>
-          <a:p>
-            <a:pPr marL="0" marR="0" lvl="0" indent="0" algn="ctr" defTabSz="914400" eaLnBrk="1" fontAlgn="auto" latinLnBrk="0" hangingPunct="1">
-              <a:lnSpc>
-                <a:spcPct val="100000"/>
-              </a:lnSpc>
-              <a:spcBef>
-                <a:spcPts val="0"/>
-              </a:spcBef>
-              <a:spcAft>
-                <a:spcPts val="0"/>
-              </a:spcAft>
-              <a:buClrTx/>
-              <a:buSzTx/>
-              <a:buFontTx/>
-              <a:buNone/>
-              <a:tabLst/>
-              <a:defRPr/>
-            </a:pPr>
-            <a:endParaRPr kumimoji="0" lang="en-US" sz="1800" b="0" i="0" u="none" strike="noStrike" kern="0" cap="none" spc="0" normalizeH="0" baseline="0" noProof="0">
-              <a:ln>
-                <a:noFill/>
-              </a:ln>
-              <a:solidFill>
-                <a:sysClr val="window" lastClr="FFFFFF"/>
-              </a:solidFill>
-              <a:effectLst/>
-              <a:uLnTx/>
-              <a:uFillTx/>
-              <a:latin typeface="Calibri"/>
-              <a:ea typeface="+mn-ea"/>
-              <a:cs typeface="+mn-cs"/>
-            </a:endParaRPr>
-          </a:p>
-        </p:txBody>
-      </p:sp>
-      <p:grpSp>
-        <p:nvGrpSpPr>
-          <p:cNvPr id="3" name="组合 2"/>
-          <p:cNvGrpSpPr/>
-          <p:nvPr/>
-        </p:nvGrpSpPr>
-        <p:grpSpPr>
-          <a:xfrm>
-            <a:off x="4802061" y="3056922"/>
-            <a:ext cx="2648956" cy="2648956"/>
-            <a:chOff x="4676072" y="3105442"/>
-            <a:chExt cx="2648956" cy="2648956"/>
-          </a:xfrm>
-        </p:grpSpPr>
-        <p:sp>
-          <p:nvSpPr>
-            <p:cNvPr id="40" name="椭圆 39"/>
-            <p:cNvSpPr/>
-            <p:nvPr/>
-          </p:nvSpPr>
-          <p:spPr>
-            <a:xfrm>
-              <a:off x="4676072" y="3105442"/>
-              <a:ext cx="2648956" cy="2648956"/>
-            </a:xfrm>
-            <a:prstGeom prst="ellipse">
-              <a:avLst/>
-            </a:prstGeom>
-            <a:solidFill>
-              <a:srgbClr val="645068"/>
-            </a:solidFill>
-            <a:ln w="25400" cap="flat" cmpd="sng" algn="ctr">
-              <a:noFill/>
-              <a:prstDash val="solid"/>
-            </a:ln>
-            <a:effectLst>
-              <a:innerShdw blurRad="114300">
-                <a:prstClr val="black"/>
-              </a:innerShdw>
-            </a:effectLst>
-          </p:spPr>
-          <p:txBody>
-            <a:bodyPr rot="0" spcFirstLastPara="0" vertOverflow="overflow" horzOverflow="overflow" vert="horz" wrap="square" lIns="91440" tIns="45720" rIns="91440" bIns="45720" numCol="1" spcCol="0" rtlCol="0" fromWordArt="0" anchor="ctr" anchorCtr="0" forceAA="0" compatLnSpc="1">
-              <a:prstTxWarp prst="textNoShape">
-                <a:avLst/>
-              </a:prstTxWarp>
-              <a:noAutofit/>
-            </a:bodyPr>
-            <a:lstStyle/>
-            <a:p>
-              <a:pPr marL="0" marR="0" lvl="0" indent="0" algn="ctr" defTabSz="914400" eaLnBrk="1" fontAlgn="auto" latinLnBrk="0" hangingPunct="1">
-                <a:lnSpc>
-                  <a:spcPct val="100000"/>
-                </a:lnSpc>
-                <a:spcBef>
-                  <a:spcPts val="0"/>
-                </a:spcBef>
-                <a:spcAft>
-                  <a:spcPts val="0"/>
-                </a:spcAft>
-                <a:buClrTx/>
-                <a:buSzTx/>
-                <a:buFontTx/>
-                <a:buNone/>
-                <a:tabLst/>
-                <a:defRPr/>
-              </a:pPr>
-              <a:endParaRPr kumimoji="0" lang="en-US" sz="1800" b="0" i="0" u="none" strike="noStrike" kern="0" cap="none" spc="0" normalizeH="0" baseline="0" noProof="0">
-                <a:ln>
-                  <a:noFill/>
-                </a:ln>
-                <a:solidFill>
-                  <a:sysClr val="window" lastClr="FFFFFF"/>
-                </a:solidFill>
-                <a:effectLst/>
-                <a:uLnTx/>
-                <a:uFillTx/>
-                <a:latin typeface="Calibri"/>
-                <a:ea typeface="+mn-ea"/>
-                <a:cs typeface="+mn-cs"/>
-              </a:endParaRPr>
-            </a:p>
-          </p:txBody>
-        </p:sp>
-        <p:sp>
-          <p:nvSpPr>
-            <p:cNvPr id="41" name="椭圆 40"/>
-            <p:cNvSpPr/>
-            <p:nvPr/>
-          </p:nvSpPr>
-          <p:spPr>
-            <a:xfrm>
-              <a:off x="4809528" y="3212772"/>
-              <a:ext cx="2382044" cy="2382044"/>
-            </a:xfrm>
-            <a:prstGeom prst="ellipse">
-              <a:avLst/>
-            </a:prstGeom>
-            <a:gradFill flip="none" rotWithShape="1">
-              <a:gsLst>
-                <a:gs pos="0">
-                  <a:sysClr val="window" lastClr="FFFFFF"/>
-                </a:gs>
-                <a:gs pos="100000">
-                  <a:srgbClr val="DED6E0"/>
-                </a:gs>
-              </a:gsLst>
-              <a:path path="circle">
-                <a:fillToRect l="50000" t="50000" r="50000" b="50000"/>
-              </a:path>
-              <a:tileRect/>
-            </a:gradFill>
-            <a:ln w="25400" cap="flat" cmpd="sng" algn="ctr">
-              <a:solidFill>
-                <a:sysClr val="window" lastClr="FFFFFF"/>
-              </a:solidFill>
-              <a:prstDash val="solid"/>
-            </a:ln>
-            <a:effectLst>
-              <a:outerShdw blurRad="50800" dist="88900" dir="5400000" algn="t" rotWithShape="0">
-                <a:prstClr val="black">
-                  <a:alpha val="40000"/>
-                </a:prstClr>
-              </a:outerShdw>
-            </a:effectLst>
-          </p:spPr>
-          <p:txBody>
-            <a:bodyPr rot="0" spcFirstLastPara="0" vertOverflow="overflow" horzOverflow="overflow" vert="horz" wrap="square" lIns="91440" tIns="45720" rIns="91440" bIns="45720" numCol="1" spcCol="0" rtlCol="0" fromWordArt="0" anchor="ctr" anchorCtr="0" forceAA="0" compatLnSpc="1">
-              <a:prstTxWarp prst="textNoShape">
-                <a:avLst/>
-              </a:prstTxWarp>
-              <a:noAutofit/>
-            </a:bodyPr>
-            <a:lstStyle/>
-            <a:p>
-              <a:pPr marL="0" marR="0" lvl="0" indent="0" algn="ctr" defTabSz="914400" eaLnBrk="1" fontAlgn="auto" latinLnBrk="0" hangingPunct="1">
-                <a:lnSpc>
-                  <a:spcPct val="100000"/>
-                </a:lnSpc>
-                <a:spcBef>
-                  <a:spcPts val="0"/>
-                </a:spcBef>
-                <a:spcAft>
-                  <a:spcPts val="0"/>
-                </a:spcAft>
-                <a:buClrTx/>
-                <a:buSzTx/>
-                <a:buFontTx/>
-                <a:buNone/>
-                <a:tabLst/>
-                <a:defRPr/>
-              </a:pPr>
-              <a:endParaRPr kumimoji="0" lang="en-US" sz="1800" b="0" i="0" u="none" strike="noStrike" kern="0" cap="none" spc="0" normalizeH="0" baseline="0" noProof="0">
-                <a:ln>
-                  <a:noFill/>
-                </a:ln>
-                <a:solidFill>
-                  <a:sysClr val="window" lastClr="FFFFFF"/>
-                </a:solidFill>
-                <a:effectLst/>
-                <a:uLnTx/>
-                <a:uFillTx/>
-                <a:latin typeface="Calibri"/>
-                <a:ea typeface="+mn-ea"/>
-                <a:cs typeface="+mn-cs"/>
-              </a:endParaRPr>
-            </a:p>
-          </p:txBody>
-        </p:sp>
-      </p:grpSp>
-      <p:sp>
-        <p:nvSpPr>
-          <p:cNvPr id="43" name="椭圆 42"/>
-          <p:cNvSpPr/>
-          <p:nvPr/>
-        </p:nvSpPr>
-        <p:spPr>
-          <a:xfrm>
-            <a:off x="7283944" y="2266838"/>
-            <a:ext cx="1191022" cy="1191022"/>
-          </a:xfrm>
-          <a:prstGeom prst="ellipse">
-            <a:avLst/>
-          </a:prstGeom>
-          <a:gradFill flip="none" rotWithShape="1">
-            <a:gsLst>
-              <a:gs pos="0">
-                <a:sysClr val="window" lastClr="FFFFFF"/>
-              </a:gs>
-              <a:gs pos="55000">
-                <a:srgbClr val="E1DAE3"/>
-              </a:gs>
-              <a:gs pos="100000">
-                <a:sysClr val="window" lastClr="FFFFFF"/>
-              </a:gs>
-            </a:gsLst>
-            <a:lin ang="2700000" scaled="1"/>
-            <a:tileRect/>
-          </a:gradFill>
-          <a:ln w="9525" cap="flat" cmpd="sng" algn="ctr">
-            <a:solidFill>
-              <a:sysClr val="window" lastClr="FFFFFF"/>
-            </a:solidFill>
-            <a:prstDash val="solid"/>
-          </a:ln>
-          <a:effectLst>
-            <a:outerShdw blurRad="50800" dist="63500" dir="5400000" algn="t" rotWithShape="0">
-              <a:prstClr val="black">
-                <a:alpha val="40000"/>
-              </a:prstClr>
-            </a:outerShdw>
-          </a:effectLst>
-        </p:spPr>
-        <p:txBody>
-          <a:bodyPr rot="0" spcFirstLastPara="0" vertOverflow="overflow" horzOverflow="overflow" vert="horz" wrap="square" lIns="91440" tIns="45720" rIns="91440" bIns="45720" numCol="1" spcCol="0" rtlCol="0" fromWordArt="0" anchor="ctr" anchorCtr="0" forceAA="0" compatLnSpc="1">
-            <a:prstTxWarp prst="textNoShape">
-              <a:avLst/>
-            </a:prstTxWarp>
-            <a:noAutofit/>
-          </a:bodyPr>
-          <a:lstStyle/>
-          <a:p>
-            <a:pPr marL="0" marR="0" lvl="0" indent="0" algn="ctr" defTabSz="914400" eaLnBrk="1" fontAlgn="auto" latinLnBrk="0" hangingPunct="1">
-              <a:lnSpc>
-                <a:spcPct val="100000"/>
-              </a:lnSpc>
-              <a:spcBef>
-                <a:spcPts val="0"/>
-              </a:spcBef>
-              <a:spcAft>
-                <a:spcPts val="0"/>
-              </a:spcAft>
-              <a:buClrTx/>
-              <a:buSzTx/>
-              <a:buFontTx/>
-              <a:buNone/>
-              <a:tabLst/>
-              <a:defRPr/>
-            </a:pPr>
-            <a:endParaRPr kumimoji="0" lang="en-US" sz="1800" b="0" i="0" u="none" strike="noStrike" kern="0" cap="none" spc="0" normalizeH="0" baseline="0" noProof="0">
-              <a:ln>
-                <a:noFill/>
-              </a:ln>
-              <a:solidFill>
-                <a:sysClr val="window" lastClr="FFFFFF"/>
-              </a:solidFill>
-              <a:effectLst/>
-              <a:uLnTx/>
-              <a:uFillTx/>
-              <a:latin typeface="Calibri"/>
-              <a:ea typeface="+mn-ea"/>
-              <a:cs typeface="+mn-cs"/>
-            </a:endParaRPr>
-          </a:p>
-        </p:txBody>
-      </p:sp>
-      <p:sp>
-        <p:nvSpPr>
-          <p:cNvPr id="45" name="椭圆 44"/>
-          <p:cNvSpPr/>
-          <p:nvPr/>
-        </p:nvSpPr>
-        <p:spPr>
-          <a:xfrm>
-            <a:off x="3334221" y="2575951"/>
-            <a:ext cx="1389403" cy="1389403"/>
-          </a:xfrm>
-          <a:prstGeom prst="ellipse">
-            <a:avLst/>
-          </a:prstGeom>
-          <a:gradFill flip="none" rotWithShape="1">
-            <a:gsLst>
-              <a:gs pos="0">
-                <a:sysClr val="window" lastClr="FFFFFF"/>
-              </a:gs>
-              <a:gs pos="55000">
-                <a:srgbClr val="E1DAE3"/>
-              </a:gs>
-              <a:gs pos="100000">
-                <a:sysClr val="window" lastClr="FFFFFF"/>
-              </a:gs>
-            </a:gsLst>
-            <a:lin ang="2700000" scaled="1"/>
-            <a:tileRect/>
-          </a:gradFill>
-          <a:ln w="9525" cap="flat" cmpd="sng" algn="ctr">
-            <a:solidFill>
-              <a:sysClr val="window" lastClr="FFFFFF"/>
-            </a:solidFill>
-            <a:prstDash val="solid"/>
-          </a:ln>
-          <a:effectLst>
-            <a:outerShdw blurRad="152400" dist="88900" algn="l" rotWithShape="0">
-              <a:prstClr val="black">
-                <a:alpha val="40000"/>
-              </a:prstClr>
-            </a:outerShdw>
-          </a:effectLst>
-        </p:spPr>
-        <p:txBody>
-          <a:bodyPr rot="0" spcFirstLastPara="0" vertOverflow="overflow" horzOverflow="overflow" vert="horz" wrap="square" lIns="91440" tIns="45720" rIns="91440" bIns="45720" numCol="1" spcCol="0" rtlCol="0" fromWordArt="0" anchor="ctr" anchorCtr="0" forceAA="0" compatLnSpc="1">
-            <a:prstTxWarp prst="textNoShape">
-              <a:avLst/>
-            </a:prstTxWarp>
-            <a:noAutofit/>
-          </a:bodyPr>
-          <a:lstStyle/>
-          <a:p>
-            <a:pPr marL="0" marR="0" lvl="0" indent="0" algn="ctr" defTabSz="914400" eaLnBrk="1" fontAlgn="auto" latinLnBrk="0" hangingPunct="1">
-              <a:lnSpc>
-                <a:spcPct val="100000"/>
-              </a:lnSpc>
-              <a:spcBef>
-                <a:spcPts val="0"/>
-              </a:spcBef>
-              <a:spcAft>
-                <a:spcPts val="0"/>
-              </a:spcAft>
-              <a:buClrTx/>
-              <a:buSzTx/>
-              <a:buFontTx/>
-              <a:buNone/>
-              <a:tabLst/>
-              <a:defRPr/>
-            </a:pPr>
-            <a:endParaRPr kumimoji="0" lang="en-US" sz="1800" b="0" i="0" u="none" strike="noStrike" kern="0" cap="none" spc="0" normalizeH="0" baseline="0" noProof="0">
-              <a:ln>
-                <a:noFill/>
-              </a:ln>
-              <a:solidFill>
-                <a:sysClr val="window" lastClr="FFFFFF"/>
-              </a:solidFill>
-              <a:effectLst/>
-              <a:uLnTx/>
-              <a:uFillTx/>
-              <a:latin typeface="Calibri"/>
-              <a:ea typeface="+mn-ea"/>
-              <a:cs typeface="+mn-cs"/>
-            </a:endParaRPr>
-          </a:p>
-        </p:txBody>
-      </p:sp>
-      <p:sp>
-        <p:nvSpPr>
-          <p:cNvPr id="46" name="椭圆 45"/>
-          <p:cNvSpPr/>
-          <p:nvPr/>
-        </p:nvSpPr>
-        <p:spPr>
-          <a:xfrm>
-            <a:off x="3014534" y="4768804"/>
-            <a:ext cx="1857304" cy="1795704"/>
-          </a:xfrm>
-          <a:prstGeom prst="ellipse">
-            <a:avLst/>
-          </a:prstGeom>
-          <a:gradFill flip="none" rotWithShape="1">
-            <a:gsLst>
-              <a:gs pos="0">
-                <a:sysClr val="window" lastClr="FFFFFF"/>
-              </a:gs>
-              <a:gs pos="55000">
-                <a:srgbClr val="E1DAE3"/>
-              </a:gs>
-              <a:gs pos="100000">
-                <a:sysClr val="window" lastClr="FFFFFF"/>
-              </a:gs>
-            </a:gsLst>
-            <a:lin ang="2700000" scaled="1"/>
-            <a:tileRect/>
-          </a:gradFill>
-          <a:ln w="9525" cap="flat" cmpd="sng" algn="ctr">
-            <a:solidFill>
-              <a:sysClr val="window" lastClr="FFFFFF"/>
-            </a:solidFill>
-            <a:prstDash val="solid"/>
-          </a:ln>
-          <a:effectLst>
-            <a:outerShdw blurRad="50800" dist="63500" dir="5400000" algn="t" rotWithShape="0">
-              <a:prstClr val="black">
-                <a:alpha val="40000"/>
-              </a:prstClr>
-            </a:outerShdw>
-          </a:effectLst>
-        </p:spPr>
-        <p:txBody>
-          <a:bodyPr rot="0" spcFirstLastPara="0" vertOverflow="overflow" horzOverflow="overflow" vert="horz" wrap="square" lIns="91440" tIns="45720" rIns="91440" bIns="45720" numCol="1" spcCol="0" rtlCol="0" fromWordArt="0" anchor="ctr" anchorCtr="0" forceAA="0" compatLnSpc="1">
-            <a:prstTxWarp prst="textNoShape">
-              <a:avLst/>
-            </a:prstTxWarp>
-            <a:noAutofit/>
-          </a:bodyPr>
-          <a:lstStyle/>
-          <a:p>
-            <a:pPr marL="0" marR="0" lvl="0" indent="0" algn="ctr" defTabSz="914400" eaLnBrk="1" fontAlgn="auto" latinLnBrk="0" hangingPunct="1">
-              <a:lnSpc>
-                <a:spcPct val="100000"/>
-              </a:lnSpc>
-              <a:spcBef>
-                <a:spcPts val="0"/>
-              </a:spcBef>
-              <a:spcAft>
-                <a:spcPts val="0"/>
-              </a:spcAft>
-              <a:buClrTx/>
-              <a:buSzTx/>
-              <a:buFontTx/>
-              <a:buNone/>
-              <a:tabLst/>
-              <a:defRPr/>
-            </a:pPr>
-            <a:endParaRPr kumimoji="0" lang="en-US" sz="1800" b="0" i="0" u="none" strike="noStrike" kern="0" cap="none" spc="0" normalizeH="0" baseline="0" noProof="0">
-              <a:ln>
-                <a:noFill/>
-              </a:ln>
-              <a:solidFill>
-                <a:sysClr val="window" lastClr="FFFFFF"/>
-              </a:solidFill>
-              <a:effectLst/>
-              <a:uLnTx/>
-              <a:uFillTx/>
-              <a:latin typeface="Calibri"/>
-              <a:ea typeface="+mn-ea"/>
-              <a:cs typeface="+mn-cs"/>
-            </a:endParaRPr>
-          </a:p>
-        </p:txBody>
-      </p:sp>
-      <p:sp>
-        <p:nvSpPr>
-          <p:cNvPr id="49" name="椭圆 48"/>
-          <p:cNvSpPr/>
-          <p:nvPr/>
-        </p:nvSpPr>
-        <p:spPr>
-          <a:xfrm>
-            <a:off x="7468954" y="4900779"/>
-            <a:ext cx="1531754" cy="1531754"/>
-          </a:xfrm>
-          <a:prstGeom prst="ellipse">
-            <a:avLst/>
-          </a:prstGeom>
-          <a:gradFill flip="none" rotWithShape="1">
-            <a:gsLst>
-              <a:gs pos="0">
-                <a:sysClr val="window" lastClr="FFFFFF"/>
-              </a:gs>
-              <a:gs pos="55000">
-                <a:srgbClr val="E1DAE3"/>
-              </a:gs>
-              <a:gs pos="100000">
-                <a:sysClr val="window" lastClr="FFFFFF"/>
-              </a:gs>
-            </a:gsLst>
-            <a:lin ang="2700000" scaled="1"/>
-            <a:tileRect/>
-          </a:gradFill>
-          <a:ln w="9525" cap="flat" cmpd="sng" algn="ctr">
-            <a:solidFill>
-              <a:sysClr val="window" lastClr="FFFFFF"/>
-            </a:solidFill>
-            <a:prstDash val="solid"/>
-          </a:ln>
-          <a:effectLst>
-            <a:outerShdw blurRad="50800" dist="63500" dir="5400000" algn="t" rotWithShape="0">
-              <a:prstClr val="black">
-                <a:alpha val="40000"/>
-              </a:prstClr>
-            </a:outerShdw>
-          </a:effectLst>
-        </p:spPr>
-        <p:txBody>
-          <a:bodyPr rot="0" spcFirstLastPara="0" vertOverflow="overflow" horzOverflow="overflow" vert="horz" wrap="square" lIns="91440" tIns="45720" rIns="91440" bIns="45720" numCol="1" spcCol="0" rtlCol="0" fromWordArt="0" anchor="ctr" anchorCtr="0" forceAA="0" compatLnSpc="1">
-            <a:prstTxWarp prst="textNoShape">
-              <a:avLst/>
-            </a:prstTxWarp>
-            <a:noAutofit/>
-          </a:bodyPr>
-          <a:lstStyle/>
-          <a:p>
-            <a:pPr marL="0" marR="0" lvl="0" indent="0" algn="ctr" defTabSz="914400" eaLnBrk="1" fontAlgn="auto" latinLnBrk="0" hangingPunct="1">
-              <a:lnSpc>
-                <a:spcPct val="100000"/>
-              </a:lnSpc>
-              <a:spcBef>
-                <a:spcPts val="0"/>
-              </a:spcBef>
-              <a:spcAft>
-                <a:spcPts val="0"/>
-              </a:spcAft>
-              <a:buClrTx/>
-              <a:buSzTx/>
-              <a:buFontTx/>
-              <a:buNone/>
-              <a:tabLst/>
-              <a:defRPr/>
-            </a:pPr>
-            <a:endParaRPr kumimoji="0" lang="en-US" sz="1800" b="0" i="0" u="none" strike="noStrike" kern="0" cap="none" spc="0" normalizeH="0" baseline="0" noProof="0">
-              <a:ln>
-                <a:noFill/>
-              </a:ln>
-              <a:solidFill>
-                <a:sysClr val="window" lastClr="FFFFFF"/>
-              </a:solidFill>
-              <a:effectLst/>
-              <a:uLnTx/>
-              <a:uFillTx/>
-              <a:latin typeface="Calibri"/>
-              <a:ea typeface="+mn-ea"/>
-              <a:cs typeface="+mn-cs"/>
-            </a:endParaRPr>
-          </a:p>
-        </p:txBody>
-      </p:sp>
-      <p:sp>
-        <p:nvSpPr>
-          <p:cNvPr id="60" name="TextBox 462"/>
-          <p:cNvSpPr txBox="1"/>
-          <p:nvPr/>
-        </p:nvSpPr>
-        <p:spPr>
-          <a:xfrm>
-            <a:off x="1104525" y="2702954"/>
-            <a:ext cx="2031319" cy="1021370"/>
-          </a:xfrm>
-          <a:prstGeom prst="rect">
-            <a:avLst/>
-          </a:prstGeom>
-          <a:noFill/>
-        </p:spPr>
-        <p:txBody>
-          <a:bodyPr wrap="square" rtlCol="0">
-            <a:spAutoFit/>
-          </a:bodyPr>
-          <a:lstStyle/>
-          <a:p>
-            <a:pPr>
-              <a:lnSpc>
-                <a:spcPct val="130000"/>
-              </a:lnSpc>
-              <a:spcBef>
-                <a:spcPct val="0"/>
-              </a:spcBef>
-            </a:pPr>
-            <a:r>
-              <a:rPr lang="zh-CN" altLang="en-US" sz="1600" dirty="0">
-                <a:solidFill>
-                  <a:schemeClr val="tx1">
-                    <a:lumMod val="75000"/>
-                    <a:lumOff val="25000"/>
-                  </a:schemeClr>
-                </a:solidFill>
-                <a:latin typeface="微软雅黑" pitchFamily="34" charset="-122"/>
-                <a:ea typeface="微软雅黑" pitchFamily="34" charset="-122"/>
-                <a:sym typeface="微软雅黑" pitchFamily="34" charset="-122"/>
-              </a:rPr>
-              <a:t>图书信息添加至数据库，以掌握图书的流通情况。</a:t>
-            </a:r>
-            <a:endParaRPr lang="en-US" altLang="zh-CN" sz="1600" dirty="0">
-              <a:solidFill>
-                <a:schemeClr val="tx1">
-                  <a:lumMod val="75000"/>
-                  <a:lumOff val="25000"/>
-                </a:schemeClr>
-              </a:solidFill>
-              <a:latin typeface="微软雅黑" pitchFamily="34" charset="-122"/>
-              <a:ea typeface="微软雅黑" pitchFamily="34" charset="-122"/>
-              <a:sym typeface="微软雅黑" pitchFamily="34" charset="-122"/>
-            </a:endParaRPr>
-          </a:p>
-        </p:txBody>
-      </p:sp>
-      <p:sp>
-        <p:nvSpPr>
-          <p:cNvPr id="61" name="文本框 60"/>
-          <p:cNvSpPr txBox="1"/>
-          <p:nvPr/>
-        </p:nvSpPr>
-        <p:spPr>
-          <a:xfrm>
-            <a:off x="3464059" y="2899404"/>
-            <a:ext cx="1296486" cy="707886"/>
-          </a:xfrm>
-          <a:prstGeom prst="rect">
-            <a:avLst/>
-          </a:prstGeom>
-          <a:noFill/>
-        </p:spPr>
-        <p:txBody>
-          <a:bodyPr wrap="square" rtlCol="0">
-            <a:spAutoFit/>
-          </a:bodyPr>
-          <a:lstStyle/>
-          <a:p>
-            <a:r>
-              <a:rPr lang="zh-CN" altLang="en-US" sz="2000" b="1" dirty="0">
-                <a:latin typeface="微软雅黑" panose="020B0503020204020204" pitchFamily="34" charset="-122"/>
-                <a:ea typeface="微软雅黑" panose="020B0503020204020204" pitchFamily="34" charset="-122"/>
-              </a:rPr>
-              <a:t>图书信息化</a:t>
-            </a:r>
-          </a:p>
-        </p:txBody>
-      </p:sp>
-      <p:sp>
-        <p:nvSpPr>
-          <p:cNvPr id="62" name="文本框 61"/>
-          <p:cNvSpPr txBox="1"/>
-          <p:nvPr/>
-        </p:nvSpPr>
-        <p:spPr>
-          <a:xfrm>
-            <a:off x="7423222" y="2526633"/>
-            <a:ext cx="1053679" cy="707886"/>
-          </a:xfrm>
-          <a:prstGeom prst="rect">
-            <a:avLst/>
-          </a:prstGeom>
-          <a:noFill/>
-        </p:spPr>
-        <p:txBody>
-          <a:bodyPr wrap="square" rtlCol="0">
-            <a:spAutoFit/>
-          </a:bodyPr>
-          <a:lstStyle/>
-          <a:p>
-            <a:r>
-              <a:rPr lang="zh-CN" altLang="en-US" sz="2000" b="1" dirty="0">
-                <a:latin typeface="微软雅黑" panose="020B0503020204020204" pitchFamily="34" charset="-122"/>
-                <a:ea typeface="微软雅黑" panose="020B0503020204020204" pitchFamily="34" charset="-122"/>
-              </a:rPr>
-              <a:t>借阅信息化</a:t>
-            </a:r>
-          </a:p>
-        </p:txBody>
-      </p:sp>
-      <p:sp>
-        <p:nvSpPr>
-          <p:cNvPr id="65" name="TextBox 462"/>
-          <p:cNvSpPr txBox="1"/>
-          <p:nvPr/>
-        </p:nvSpPr>
-        <p:spPr>
-          <a:xfrm>
-            <a:off x="8731267" y="2400646"/>
-            <a:ext cx="2031319" cy="1021370"/>
-          </a:xfrm>
-          <a:prstGeom prst="rect">
-            <a:avLst/>
-          </a:prstGeom>
-          <a:noFill/>
-        </p:spPr>
-        <p:txBody>
-          <a:bodyPr wrap="square" rtlCol="0">
-            <a:spAutoFit/>
-          </a:bodyPr>
-          <a:lstStyle/>
-          <a:p>
-            <a:pPr>
-              <a:lnSpc>
-                <a:spcPct val="130000"/>
-              </a:lnSpc>
-              <a:spcBef>
-                <a:spcPct val="0"/>
-              </a:spcBef>
-            </a:pPr>
-            <a:r>
-              <a:rPr lang="zh-CN" altLang="en-US" sz="1600" dirty="0">
-                <a:solidFill>
-                  <a:schemeClr val="tx1">
-                    <a:lumMod val="75000"/>
-                    <a:lumOff val="25000"/>
-                  </a:schemeClr>
-                </a:solidFill>
-                <a:latin typeface="微软雅黑" pitchFamily="34" charset="-122"/>
-                <a:ea typeface="微软雅黑" pitchFamily="34" charset="-122"/>
-                <a:sym typeface="微软雅黑" pitchFamily="34" charset="-122"/>
-              </a:rPr>
-              <a:t>读者通过远程</a:t>
-            </a:r>
-            <a:r>
-              <a:rPr lang="en-US" altLang="zh-CN" sz="1600" dirty="0">
-                <a:solidFill>
-                  <a:schemeClr val="tx1">
-                    <a:lumMod val="75000"/>
-                    <a:lumOff val="25000"/>
-                  </a:schemeClr>
-                </a:solidFill>
-                <a:latin typeface="微软雅黑" pitchFamily="34" charset="-122"/>
-                <a:ea typeface="微软雅黑" pitchFamily="34" charset="-122"/>
-                <a:sym typeface="微软雅黑" pitchFamily="34" charset="-122"/>
-              </a:rPr>
-              <a:t>PC</a:t>
-            </a:r>
-            <a:r>
-              <a:rPr lang="zh-CN" altLang="en-US" sz="1600" dirty="0">
-                <a:solidFill>
-                  <a:schemeClr val="tx1">
-                    <a:lumMod val="75000"/>
-                    <a:lumOff val="25000"/>
-                  </a:schemeClr>
-                </a:solidFill>
-                <a:latin typeface="微软雅黑" pitchFamily="34" charset="-122"/>
-                <a:ea typeface="微软雅黑" pitchFamily="34" charset="-122"/>
-                <a:sym typeface="微软雅黑" pitchFamily="34" charset="-122"/>
-              </a:rPr>
-              <a:t>端进行图书的预约，先预约后借阅。</a:t>
-            </a:r>
-            <a:endParaRPr lang="en-US" altLang="zh-CN" sz="1600" dirty="0">
-              <a:solidFill>
-                <a:schemeClr val="tx1">
-                  <a:lumMod val="75000"/>
-                  <a:lumOff val="25000"/>
-                </a:schemeClr>
-              </a:solidFill>
-              <a:latin typeface="微软雅黑" pitchFamily="34" charset="-122"/>
-              <a:ea typeface="微软雅黑" pitchFamily="34" charset="-122"/>
-              <a:sym typeface="微软雅黑" pitchFamily="34" charset="-122"/>
-            </a:endParaRPr>
-          </a:p>
-        </p:txBody>
-      </p:sp>
-      <p:sp>
-        <p:nvSpPr>
-          <p:cNvPr id="66" name="文本框 65"/>
-          <p:cNvSpPr txBox="1"/>
-          <p:nvPr/>
-        </p:nvSpPr>
-        <p:spPr>
-          <a:xfrm>
-            <a:off x="3085498" y="5505823"/>
-            <a:ext cx="1716563" cy="400110"/>
-          </a:xfrm>
-          <a:prstGeom prst="rect">
-            <a:avLst/>
-          </a:prstGeom>
-          <a:noFill/>
-        </p:spPr>
-        <p:txBody>
-          <a:bodyPr wrap="square" rtlCol="0">
-            <a:spAutoFit/>
-          </a:bodyPr>
-          <a:lstStyle/>
-          <a:p>
-            <a:r>
-              <a:rPr lang="zh-CN" altLang="en-US" sz="2000" b="1" dirty="0">
-                <a:latin typeface="微软雅黑" panose="020B0503020204020204" pitchFamily="34" charset="-122"/>
-                <a:ea typeface="微软雅黑" panose="020B0503020204020204" pitchFamily="34" charset="-122"/>
-              </a:rPr>
-              <a:t>管理信息化</a:t>
-            </a:r>
-          </a:p>
-        </p:txBody>
-      </p:sp>
-      <p:sp>
-        <p:nvSpPr>
-          <p:cNvPr id="67" name="文本框 66"/>
-          <p:cNvSpPr txBox="1"/>
-          <p:nvPr/>
-        </p:nvSpPr>
-        <p:spPr>
-          <a:xfrm>
-            <a:off x="7704222" y="5384544"/>
-            <a:ext cx="1296486" cy="707886"/>
-          </a:xfrm>
-          <a:prstGeom prst="rect">
-            <a:avLst/>
-          </a:prstGeom>
-          <a:noFill/>
-        </p:spPr>
-        <p:txBody>
-          <a:bodyPr wrap="square" rtlCol="0">
-            <a:spAutoFit/>
-          </a:bodyPr>
-          <a:lstStyle/>
-          <a:p>
-            <a:r>
-              <a:rPr lang="zh-CN" altLang="en-US" sz="2000" b="1" dirty="0">
-                <a:latin typeface="微软雅黑" panose="020B0503020204020204" pitchFamily="34" charset="-122"/>
-                <a:ea typeface="微软雅黑" panose="020B0503020204020204" pitchFamily="34" charset="-122"/>
-              </a:rPr>
-              <a:t>检索信息化</a:t>
-            </a:r>
-          </a:p>
-        </p:txBody>
-      </p:sp>
-      <p:sp>
-        <p:nvSpPr>
-          <p:cNvPr id="69" name="TextBox 462"/>
-          <p:cNvSpPr txBox="1"/>
-          <p:nvPr/>
-        </p:nvSpPr>
-        <p:spPr>
-          <a:xfrm>
-            <a:off x="9201546" y="5217057"/>
-            <a:ext cx="2031319" cy="1341457"/>
-          </a:xfrm>
-          <a:prstGeom prst="rect">
-            <a:avLst/>
-          </a:prstGeom>
-          <a:noFill/>
-        </p:spPr>
-        <p:txBody>
-          <a:bodyPr wrap="square" rtlCol="0">
-            <a:spAutoFit/>
-          </a:bodyPr>
-          <a:lstStyle/>
-          <a:p>
-            <a:pPr>
-              <a:lnSpc>
-                <a:spcPct val="130000"/>
-              </a:lnSpc>
-              <a:spcBef>
-                <a:spcPct val="0"/>
-              </a:spcBef>
-            </a:pPr>
-            <a:r>
-              <a:rPr lang="zh-CN" altLang="en-US" sz="1600" dirty="0">
-                <a:solidFill>
-                  <a:schemeClr val="tx1">
-                    <a:lumMod val="75000"/>
-                    <a:lumOff val="25000"/>
-                  </a:schemeClr>
-                </a:solidFill>
-                <a:latin typeface="微软雅黑" pitchFamily="34" charset="-122"/>
-                <a:ea typeface="微软雅黑" pitchFamily="34" charset="-122"/>
-                <a:sym typeface="微软雅黑" pitchFamily="34" charset="-122"/>
-              </a:rPr>
-              <a:t>读者通过远程</a:t>
-            </a:r>
-            <a:r>
-              <a:rPr lang="en-US" altLang="zh-CN" sz="1600" dirty="0">
-                <a:solidFill>
-                  <a:schemeClr val="tx1">
-                    <a:lumMod val="75000"/>
-                    <a:lumOff val="25000"/>
-                  </a:schemeClr>
-                </a:solidFill>
-                <a:latin typeface="微软雅黑" pitchFamily="34" charset="-122"/>
-                <a:ea typeface="微软雅黑" pitchFamily="34" charset="-122"/>
-                <a:sym typeface="微软雅黑" pitchFamily="34" charset="-122"/>
-              </a:rPr>
-              <a:t>PC</a:t>
-            </a:r>
-            <a:r>
-              <a:rPr lang="zh-CN" altLang="en-US" sz="1600" dirty="0">
-                <a:solidFill>
-                  <a:schemeClr val="tx1">
-                    <a:lumMod val="75000"/>
-                    <a:lumOff val="25000"/>
-                  </a:schemeClr>
-                </a:solidFill>
-                <a:latin typeface="微软雅黑" pitchFamily="34" charset="-122"/>
-                <a:ea typeface="微软雅黑" pitchFamily="34" charset="-122"/>
-                <a:sym typeface="微软雅黑" pitchFamily="34" charset="-122"/>
-              </a:rPr>
-              <a:t>端对馆藏目录文献进行检索和查看图书预约情况。</a:t>
-            </a:r>
-            <a:endParaRPr lang="en-US" altLang="zh-CN" sz="1600" dirty="0">
-              <a:solidFill>
-                <a:schemeClr val="tx1">
-                  <a:lumMod val="75000"/>
-                  <a:lumOff val="25000"/>
-                </a:schemeClr>
-              </a:solidFill>
-              <a:latin typeface="微软雅黑" pitchFamily="34" charset="-122"/>
-              <a:ea typeface="微软雅黑" pitchFamily="34" charset="-122"/>
-              <a:sym typeface="微软雅黑" pitchFamily="34" charset="-122"/>
-            </a:endParaRPr>
-          </a:p>
-        </p:txBody>
-      </p:sp>
-      <p:sp>
-        <p:nvSpPr>
-          <p:cNvPr id="79" name="TextBox 462"/>
-          <p:cNvSpPr txBox="1"/>
-          <p:nvPr/>
-        </p:nvSpPr>
-        <p:spPr>
-          <a:xfrm>
-            <a:off x="843507" y="5290379"/>
-            <a:ext cx="2031319" cy="1341457"/>
-          </a:xfrm>
-          <a:prstGeom prst="rect">
-            <a:avLst/>
-          </a:prstGeom>
-          <a:noFill/>
-        </p:spPr>
-        <p:txBody>
-          <a:bodyPr wrap="square" rtlCol="0">
-            <a:spAutoFit/>
-          </a:bodyPr>
-          <a:lstStyle/>
-          <a:p>
-            <a:pPr>
-              <a:lnSpc>
-                <a:spcPct val="130000"/>
-              </a:lnSpc>
-              <a:spcBef>
-                <a:spcPct val="0"/>
-              </a:spcBef>
-            </a:pPr>
-            <a:r>
-              <a:rPr lang="zh-CN" altLang="en-US" sz="1600" dirty="0">
-                <a:solidFill>
-                  <a:schemeClr val="tx1">
-                    <a:lumMod val="75000"/>
-                    <a:lumOff val="25000"/>
-                  </a:schemeClr>
-                </a:solidFill>
-                <a:latin typeface="微软雅黑" pitchFamily="34" charset="-122"/>
-                <a:ea typeface="微软雅黑" pitchFamily="34" charset="-122"/>
-                <a:sym typeface="微软雅黑" pitchFamily="34" charset="-122"/>
-              </a:rPr>
-              <a:t>图书馆管理员可以对图书信息、借阅信息、骑手信息等进行统一的管理。</a:t>
-            </a:r>
-            <a:endParaRPr lang="en-US" altLang="zh-CN" sz="1600" dirty="0">
-              <a:solidFill>
-                <a:schemeClr val="tx1">
-                  <a:lumMod val="75000"/>
-                  <a:lumOff val="25000"/>
-                </a:schemeClr>
-              </a:solidFill>
-              <a:latin typeface="微软雅黑" pitchFamily="34" charset="-122"/>
-              <a:ea typeface="微软雅黑" pitchFamily="34" charset="-122"/>
-              <a:sym typeface="微软雅黑" pitchFamily="34" charset="-122"/>
-            </a:endParaRPr>
-          </a:p>
-        </p:txBody>
-      </p:sp>
-      <p:sp>
-        <p:nvSpPr>
-          <p:cNvPr id="42" name="文本框 41"/>
-          <p:cNvSpPr txBox="1"/>
-          <p:nvPr/>
-        </p:nvSpPr>
-        <p:spPr>
-          <a:xfrm>
-            <a:off x="5268257" y="3785671"/>
-            <a:ext cx="1716563" cy="961225"/>
-          </a:xfrm>
-          <a:prstGeom prst="rect">
-            <a:avLst/>
-          </a:prstGeom>
-          <a:noFill/>
-        </p:spPr>
-        <p:txBody>
-          <a:bodyPr wrap="square" rtlCol="0">
-            <a:spAutoFit/>
-          </a:bodyPr>
-          <a:lstStyle/>
-          <a:p>
-            <a:pPr algn="ctr">
-              <a:lnSpc>
-                <a:spcPct val="150000"/>
-              </a:lnSpc>
-            </a:pPr>
-            <a:r>
-              <a:rPr lang="zh-CN" altLang="en-US" sz="2000" b="1" dirty="0">
-                <a:latin typeface="微软雅黑" panose="020B0503020204020204" pitchFamily="34" charset="-122"/>
-                <a:ea typeface="微软雅黑" panose="020B0503020204020204" pitchFamily="34" charset="-122"/>
-              </a:rPr>
-              <a:t>图书馆信息自动化管理</a:t>
-            </a:r>
-            <a:endParaRPr lang="en-US" altLang="zh-CN" sz="2000" b="1" dirty="0">
-              <a:latin typeface="微软雅黑" panose="020B0503020204020204" pitchFamily="34" charset="-122"/>
-              <a:ea typeface="微软雅黑" panose="020B0503020204020204" pitchFamily="34" charset="-122"/>
-            </a:endParaRPr>
-          </a:p>
-        </p:txBody>
-      </p:sp>
-    </p:spTree>
-    <p:extLst>
-      <p:ext uri="{BB962C8B-B14F-4D97-AF65-F5344CB8AC3E}">
-        <p14:creationId xmlns:p14="http://schemas.microsoft.com/office/powerpoint/2010/main" val="2434822391"/>
-      </p:ext>
-    </p:extLst>
-  </p:cSld>
-  <p:clrMapOvr>
-    <a:masterClrMapping/>
-  </p:clrMapOvr>
-</p:sld>
-</file>
-
-<file path=ppt/slides/slide9.xml><?xml version="1.0" encoding="utf-8"?>
-<p:sld xmlns:a="http://schemas.openxmlformats.org/drawingml/2006/main" xmlns:r="http://schemas.openxmlformats.org/officeDocument/2006/relationships" xmlns:p="http://schemas.openxmlformats.org/presentationml/2006/main">
-  <p:cSld>
-    <p:spTree>
-      <p:nvGrpSpPr>
-        <p:cNvPr id="1" name=""/>
-        <p:cNvGrpSpPr/>
-        <p:nvPr/>
-      </p:nvGrpSpPr>
-      <p:grpSpPr>
-        <a:xfrm>
-          <a:off x="0" y="0"/>
-          <a:ext cx="0" cy="0"/>
-          <a:chOff x="0" y="0"/>
-          <a:chExt cx="0" cy="0"/>
-        </a:xfrm>
-      </p:grpSpPr>
-      <p:sp>
-        <p:nvSpPr>
-          <p:cNvPr id="23" name="文本框 22"/>
-          <p:cNvSpPr txBox="1"/>
-          <p:nvPr/>
-        </p:nvSpPr>
-        <p:spPr>
-          <a:xfrm>
-            <a:off x="6219653" y="588805"/>
-            <a:ext cx="5267497" cy="707886"/>
-          </a:xfrm>
-          <a:prstGeom prst="rect">
-            <a:avLst/>
-          </a:prstGeom>
-          <a:noFill/>
-        </p:spPr>
-        <p:txBody>
-          <a:bodyPr wrap="square" rtlCol="0">
-            <a:spAutoFit/>
-          </a:bodyPr>
-          <a:lstStyle/>
-          <a:p>
-            <a:r>
-              <a:rPr lang="zh-CN" altLang="en-US" sz="4000" b="1" spc="300" dirty="0">
-                <a:solidFill>
-                  <a:srgbClr val="2E75B6"/>
-                </a:solidFill>
-                <a:latin typeface="微软雅黑" panose="020B0503020204020204" pitchFamily="34" charset="-122"/>
-                <a:ea typeface="微软雅黑" panose="020B0503020204020204" pitchFamily="34" charset="-122"/>
-              </a:rPr>
-              <a:t>研究思路</a:t>
-            </a:r>
-          </a:p>
-        </p:txBody>
-      </p:sp>
-      <p:grpSp>
-        <p:nvGrpSpPr>
-          <p:cNvPr id="90" name="组合 89"/>
-          <p:cNvGrpSpPr/>
-          <p:nvPr/>
-        </p:nvGrpSpPr>
-        <p:grpSpPr>
-          <a:xfrm>
-            <a:off x="1208468" y="-355428"/>
-            <a:ext cx="3073915" cy="2298260"/>
-            <a:chOff x="1514195" y="209550"/>
-            <a:chExt cx="3073915" cy="2298260"/>
-          </a:xfrm>
-        </p:grpSpPr>
-        <p:sp>
-          <p:nvSpPr>
-            <p:cNvPr id="6" name="椭圆 5"/>
-            <p:cNvSpPr/>
-            <p:nvPr/>
-          </p:nvSpPr>
-          <p:spPr>
-            <a:xfrm>
-              <a:off x="2299587" y="666750"/>
-              <a:ext cx="1600200" cy="1600200"/>
-            </a:xfrm>
-            <a:prstGeom prst="ellipse">
-              <a:avLst/>
-            </a:prstGeom>
-            <a:ln>
-              <a:noFill/>
-            </a:ln>
-          </p:spPr>
-          <p:style>
-            <a:lnRef idx="2">
-              <a:schemeClr val="accent1">
-                <a:shade val="50000"/>
-              </a:schemeClr>
-            </a:lnRef>
-            <a:fillRef idx="1">
-              <a:schemeClr val="accent1"/>
-            </a:fillRef>
-            <a:effectRef idx="0">
-              <a:schemeClr val="accent1"/>
-            </a:effectRef>
-            <a:fontRef idx="minor">
-              <a:schemeClr val="lt1"/>
-            </a:fontRef>
-          </p:style>
-          <p:txBody>
-            <a:bodyPr rtlCol="0" anchor="ctr"/>
-            <a:lstStyle/>
-            <a:p>
-              <a:pPr algn="ctr"/>
-              <a:endParaRPr lang="zh-CN" altLang="en-US"/>
-            </a:p>
-          </p:txBody>
-        </p:sp>
-        <p:cxnSp>
-          <p:nvCxnSpPr>
-            <p:cNvPr id="11" name="直接连接符 10"/>
-            <p:cNvCxnSpPr/>
-            <p:nvPr/>
-          </p:nvCxnSpPr>
-          <p:spPr>
-            <a:xfrm flipH="1">
-              <a:off x="3330810" y="330856"/>
-              <a:ext cx="628650" cy="457200"/>
-            </a:xfrm>
-            <a:prstGeom prst="line">
-              <a:avLst/>
-            </a:prstGeom>
-          </p:spPr>
-          <p:style>
-            <a:lnRef idx="1">
-              <a:schemeClr val="accent1"/>
-            </a:lnRef>
-            <a:fillRef idx="0">
-              <a:schemeClr val="accent1"/>
-            </a:fillRef>
-            <a:effectRef idx="0">
-              <a:schemeClr val="accent1"/>
-            </a:effectRef>
-            <a:fontRef idx="minor">
-              <a:schemeClr val="tx1"/>
-            </a:fontRef>
-          </p:style>
-        </p:cxnSp>
-        <p:cxnSp>
-          <p:nvCxnSpPr>
-            <p:cNvPr id="12" name="直接连接符 11"/>
-            <p:cNvCxnSpPr/>
-            <p:nvPr/>
-          </p:nvCxnSpPr>
-          <p:spPr>
-            <a:xfrm flipH="1">
-              <a:off x="3959460" y="209550"/>
-              <a:ext cx="628650" cy="457200"/>
-            </a:xfrm>
-            <a:prstGeom prst="line">
-              <a:avLst/>
-            </a:prstGeom>
-          </p:spPr>
-          <p:style>
-            <a:lnRef idx="1">
-              <a:schemeClr val="accent1"/>
-            </a:lnRef>
-            <a:fillRef idx="0">
-              <a:schemeClr val="accent1"/>
-            </a:fillRef>
-            <a:effectRef idx="0">
-              <a:schemeClr val="accent1"/>
-            </a:effectRef>
-            <a:fontRef idx="minor">
-              <a:schemeClr val="tx1"/>
-            </a:fontRef>
-          </p:style>
-        </p:cxnSp>
-        <p:cxnSp>
-          <p:nvCxnSpPr>
-            <p:cNvPr id="13" name="直接连接符 12"/>
-            <p:cNvCxnSpPr/>
-            <p:nvPr/>
-          </p:nvCxnSpPr>
-          <p:spPr>
-            <a:xfrm flipH="1">
-              <a:off x="1720244" y="1593410"/>
-              <a:ext cx="628650" cy="457200"/>
-            </a:xfrm>
-            <a:prstGeom prst="line">
-              <a:avLst/>
-            </a:prstGeom>
-          </p:spPr>
-          <p:style>
-            <a:lnRef idx="1">
-              <a:schemeClr val="accent1"/>
-            </a:lnRef>
-            <a:fillRef idx="0">
-              <a:schemeClr val="accent1"/>
-            </a:fillRef>
-            <a:effectRef idx="0">
-              <a:schemeClr val="accent1"/>
-            </a:effectRef>
-            <a:fontRef idx="minor">
-              <a:schemeClr val="tx1"/>
-            </a:fontRef>
-          </p:style>
-        </p:cxnSp>
-        <p:cxnSp>
-          <p:nvCxnSpPr>
-            <p:cNvPr id="14" name="直接连接符 13"/>
-            <p:cNvCxnSpPr/>
-            <p:nvPr/>
-          </p:nvCxnSpPr>
-          <p:spPr>
-            <a:xfrm flipH="1">
-              <a:off x="1514195" y="2050610"/>
-              <a:ext cx="628650" cy="457200"/>
-            </a:xfrm>
-            <a:prstGeom prst="line">
-              <a:avLst/>
-            </a:prstGeom>
-          </p:spPr>
-          <p:style>
-            <a:lnRef idx="1">
-              <a:schemeClr val="accent1"/>
-            </a:lnRef>
-            <a:fillRef idx="0">
-              <a:schemeClr val="accent1"/>
-            </a:fillRef>
-            <a:effectRef idx="0">
-              <a:schemeClr val="accent1"/>
-            </a:effectRef>
-            <a:fontRef idx="minor">
-              <a:schemeClr val="tx1"/>
-            </a:fontRef>
-          </p:style>
-        </p:cxnSp>
-        <p:cxnSp>
-          <p:nvCxnSpPr>
-            <p:cNvPr id="18" name="直接连接符 17"/>
-            <p:cNvCxnSpPr/>
-            <p:nvPr/>
-          </p:nvCxnSpPr>
-          <p:spPr>
-            <a:xfrm flipH="1">
-              <a:off x="3811402" y="666750"/>
-              <a:ext cx="628650" cy="457200"/>
-            </a:xfrm>
-            <a:prstGeom prst="line">
-              <a:avLst/>
-            </a:prstGeom>
-          </p:spPr>
-          <p:style>
-            <a:lnRef idx="1">
-              <a:schemeClr val="accent1"/>
-            </a:lnRef>
-            <a:fillRef idx="0">
-              <a:schemeClr val="accent1"/>
-            </a:fillRef>
-            <a:effectRef idx="0">
-              <a:schemeClr val="accent1"/>
-            </a:effectRef>
-            <a:fontRef idx="minor">
-              <a:schemeClr val="tx1"/>
-            </a:fontRef>
-          </p:style>
-        </p:cxnSp>
-        <p:cxnSp>
-          <p:nvCxnSpPr>
-            <p:cNvPr id="21" name="直接连接符 20"/>
-            <p:cNvCxnSpPr/>
-            <p:nvPr/>
-          </p:nvCxnSpPr>
-          <p:spPr>
-            <a:xfrm flipH="1">
-              <a:off x="1992616" y="1931056"/>
-              <a:ext cx="628650" cy="457200"/>
-            </a:xfrm>
-            <a:prstGeom prst="line">
-              <a:avLst/>
-            </a:prstGeom>
-          </p:spPr>
-          <p:style>
-            <a:lnRef idx="1">
-              <a:schemeClr val="accent1"/>
-            </a:lnRef>
-            <a:fillRef idx="0">
-              <a:schemeClr val="accent1"/>
-            </a:fillRef>
-            <a:effectRef idx="0">
-              <a:schemeClr val="accent1"/>
-            </a:effectRef>
-            <a:fontRef idx="minor">
-              <a:schemeClr val="tx1"/>
-            </a:fontRef>
-          </p:style>
-        </p:cxnSp>
-      </p:grpSp>
-      <p:sp>
-        <p:nvSpPr>
-          <p:cNvPr id="63" name="Oval 155"/>
-          <p:cNvSpPr>
-            <a:spLocks noChangeArrowheads="1"/>
-          </p:cNvSpPr>
-          <p:nvPr/>
-        </p:nvSpPr>
-        <p:spPr bwMode="auto">
-          <a:xfrm>
-            <a:off x="9771062" y="1868220"/>
-            <a:ext cx="76200" cy="74612"/>
-          </a:xfrm>
-          <a:prstGeom prst="ellipse">
-            <a:avLst/>
-          </a:prstGeom>
-          <a:solidFill>
-            <a:srgbClr val="FFFFFF"/>
-          </a:solidFill>
-          <a:ln>
-            <a:noFill/>
-          </a:ln>
-          <a:extLst>
-            <a:ext uri="{91240B29-F687-4F45-9708-019B960494DF}">
-              <a14:hiddenLine xmlns:a14="http://schemas.microsoft.com/office/drawing/2010/main" w="9525">
-                <a:solidFill>
-                  <a:srgbClr val="000000"/>
-                </a:solidFill>
-                <a:round/>
-                <a:headEnd/>
-                <a:tailEnd/>
-              </a14:hiddenLine>
-            </a:ext>
-          </a:extLst>
-        </p:spPr>
-        <p:txBody>
-          <a:bodyPr vert="horz" wrap="square" lIns="91440" tIns="45720" rIns="91440" bIns="45720" numCol="1" anchor="t" anchorCtr="0" compatLnSpc="1">
-            <a:prstTxWarp prst="textNoShape">
-              <a:avLst/>
-            </a:prstTxWarp>
-          </a:bodyPr>
-          <a:lstStyle/>
-          <a:p>
-            <a:endParaRPr lang="zh-CN" altLang="en-US"/>
-          </a:p>
-        </p:txBody>
-      </p:sp>
-      <p:sp>
-        <p:nvSpPr>
-          <p:cNvPr id="64" name="Oval 156"/>
-          <p:cNvSpPr>
-            <a:spLocks noChangeArrowheads="1"/>
-          </p:cNvSpPr>
-          <p:nvPr/>
-        </p:nvSpPr>
-        <p:spPr bwMode="auto">
-          <a:xfrm>
-            <a:off x="9656762" y="1868220"/>
-            <a:ext cx="76200" cy="74612"/>
-          </a:xfrm>
-          <a:prstGeom prst="ellipse">
-            <a:avLst/>
-          </a:prstGeom>
-          <a:solidFill>
-            <a:srgbClr val="FFFFFF"/>
-          </a:solidFill>
-          <a:ln>
-            <a:noFill/>
-          </a:ln>
-          <a:extLst>
-            <a:ext uri="{91240B29-F687-4F45-9708-019B960494DF}">
-              <a14:hiddenLine xmlns:a14="http://schemas.microsoft.com/office/drawing/2010/main" w="9525">
-                <a:solidFill>
-                  <a:srgbClr val="000000"/>
-                </a:solidFill>
-                <a:round/>
-                <a:headEnd/>
-                <a:tailEnd/>
-              </a14:hiddenLine>
-            </a:ext>
-          </a:extLst>
-        </p:spPr>
-        <p:txBody>
-          <a:bodyPr vert="horz" wrap="square" lIns="91440" tIns="45720" rIns="91440" bIns="45720" numCol="1" anchor="t" anchorCtr="0" compatLnSpc="1">
-            <a:prstTxWarp prst="textNoShape">
-              <a:avLst/>
-            </a:prstTxWarp>
-          </a:bodyPr>
-          <a:lstStyle/>
-          <a:p>
-            <a:endParaRPr lang="zh-CN" altLang="en-US"/>
-          </a:p>
-        </p:txBody>
-      </p:sp>
-      <p:cxnSp>
-        <p:nvCxnSpPr>
-          <p:cNvPr id="92" name="直接连接符 91"/>
-          <p:cNvCxnSpPr/>
-          <p:nvPr/>
-        </p:nvCxnSpPr>
-        <p:spPr>
-          <a:xfrm flipV="1">
-            <a:off x="632005" y="2147284"/>
-            <a:ext cx="4420503" cy="11220"/>
-          </a:xfrm>
-          <a:prstGeom prst="line">
-            <a:avLst/>
-          </a:prstGeom>
-          <a:ln w="28575">
-            <a:solidFill>
-              <a:schemeClr val="accent4">
-                <a:lumMod val="40000"/>
-                <a:lumOff val="60000"/>
-              </a:schemeClr>
-            </a:solidFill>
-          </a:ln>
-        </p:spPr>
-        <p:style>
-          <a:lnRef idx="1">
-            <a:schemeClr val="accent1"/>
-          </a:lnRef>
-          <a:fillRef idx="0">
-            <a:schemeClr val="accent1"/>
-          </a:fillRef>
-          <a:effectRef idx="0">
-            <a:schemeClr val="accent1"/>
-          </a:effectRef>
-          <a:fontRef idx="minor">
-            <a:schemeClr val="tx1"/>
-          </a:fontRef>
-        </p:style>
-      </p:cxnSp>
-      <p:cxnSp>
-        <p:nvCxnSpPr>
-          <p:cNvPr id="99" name="直接连接符 98"/>
-          <p:cNvCxnSpPr/>
-          <p:nvPr/>
-        </p:nvCxnSpPr>
-        <p:spPr>
-          <a:xfrm flipV="1">
-            <a:off x="4986122" y="2043746"/>
-            <a:ext cx="6720451" cy="34606"/>
-          </a:xfrm>
-          <a:prstGeom prst="line">
-            <a:avLst/>
-          </a:prstGeom>
-          <a:ln w="28575">
-            <a:solidFill>
-              <a:srgbClr val="92D050"/>
-            </a:solidFill>
-          </a:ln>
-        </p:spPr>
-        <p:style>
-          <a:lnRef idx="1">
-            <a:schemeClr val="accent1"/>
-          </a:lnRef>
-          <a:fillRef idx="0">
-            <a:schemeClr val="accent1"/>
-          </a:fillRef>
-          <a:effectRef idx="0">
-            <a:schemeClr val="accent1"/>
-          </a:effectRef>
-          <a:fontRef idx="minor">
-            <a:schemeClr val="tx1"/>
-          </a:fontRef>
-        </p:style>
-      </p:cxnSp>
-      <p:sp>
-        <p:nvSpPr>
           <p:cNvPr id="98" name="Arc 682"/>
           <p:cNvSpPr>
             <a:spLocks/>
@@ -36752,6 +33838,1115 @@
     <p:extLst>
       <p:ext uri="{BB962C8B-B14F-4D97-AF65-F5344CB8AC3E}">
         <p14:creationId xmlns:p14="http://schemas.microsoft.com/office/powerpoint/2010/main" val="58032645"/>
+      </p:ext>
+    </p:extLst>
+  </p:cSld>
+  <p:clrMapOvr>
+    <a:masterClrMapping/>
+  </p:clrMapOvr>
+</p:sld>
+</file>
+
+<file path=ppt/slides/slide9.xml><?xml version="1.0" encoding="utf-8"?>
+<p:sld xmlns:a="http://schemas.openxmlformats.org/drawingml/2006/main" xmlns:r="http://schemas.openxmlformats.org/officeDocument/2006/relationships" xmlns:p="http://schemas.openxmlformats.org/presentationml/2006/main">
+  <p:cSld>
+    <p:spTree>
+      <p:nvGrpSpPr>
+        <p:cNvPr id="1" name=""/>
+        <p:cNvGrpSpPr/>
+        <p:nvPr/>
+      </p:nvGrpSpPr>
+      <p:grpSpPr>
+        <a:xfrm>
+          <a:off x="0" y="0"/>
+          <a:ext cx="0" cy="0"/>
+          <a:chOff x="0" y="0"/>
+          <a:chExt cx="0" cy="0"/>
+        </a:xfrm>
+      </p:grpSpPr>
+      <p:pic>
+        <p:nvPicPr>
+          <p:cNvPr id="26" name="图片 25">
+            <a:extLst>
+              <a:ext uri="{FF2B5EF4-FFF2-40B4-BE49-F238E27FC236}">
+                <a16:creationId xmlns:a16="http://schemas.microsoft.com/office/drawing/2014/main" id="{B55CCBF3-897F-EE4A-B532-D1E64CFC38ED}"/>
+              </a:ext>
+            </a:extLst>
+          </p:cNvPr>
+          <p:cNvPicPr>
+            <a:picLocks noChangeAspect="1"/>
+          </p:cNvPicPr>
+          <p:nvPr/>
+        </p:nvPicPr>
+        <p:blipFill>
+          <a:blip r:embed="rId3">
+            <a:extLst>
+              <a:ext uri="{28A0092B-C50C-407E-A947-70E740481C1C}">
+                <a14:useLocalDpi xmlns:a14="http://schemas.microsoft.com/office/drawing/2010/main" val="0"/>
+              </a:ext>
+            </a:extLst>
+          </a:blip>
+          <a:stretch>
+            <a:fillRect/>
+          </a:stretch>
+        </p:blipFill>
+        <p:spPr>
+          <a:xfrm>
+            <a:off x="3183409" y="922928"/>
+            <a:ext cx="1528183" cy="1473605"/>
+          </a:xfrm>
+          <a:prstGeom prst="rect">
+            <a:avLst/>
+          </a:prstGeom>
+        </p:spPr>
+      </p:pic>
+      <p:sp>
+        <p:nvSpPr>
+          <p:cNvPr id="3" name="椭圆 2"/>
+          <p:cNvSpPr/>
+          <p:nvPr/>
+        </p:nvSpPr>
+        <p:spPr>
+          <a:xfrm>
+            <a:off x="4234640" y="1300389"/>
+            <a:ext cx="3765984" cy="3765984"/>
+          </a:xfrm>
+          <a:prstGeom prst="ellipse">
+            <a:avLst/>
+          </a:prstGeom>
+          <a:solidFill>
+            <a:srgbClr val="2E75B6"/>
+          </a:solidFill>
+          <a:ln>
+            <a:noFill/>
+          </a:ln>
+        </p:spPr>
+        <p:style>
+          <a:lnRef idx="2">
+            <a:schemeClr val="accent1">
+              <a:shade val="50000"/>
+            </a:schemeClr>
+          </a:lnRef>
+          <a:fillRef idx="1">
+            <a:schemeClr val="accent1"/>
+          </a:fillRef>
+          <a:effectRef idx="0">
+            <a:schemeClr val="accent1"/>
+          </a:effectRef>
+          <a:fontRef idx="minor">
+            <a:schemeClr val="lt1"/>
+          </a:fontRef>
+        </p:style>
+        <p:txBody>
+          <a:bodyPr rtlCol="0" anchor="ctr"/>
+          <a:lstStyle/>
+          <a:p>
+            <a:pPr algn="ctr"/>
+            <a:endParaRPr lang="zh-CN" altLang="en-US"/>
+          </a:p>
+        </p:txBody>
+      </p:sp>
+      <p:sp>
+        <p:nvSpPr>
+          <p:cNvPr id="7" name="文本框 6"/>
+          <p:cNvSpPr txBox="1"/>
+          <p:nvPr/>
+        </p:nvSpPr>
+        <p:spPr>
+          <a:xfrm>
+            <a:off x="4365032" y="2735616"/>
+            <a:ext cx="3505200" cy="1754326"/>
+          </a:xfrm>
+          <a:prstGeom prst="rect">
+            <a:avLst/>
+          </a:prstGeom>
+          <a:noFill/>
+        </p:spPr>
+        <p:txBody>
+          <a:bodyPr wrap="square" rtlCol="0">
+            <a:spAutoFit/>
+          </a:bodyPr>
+          <a:lstStyle/>
+          <a:p>
+            <a:pPr algn="ctr"/>
+            <a:r>
+              <a:rPr lang="zh-CN" altLang="en-US" sz="3600" b="1" spc="300" dirty="0">
+                <a:solidFill>
+                  <a:schemeClr val="bg1"/>
+                </a:solidFill>
+                <a:latin typeface="微软雅黑" panose="020B0503020204020204" pitchFamily="34" charset="-122"/>
+                <a:ea typeface="微软雅黑" panose="020B0503020204020204" pitchFamily="34" charset="-122"/>
+              </a:rPr>
+              <a:t>第三部分</a:t>
+            </a:r>
+            <a:endParaRPr lang="en-US" altLang="zh-CN" sz="3600" b="1" spc="300" dirty="0">
+              <a:solidFill>
+                <a:schemeClr val="bg1"/>
+              </a:solidFill>
+              <a:latin typeface="微软雅黑" panose="020B0503020204020204" pitchFamily="34" charset="-122"/>
+              <a:ea typeface="微软雅黑" panose="020B0503020204020204" pitchFamily="34" charset="-122"/>
+            </a:endParaRPr>
+          </a:p>
+          <a:p>
+            <a:pPr algn="ctr"/>
+            <a:r>
+              <a:rPr lang="zh-CN" altLang="en-US" sz="3600" b="1" spc="300" dirty="0">
+                <a:solidFill>
+                  <a:schemeClr val="bg1"/>
+                </a:solidFill>
+                <a:latin typeface="微软雅黑" panose="020B0503020204020204" pitchFamily="34" charset="-122"/>
+                <a:ea typeface="微软雅黑" panose="020B0503020204020204" pitchFamily="34" charset="-122"/>
+              </a:rPr>
+              <a:t>关键技术与</a:t>
+            </a:r>
+            <a:endParaRPr lang="en-US" altLang="zh-CN" sz="3600" b="1" spc="300" dirty="0">
+              <a:solidFill>
+                <a:schemeClr val="bg1"/>
+              </a:solidFill>
+              <a:latin typeface="微软雅黑" panose="020B0503020204020204" pitchFamily="34" charset="-122"/>
+              <a:ea typeface="微软雅黑" panose="020B0503020204020204" pitchFamily="34" charset="-122"/>
+            </a:endParaRPr>
+          </a:p>
+          <a:p>
+            <a:pPr algn="ctr"/>
+            <a:r>
+              <a:rPr lang="zh-CN" altLang="en-US" sz="3600" b="1" spc="300" dirty="0">
+                <a:solidFill>
+                  <a:schemeClr val="bg1"/>
+                </a:solidFill>
+                <a:latin typeface="微软雅黑" panose="020B0503020204020204" pitchFamily="34" charset="-122"/>
+                <a:ea typeface="微软雅黑" panose="020B0503020204020204" pitchFamily="34" charset="-122"/>
+              </a:rPr>
+              <a:t>实践难点</a:t>
+            </a:r>
+          </a:p>
+        </p:txBody>
+      </p:sp>
+      <p:sp>
+        <p:nvSpPr>
+          <p:cNvPr id="10" name="椭圆 9"/>
+          <p:cNvSpPr/>
+          <p:nvPr/>
+        </p:nvSpPr>
+        <p:spPr>
+          <a:xfrm>
+            <a:off x="1242576" y="4655620"/>
+            <a:ext cx="200025" cy="252926"/>
+          </a:xfrm>
+          <a:prstGeom prst="ellipse">
+            <a:avLst/>
+          </a:prstGeom>
+          <a:solidFill>
+            <a:schemeClr val="accent1">
+              <a:lumMod val="60000"/>
+              <a:lumOff val="40000"/>
+            </a:schemeClr>
+          </a:solidFill>
+          <a:ln>
+            <a:noFill/>
+          </a:ln>
+        </p:spPr>
+        <p:style>
+          <a:lnRef idx="2">
+            <a:schemeClr val="accent1">
+              <a:shade val="50000"/>
+            </a:schemeClr>
+          </a:lnRef>
+          <a:fillRef idx="1">
+            <a:schemeClr val="accent1"/>
+          </a:fillRef>
+          <a:effectRef idx="0">
+            <a:schemeClr val="accent1"/>
+          </a:effectRef>
+          <a:fontRef idx="minor">
+            <a:schemeClr val="lt1"/>
+          </a:fontRef>
+        </p:style>
+        <p:txBody>
+          <a:bodyPr rtlCol="0" anchor="ctr"/>
+          <a:lstStyle/>
+          <a:p>
+            <a:pPr algn="ctr"/>
+            <a:endParaRPr lang="zh-CN" altLang="en-US"/>
+          </a:p>
+        </p:txBody>
+      </p:sp>
+      <p:sp>
+        <p:nvSpPr>
+          <p:cNvPr id="12" name="椭圆 11"/>
+          <p:cNvSpPr/>
+          <p:nvPr/>
+        </p:nvSpPr>
+        <p:spPr>
+          <a:xfrm>
+            <a:off x="1782642" y="3874881"/>
+            <a:ext cx="517947" cy="517947"/>
+          </a:xfrm>
+          <a:prstGeom prst="ellipse">
+            <a:avLst/>
+          </a:prstGeom>
+          <a:solidFill>
+            <a:schemeClr val="accent1">
+              <a:lumMod val="60000"/>
+              <a:lumOff val="40000"/>
+            </a:schemeClr>
+          </a:solidFill>
+          <a:ln>
+            <a:noFill/>
+          </a:ln>
+        </p:spPr>
+        <p:style>
+          <a:lnRef idx="2">
+            <a:schemeClr val="accent1">
+              <a:shade val="50000"/>
+            </a:schemeClr>
+          </a:lnRef>
+          <a:fillRef idx="1">
+            <a:schemeClr val="accent1"/>
+          </a:fillRef>
+          <a:effectRef idx="0">
+            <a:schemeClr val="accent1"/>
+          </a:effectRef>
+          <a:fontRef idx="minor">
+            <a:schemeClr val="lt1"/>
+          </a:fontRef>
+        </p:style>
+        <p:txBody>
+          <a:bodyPr rtlCol="0" anchor="ctr"/>
+          <a:lstStyle/>
+          <a:p>
+            <a:pPr algn="ctr"/>
+            <a:endParaRPr lang="zh-CN" altLang="en-US"/>
+          </a:p>
+        </p:txBody>
+      </p:sp>
+      <p:sp>
+        <p:nvSpPr>
+          <p:cNvPr id="13" name="椭圆 12"/>
+          <p:cNvSpPr/>
+          <p:nvPr/>
+        </p:nvSpPr>
+        <p:spPr>
+          <a:xfrm>
+            <a:off x="3205041" y="3609774"/>
+            <a:ext cx="644545" cy="644545"/>
+          </a:xfrm>
+          <a:prstGeom prst="ellipse">
+            <a:avLst/>
+          </a:prstGeom>
+          <a:solidFill>
+            <a:schemeClr val="accent1">
+              <a:lumMod val="60000"/>
+              <a:lumOff val="40000"/>
+            </a:schemeClr>
+          </a:solidFill>
+          <a:ln>
+            <a:noFill/>
+          </a:ln>
+        </p:spPr>
+        <p:style>
+          <a:lnRef idx="2">
+            <a:schemeClr val="accent1">
+              <a:shade val="50000"/>
+            </a:schemeClr>
+          </a:lnRef>
+          <a:fillRef idx="1">
+            <a:schemeClr val="accent1"/>
+          </a:fillRef>
+          <a:effectRef idx="0">
+            <a:schemeClr val="accent1"/>
+          </a:effectRef>
+          <a:fontRef idx="minor">
+            <a:schemeClr val="lt1"/>
+          </a:fontRef>
+        </p:style>
+        <p:txBody>
+          <a:bodyPr rtlCol="0" anchor="ctr"/>
+          <a:lstStyle/>
+          <a:p>
+            <a:pPr algn="ctr"/>
+            <a:endParaRPr lang="zh-CN" altLang="en-US"/>
+          </a:p>
+        </p:txBody>
+      </p:sp>
+      <p:sp>
+        <p:nvSpPr>
+          <p:cNvPr id="14" name="椭圆 13"/>
+          <p:cNvSpPr/>
+          <p:nvPr/>
+        </p:nvSpPr>
+        <p:spPr>
+          <a:xfrm>
+            <a:off x="681884" y="2530507"/>
+            <a:ext cx="213466" cy="213466"/>
+          </a:xfrm>
+          <a:prstGeom prst="ellipse">
+            <a:avLst/>
+          </a:prstGeom>
+          <a:solidFill>
+            <a:schemeClr val="accent1">
+              <a:lumMod val="60000"/>
+              <a:lumOff val="40000"/>
+            </a:schemeClr>
+          </a:solidFill>
+          <a:ln>
+            <a:noFill/>
+          </a:ln>
+        </p:spPr>
+        <p:style>
+          <a:lnRef idx="2">
+            <a:schemeClr val="accent1">
+              <a:shade val="50000"/>
+            </a:schemeClr>
+          </a:lnRef>
+          <a:fillRef idx="1">
+            <a:schemeClr val="accent1"/>
+          </a:fillRef>
+          <a:effectRef idx="0">
+            <a:schemeClr val="accent1"/>
+          </a:effectRef>
+          <a:fontRef idx="minor">
+            <a:schemeClr val="lt1"/>
+          </a:fontRef>
+        </p:style>
+        <p:txBody>
+          <a:bodyPr rtlCol="0" anchor="ctr"/>
+          <a:lstStyle/>
+          <a:p>
+            <a:pPr algn="ctr"/>
+            <a:endParaRPr lang="zh-CN" altLang="en-US"/>
+          </a:p>
+        </p:txBody>
+      </p:sp>
+      <p:sp>
+        <p:nvSpPr>
+          <p:cNvPr id="15" name="椭圆 14"/>
+          <p:cNvSpPr/>
+          <p:nvPr/>
+        </p:nvSpPr>
+        <p:spPr>
+          <a:xfrm>
+            <a:off x="2883116" y="2598274"/>
+            <a:ext cx="474961" cy="474961"/>
+          </a:xfrm>
+          <a:prstGeom prst="ellipse">
+            <a:avLst/>
+          </a:prstGeom>
+          <a:solidFill>
+            <a:schemeClr val="accent1">
+              <a:lumMod val="60000"/>
+              <a:lumOff val="40000"/>
+            </a:schemeClr>
+          </a:solidFill>
+          <a:ln>
+            <a:noFill/>
+          </a:ln>
+        </p:spPr>
+        <p:style>
+          <a:lnRef idx="2">
+            <a:schemeClr val="accent1">
+              <a:shade val="50000"/>
+            </a:schemeClr>
+          </a:lnRef>
+          <a:fillRef idx="1">
+            <a:schemeClr val="accent1"/>
+          </a:fillRef>
+          <a:effectRef idx="0">
+            <a:schemeClr val="accent1"/>
+          </a:effectRef>
+          <a:fontRef idx="minor">
+            <a:schemeClr val="lt1"/>
+          </a:fontRef>
+        </p:style>
+        <p:txBody>
+          <a:bodyPr rtlCol="0" anchor="ctr"/>
+          <a:lstStyle/>
+          <a:p>
+            <a:pPr algn="ctr"/>
+            <a:endParaRPr lang="zh-CN" altLang="en-US"/>
+          </a:p>
+        </p:txBody>
+      </p:sp>
+      <p:sp>
+        <p:nvSpPr>
+          <p:cNvPr id="16" name="椭圆 15"/>
+          <p:cNvSpPr/>
+          <p:nvPr/>
+        </p:nvSpPr>
+        <p:spPr>
+          <a:xfrm>
+            <a:off x="2300589" y="2020073"/>
+            <a:ext cx="356604" cy="356604"/>
+          </a:xfrm>
+          <a:prstGeom prst="ellipse">
+            <a:avLst/>
+          </a:prstGeom>
+          <a:solidFill>
+            <a:schemeClr val="accent1">
+              <a:lumMod val="60000"/>
+              <a:lumOff val="40000"/>
+            </a:schemeClr>
+          </a:solidFill>
+          <a:ln>
+            <a:noFill/>
+          </a:ln>
+        </p:spPr>
+        <p:style>
+          <a:lnRef idx="2">
+            <a:schemeClr val="accent1">
+              <a:shade val="50000"/>
+            </a:schemeClr>
+          </a:lnRef>
+          <a:fillRef idx="1">
+            <a:schemeClr val="accent1"/>
+          </a:fillRef>
+          <a:effectRef idx="0">
+            <a:schemeClr val="accent1"/>
+          </a:effectRef>
+          <a:fontRef idx="minor">
+            <a:schemeClr val="lt1"/>
+          </a:fontRef>
+        </p:style>
+        <p:txBody>
+          <a:bodyPr rtlCol="0" anchor="ctr"/>
+          <a:lstStyle/>
+          <a:p>
+            <a:pPr algn="ctr"/>
+            <a:endParaRPr lang="zh-CN" altLang="en-US"/>
+          </a:p>
+        </p:txBody>
+      </p:sp>
+      <p:sp>
+        <p:nvSpPr>
+          <p:cNvPr id="17" name="椭圆 16"/>
+          <p:cNvSpPr/>
+          <p:nvPr/>
+        </p:nvSpPr>
+        <p:spPr>
+          <a:xfrm>
+            <a:off x="8137954" y="3276438"/>
+            <a:ext cx="221243" cy="221243"/>
+          </a:xfrm>
+          <a:prstGeom prst="ellipse">
+            <a:avLst/>
+          </a:prstGeom>
+          <a:solidFill>
+            <a:schemeClr val="accent1">
+              <a:lumMod val="60000"/>
+              <a:lumOff val="40000"/>
+            </a:schemeClr>
+          </a:solidFill>
+          <a:ln>
+            <a:noFill/>
+          </a:ln>
+        </p:spPr>
+        <p:style>
+          <a:lnRef idx="2">
+            <a:schemeClr val="accent1">
+              <a:shade val="50000"/>
+            </a:schemeClr>
+          </a:lnRef>
+          <a:fillRef idx="1">
+            <a:schemeClr val="accent1"/>
+          </a:fillRef>
+          <a:effectRef idx="0">
+            <a:schemeClr val="accent1"/>
+          </a:effectRef>
+          <a:fontRef idx="minor">
+            <a:schemeClr val="lt1"/>
+          </a:fontRef>
+        </p:style>
+        <p:txBody>
+          <a:bodyPr rtlCol="0" anchor="ctr"/>
+          <a:lstStyle/>
+          <a:p>
+            <a:pPr algn="ctr"/>
+            <a:endParaRPr lang="zh-CN" altLang="en-US"/>
+          </a:p>
+        </p:txBody>
+      </p:sp>
+      <p:sp>
+        <p:nvSpPr>
+          <p:cNvPr id="18" name="椭圆 17"/>
+          <p:cNvSpPr/>
+          <p:nvPr/>
+        </p:nvSpPr>
+        <p:spPr>
+          <a:xfrm>
+            <a:off x="9802212" y="1379924"/>
+            <a:ext cx="640149" cy="640149"/>
+          </a:xfrm>
+          <a:prstGeom prst="ellipse">
+            <a:avLst/>
+          </a:prstGeom>
+          <a:solidFill>
+            <a:schemeClr val="accent1">
+              <a:lumMod val="60000"/>
+              <a:lumOff val="40000"/>
+            </a:schemeClr>
+          </a:solidFill>
+          <a:ln>
+            <a:noFill/>
+          </a:ln>
+        </p:spPr>
+        <p:style>
+          <a:lnRef idx="2">
+            <a:schemeClr val="accent1">
+              <a:shade val="50000"/>
+            </a:schemeClr>
+          </a:lnRef>
+          <a:fillRef idx="1">
+            <a:schemeClr val="accent1"/>
+          </a:fillRef>
+          <a:effectRef idx="0">
+            <a:schemeClr val="accent1"/>
+          </a:effectRef>
+          <a:fontRef idx="minor">
+            <a:schemeClr val="lt1"/>
+          </a:fontRef>
+        </p:style>
+        <p:txBody>
+          <a:bodyPr rtlCol="0" anchor="ctr"/>
+          <a:lstStyle/>
+          <a:p>
+            <a:pPr algn="ctr"/>
+            <a:endParaRPr lang="zh-CN" altLang="en-US"/>
+          </a:p>
+        </p:txBody>
+      </p:sp>
+      <p:sp>
+        <p:nvSpPr>
+          <p:cNvPr id="19" name="椭圆 18"/>
+          <p:cNvSpPr/>
+          <p:nvPr/>
+        </p:nvSpPr>
+        <p:spPr>
+          <a:xfrm>
+            <a:off x="7483463" y="5060666"/>
+            <a:ext cx="317090" cy="317090"/>
+          </a:xfrm>
+          <a:prstGeom prst="ellipse">
+            <a:avLst/>
+          </a:prstGeom>
+          <a:solidFill>
+            <a:schemeClr val="accent1">
+              <a:lumMod val="60000"/>
+              <a:lumOff val="40000"/>
+            </a:schemeClr>
+          </a:solidFill>
+          <a:ln>
+            <a:noFill/>
+          </a:ln>
+        </p:spPr>
+        <p:style>
+          <a:lnRef idx="2">
+            <a:schemeClr val="accent1">
+              <a:shade val="50000"/>
+            </a:schemeClr>
+          </a:lnRef>
+          <a:fillRef idx="1">
+            <a:schemeClr val="accent1"/>
+          </a:fillRef>
+          <a:effectRef idx="0">
+            <a:schemeClr val="accent1"/>
+          </a:effectRef>
+          <a:fontRef idx="minor">
+            <a:schemeClr val="lt1"/>
+          </a:fontRef>
+        </p:style>
+        <p:txBody>
+          <a:bodyPr rtlCol="0" anchor="ctr"/>
+          <a:lstStyle/>
+          <a:p>
+            <a:pPr algn="ctr"/>
+            <a:endParaRPr lang="zh-CN" altLang="en-US"/>
+          </a:p>
+        </p:txBody>
+      </p:sp>
+      <p:sp>
+        <p:nvSpPr>
+          <p:cNvPr id="20" name="椭圆 19"/>
+          <p:cNvSpPr/>
+          <p:nvPr/>
+        </p:nvSpPr>
+        <p:spPr>
+          <a:xfrm flipH="1" flipV="1">
+            <a:off x="7213620" y="4407605"/>
+            <a:ext cx="316732" cy="341678"/>
+          </a:xfrm>
+          <a:prstGeom prst="ellipse">
+            <a:avLst/>
+          </a:prstGeom>
+          <a:solidFill>
+            <a:schemeClr val="accent1">
+              <a:lumMod val="60000"/>
+              <a:lumOff val="40000"/>
+            </a:schemeClr>
+          </a:solidFill>
+          <a:ln>
+            <a:noFill/>
+          </a:ln>
+        </p:spPr>
+        <p:style>
+          <a:lnRef idx="2">
+            <a:schemeClr val="accent1">
+              <a:shade val="50000"/>
+            </a:schemeClr>
+          </a:lnRef>
+          <a:fillRef idx="1">
+            <a:schemeClr val="accent1"/>
+          </a:fillRef>
+          <a:effectRef idx="0">
+            <a:schemeClr val="accent1"/>
+          </a:effectRef>
+          <a:fontRef idx="minor">
+            <a:schemeClr val="lt1"/>
+          </a:fontRef>
+        </p:style>
+        <p:txBody>
+          <a:bodyPr rtlCol="0" anchor="ctr"/>
+          <a:lstStyle/>
+          <a:p>
+            <a:pPr algn="ctr"/>
+            <a:endParaRPr lang="zh-CN" altLang="en-US"/>
+          </a:p>
+        </p:txBody>
+      </p:sp>
+      <p:sp>
+        <p:nvSpPr>
+          <p:cNvPr id="21" name="椭圆 20"/>
+          <p:cNvSpPr/>
+          <p:nvPr/>
+        </p:nvSpPr>
+        <p:spPr>
+          <a:xfrm>
+            <a:off x="8958781" y="2297971"/>
+            <a:ext cx="232696" cy="232696"/>
+          </a:xfrm>
+          <a:prstGeom prst="ellipse">
+            <a:avLst/>
+          </a:prstGeom>
+          <a:solidFill>
+            <a:schemeClr val="accent1">
+              <a:lumMod val="60000"/>
+              <a:lumOff val="40000"/>
+            </a:schemeClr>
+          </a:solidFill>
+          <a:ln>
+            <a:noFill/>
+          </a:ln>
+        </p:spPr>
+        <p:style>
+          <a:lnRef idx="2">
+            <a:schemeClr val="accent1">
+              <a:shade val="50000"/>
+            </a:schemeClr>
+          </a:lnRef>
+          <a:fillRef idx="1">
+            <a:schemeClr val="accent1"/>
+          </a:fillRef>
+          <a:effectRef idx="0">
+            <a:schemeClr val="accent1"/>
+          </a:effectRef>
+          <a:fontRef idx="minor">
+            <a:schemeClr val="lt1"/>
+          </a:fontRef>
+        </p:style>
+        <p:txBody>
+          <a:bodyPr rtlCol="0" anchor="ctr"/>
+          <a:lstStyle/>
+          <a:p>
+            <a:pPr algn="ctr"/>
+            <a:endParaRPr lang="zh-CN" altLang="en-US"/>
+          </a:p>
+        </p:txBody>
+      </p:sp>
+      <p:sp>
+        <p:nvSpPr>
+          <p:cNvPr id="22" name="椭圆 21"/>
+          <p:cNvSpPr/>
+          <p:nvPr/>
+        </p:nvSpPr>
+        <p:spPr>
+          <a:xfrm>
+            <a:off x="8439363" y="3764548"/>
+            <a:ext cx="830253" cy="830253"/>
+          </a:xfrm>
+          <a:prstGeom prst="ellipse">
+            <a:avLst/>
+          </a:prstGeom>
+          <a:solidFill>
+            <a:schemeClr val="accent1">
+              <a:lumMod val="60000"/>
+              <a:lumOff val="40000"/>
+            </a:schemeClr>
+          </a:solidFill>
+          <a:ln>
+            <a:noFill/>
+          </a:ln>
+        </p:spPr>
+        <p:style>
+          <a:lnRef idx="2">
+            <a:schemeClr val="accent1">
+              <a:shade val="50000"/>
+            </a:schemeClr>
+          </a:lnRef>
+          <a:fillRef idx="1">
+            <a:schemeClr val="accent1"/>
+          </a:fillRef>
+          <a:effectRef idx="0">
+            <a:schemeClr val="accent1"/>
+          </a:effectRef>
+          <a:fontRef idx="minor">
+            <a:schemeClr val="lt1"/>
+          </a:fontRef>
+        </p:style>
+        <p:txBody>
+          <a:bodyPr rtlCol="0" anchor="ctr"/>
+          <a:lstStyle/>
+          <a:p>
+            <a:pPr algn="ctr"/>
+            <a:endParaRPr lang="zh-CN" altLang="en-US"/>
+          </a:p>
+        </p:txBody>
+      </p:sp>
+      <p:sp>
+        <p:nvSpPr>
+          <p:cNvPr id="23" name="椭圆 22"/>
+          <p:cNvSpPr/>
+          <p:nvPr/>
+        </p:nvSpPr>
+        <p:spPr>
+          <a:xfrm>
+            <a:off x="8625071" y="990980"/>
+            <a:ext cx="232696" cy="232696"/>
+          </a:xfrm>
+          <a:prstGeom prst="ellipse">
+            <a:avLst/>
+          </a:prstGeom>
+          <a:solidFill>
+            <a:schemeClr val="accent1">
+              <a:lumMod val="60000"/>
+              <a:lumOff val="40000"/>
+            </a:schemeClr>
+          </a:solidFill>
+          <a:ln>
+            <a:noFill/>
+          </a:ln>
+        </p:spPr>
+        <p:style>
+          <a:lnRef idx="2">
+            <a:schemeClr val="accent1">
+              <a:shade val="50000"/>
+            </a:schemeClr>
+          </a:lnRef>
+          <a:fillRef idx="1">
+            <a:schemeClr val="accent1"/>
+          </a:fillRef>
+          <a:effectRef idx="0">
+            <a:schemeClr val="accent1"/>
+          </a:effectRef>
+          <a:fontRef idx="minor">
+            <a:schemeClr val="lt1"/>
+          </a:fontRef>
+        </p:style>
+        <p:txBody>
+          <a:bodyPr rtlCol="0" anchor="ctr"/>
+          <a:lstStyle/>
+          <a:p>
+            <a:pPr algn="ctr"/>
+            <a:endParaRPr lang="zh-CN" altLang="en-US"/>
+          </a:p>
+        </p:txBody>
+      </p:sp>
+      <p:sp>
+        <p:nvSpPr>
+          <p:cNvPr id="24" name="椭圆 23"/>
+          <p:cNvSpPr/>
+          <p:nvPr/>
+        </p:nvSpPr>
+        <p:spPr>
+          <a:xfrm>
+            <a:off x="10336993" y="3591836"/>
+            <a:ext cx="415127" cy="415127"/>
+          </a:xfrm>
+          <a:prstGeom prst="ellipse">
+            <a:avLst/>
+          </a:prstGeom>
+          <a:solidFill>
+            <a:schemeClr val="accent1">
+              <a:lumMod val="60000"/>
+              <a:lumOff val="40000"/>
+            </a:schemeClr>
+          </a:solidFill>
+          <a:ln>
+            <a:noFill/>
+          </a:ln>
+        </p:spPr>
+        <p:style>
+          <a:lnRef idx="2">
+            <a:schemeClr val="accent1">
+              <a:shade val="50000"/>
+            </a:schemeClr>
+          </a:lnRef>
+          <a:fillRef idx="1">
+            <a:schemeClr val="accent1"/>
+          </a:fillRef>
+          <a:effectRef idx="0">
+            <a:schemeClr val="accent1"/>
+          </a:effectRef>
+          <a:fontRef idx="minor">
+            <a:schemeClr val="lt1"/>
+          </a:fontRef>
+        </p:style>
+        <p:txBody>
+          <a:bodyPr rtlCol="0" anchor="ctr"/>
+          <a:lstStyle/>
+          <a:p>
+            <a:pPr algn="ctr"/>
+            <a:endParaRPr lang="zh-CN" altLang="en-US"/>
+          </a:p>
+        </p:txBody>
+      </p:sp>
+      <p:sp>
+        <p:nvSpPr>
+          <p:cNvPr id="25" name="椭圆 24"/>
+          <p:cNvSpPr/>
+          <p:nvPr/>
+        </p:nvSpPr>
+        <p:spPr>
+          <a:xfrm flipH="1">
+            <a:off x="9252339" y="4908546"/>
+            <a:ext cx="486249" cy="486249"/>
+          </a:xfrm>
+          <a:prstGeom prst="ellipse">
+            <a:avLst/>
+          </a:prstGeom>
+          <a:solidFill>
+            <a:schemeClr val="accent1">
+              <a:lumMod val="60000"/>
+              <a:lumOff val="40000"/>
+            </a:schemeClr>
+          </a:solidFill>
+          <a:ln>
+            <a:noFill/>
+          </a:ln>
+        </p:spPr>
+        <p:style>
+          <a:lnRef idx="2">
+            <a:schemeClr val="accent1">
+              <a:shade val="50000"/>
+            </a:schemeClr>
+          </a:lnRef>
+          <a:fillRef idx="1">
+            <a:schemeClr val="accent1"/>
+          </a:fillRef>
+          <a:effectRef idx="0">
+            <a:schemeClr val="accent1"/>
+          </a:effectRef>
+          <a:fontRef idx="minor">
+            <a:schemeClr val="lt1"/>
+          </a:fontRef>
+        </p:style>
+        <p:txBody>
+          <a:bodyPr rtlCol="0" anchor="ctr"/>
+          <a:lstStyle/>
+          <a:p>
+            <a:pPr algn="ctr"/>
+            <a:endParaRPr lang="zh-CN" altLang="en-US"/>
+          </a:p>
+        </p:txBody>
+      </p:sp>
+      <p:cxnSp>
+        <p:nvCxnSpPr>
+          <p:cNvPr id="27" name="直接连接符 26"/>
+          <p:cNvCxnSpPr/>
+          <p:nvPr/>
+        </p:nvCxnSpPr>
+        <p:spPr>
+          <a:xfrm flipH="1">
+            <a:off x="6765301" y="258587"/>
+            <a:ext cx="1018818" cy="1182825"/>
+          </a:xfrm>
+          <a:prstGeom prst="line">
+            <a:avLst/>
+          </a:prstGeom>
+          <a:ln w="19050"/>
+        </p:spPr>
+        <p:style>
+          <a:lnRef idx="1">
+            <a:schemeClr val="accent1"/>
+          </a:lnRef>
+          <a:fillRef idx="0">
+            <a:schemeClr val="accent1"/>
+          </a:fillRef>
+          <a:effectRef idx="0">
+            <a:schemeClr val="accent1"/>
+          </a:effectRef>
+          <a:fontRef idx="minor">
+            <a:schemeClr val="tx1"/>
+          </a:fontRef>
+        </p:style>
+      </p:cxnSp>
+      <p:cxnSp>
+        <p:nvCxnSpPr>
+          <p:cNvPr id="28" name="直接连接符 27"/>
+          <p:cNvCxnSpPr/>
+          <p:nvPr/>
+        </p:nvCxnSpPr>
+        <p:spPr>
+          <a:xfrm flipH="1">
+            <a:off x="7692372" y="0"/>
+            <a:ext cx="1018818" cy="1182825"/>
+          </a:xfrm>
+          <a:prstGeom prst="line">
+            <a:avLst/>
+          </a:prstGeom>
+          <a:ln w="19050"/>
+        </p:spPr>
+        <p:style>
+          <a:lnRef idx="1">
+            <a:schemeClr val="accent1"/>
+          </a:lnRef>
+          <a:fillRef idx="0">
+            <a:schemeClr val="accent1"/>
+          </a:fillRef>
+          <a:effectRef idx="0">
+            <a:schemeClr val="accent1"/>
+          </a:effectRef>
+          <a:fontRef idx="minor">
+            <a:schemeClr val="tx1"/>
+          </a:fontRef>
+        </p:style>
+      </p:cxnSp>
+      <p:cxnSp>
+        <p:nvCxnSpPr>
+          <p:cNvPr id="29" name="直接连接符 28"/>
+          <p:cNvCxnSpPr/>
+          <p:nvPr/>
+        </p:nvCxnSpPr>
+        <p:spPr>
+          <a:xfrm flipH="1">
+            <a:off x="3351896" y="5229957"/>
+            <a:ext cx="1018818" cy="1182825"/>
+          </a:xfrm>
+          <a:prstGeom prst="line">
+            <a:avLst/>
+          </a:prstGeom>
+          <a:ln w="19050"/>
+        </p:spPr>
+        <p:style>
+          <a:lnRef idx="1">
+            <a:schemeClr val="accent1"/>
+          </a:lnRef>
+          <a:fillRef idx="0">
+            <a:schemeClr val="accent1"/>
+          </a:fillRef>
+          <a:effectRef idx="0">
+            <a:schemeClr val="accent1"/>
+          </a:effectRef>
+          <a:fontRef idx="minor">
+            <a:schemeClr val="tx1"/>
+          </a:fontRef>
+        </p:style>
+      </p:cxnSp>
+      <p:cxnSp>
+        <p:nvCxnSpPr>
+          <p:cNvPr id="30" name="直接连接符 29"/>
+          <p:cNvCxnSpPr/>
+          <p:nvPr/>
+        </p:nvCxnSpPr>
+        <p:spPr>
+          <a:xfrm flipH="1">
+            <a:off x="7191637" y="1455649"/>
+            <a:ext cx="1018818" cy="1182825"/>
+          </a:xfrm>
+          <a:prstGeom prst="line">
+            <a:avLst/>
+          </a:prstGeom>
+          <a:ln w="19050"/>
+        </p:spPr>
+        <p:style>
+          <a:lnRef idx="1">
+            <a:schemeClr val="accent1"/>
+          </a:lnRef>
+          <a:fillRef idx="0">
+            <a:schemeClr val="accent1"/>
+          </a:fillRef>
+          <a:effectRef idx="0">
+            <a:schemeClr val="accent1"/>
+          </a:effectRef>
+          <a:fontRef idx="minor">
+            <a:schemeClr val="tx1"/>
+          </a:fontRef>
+        </p:style>
+      </p:cxnSp>
+      <p:cxnSp>
+        <p:nvCxnSpPr>
+          <p:cNvPr id="32" name="直接连接符 31"/>
+          <p:cNvCxnSpPr/>
+          <p:nvPr/>
+        </p:nvCxnSpPr>
+        <p:spPr>
+          <a:xfrm flipH="1">
+            <a:off x="4419197" y="4892371"/>
+            <a:ext cx="1018818" cy="1182825"/>
+          </a:xfrm>
+          <a:prstGeom prst="line">
+            <a:avLst/>
+          </a:prstGeom>
+          <a:ln w="19050"/>
+        </p:spPr>
+        <p:style>
+          <a:lnRef idx="1">
+            <a:schemeClr val="accent1"/>
+          </a:lnRef>
+          <a:fillRef idx="0">
+            <a:schemeClr val="accent1"/>
+          </a:fillRef>
+          <a:effectRef idx="0">
+            <a:schemeClr val="accent1"/>
+          </a:effectRef>
+          <a:fontRef idx="minor">
+            <a:schemeClr val="tx1"/>
+          </a:fontRef>
+        </p:style>
+      </p:cxnSp>
+      <p:cxnSp>
+        <p:nvCxnSpPr>
+          <p:cNvPr id="34" name="直接连接符 33"/>
+          <p:cNvCxnSpPr/>
+          <p:nvPr/>
+        </p:nvCxnSpPr>
+        <p:spPr>
+          <a:xfrm flipH="1">
+            <a:off x="3992861" y="4061642"/>
+            <a:ext cx="1018818" cy="1182825"/>
+          </a:xfrm>
+          <a:prstGeom prst="line">
+            <a:avLst/>
+          </a:prstGeom>
+          <a:ln w="19050"/>
+        </p:spPr>
+        <p:style>
+          <a:lnRef idx="1">
+            <a:schemeClr val="accent1"/>
+          </a:lnRef>
+          <a:fillRef idx="0">
+            <a:schemeClr val="accent1"/>
+          </a:fillRef>
+          <a:effectRef idx="0">
+            <a:schemeClr val="accent1"/>
+          </a:effectRef>
+          <a:fontRef idx="minor">
+            <a:schemeClr val="tx1"/>
+          </a:fontRef>
+        </p:style>
+      </p:cxnSp>
+    </p:spTree>
+    <p:extLst>
+      <p:ext uri="{BB962C8B-B14F-4D97-AF65-F5344CB8AC3E}">
+        <p14:creationId xmlns:p14="http://schemas.microsoft.com/office/powerpoint/2010/main" val="1874640542"/>
       </p:ext>
     </p:extLst>
   </p:cSld>
